--- a/Daily Expense Manager Using MEAN Stack.pptx
+++ b/Daily Expense Manager Using MEAN Stack.pptx
@@ -1,36 +1,43 @@
 
 <file path=ppt/presentation.xml><?xml version="1.0" encoding="utf-8"?>
-<p:presentation xmlns:a="http://schemas.openxmlformats.org/drawingml/2006/main" xmlns:r="http://schemas.openxmlformats.org/officeDocument/2006/relationships" xmlns:mc="http://schemas.openxmlformats.org/markup-compatibility/2006" xmlns:mv="urn:schemas-microsoft-com:mac:vml" xmlns:p="http://schemas.openxmlformats.org/presentationml/2006/main" xmlns:c="http://schemas.openxmlformats.org/drawingml/2006/chart" xmlns:dgm="http://schemas.openxmlformats.org/drawingml/2006/diagram" xmlns:o="urn:schemas-microsoft-com:office:office" xmlns:v="urn:schemas-microsoft-com:vml" xmlns:pvml="urn:schemas-microsoft-com:office:powerpoint" xmlns:com="http://schemas.openxmlformats.org/drawingml/2006/compatibility" xmlns:p14="http://schemas.microsoft.com/office/powerpoint/2010/main" xmlns:p15="http://schemas.microsoft.com/office/powerpoint/2012/main" autoCompressPictures="0" embedTrueTypeFonts="1" strictFirstAndLastChars="0" saveSubsetFonts="1">
+<p:presentation xmlns:a="http://schemas.openxmlformats.org/drawingml/2006/main" xmlns:r="http://schemas.openxmlformats.org/officeDocument/2006/relationships" xmlns:p="http://schemas.openxmlformats.org/presentationml/2006/main" strictFirstAndLastChars="0" embedTrueTypeFonts="1" saveSubsetFonts="1" autoCompressPictures="0">
   <p:sldMasterIdLst>
-    <p:sldMasterId id="2147483659" r:id="rId3"/>
+    <p:sldMasterId id="2147483659" r:id="rId1"/>
   </p:sldMasterIdLst>
   <p:notesMasterIdLst>
-    <p:notesMasterId r:id="rId4"/>
+    <p:notesMasterId r:id="rId15"/>
   </p:notesMasterIdLst>
   <p:sldIdLst>
-    <p:sldId id="256" r:id="rId5"/>
-    <p:sldId id="257" r:id="rId6"/>
-    <p:sldId id="258" r:id="rId7"/>
-    <p:sldId id="259" r:id="rId8"/>
-    <p:sldId id="260" r:id="rId9"/>
-    <p:sldId id="261" r:id="rId10"/>
+    <p:sldId id="256" r:id="rId2"/>
+    <p:sldId id="257" r:id="rId3"/>
+    <p:sldId id="258" r:id="rId4"/>
+    <p:sldId id="259" r:id="rId5"/>
+    <p:sldId id="260" r:id="rId6"/>
+    <p:sldId id="261" r:id="rId7"/>
+    <p:sldId id="262" r:id="rId8"/>
+    <p:sldId id="263" r:id="rId9"/>
+    <p:sldId id="264" r:id="rId10"/>
+    <p:sldId id="265" r:id="rId11"/>
+    <p:sldId id="266" r:id="rId12"/>
+    <p:sldId id="267" r:id="rId13"/>
+    <p:sldId id="268" r:id="rId14"/>
   </p:sldIdLst>
-  <p:sldSz cy="5143500" cx="9144000"/>
+  <p:sldSz cx="9144000" cy="5143500" type="screen16x9"/>
   <p:notesSz cx="6858000" cy="9144000"/>
   <p:embeddedFontLst>
     <p:embeddedFont>
-      <p:font typeface="Amatic SC"/>
-      <p:regular r:id="rId11"/>
-      <p:bold r:id="rId12"/>
+      <p:font typeface="Amatic SC" charset="-79"/>
+      <p:regular r:id="rId16"/>
+      <p:bold r:id="rId17"/>
     </p:embeddedFont>
     <p:embeddedFont>
-      <p:font typeface="Source Code Pro"/>
-      <p:regular r:id="rId13"/>
-      <p:bold r:id="rId14"/>
+      <p:font typeface="Source Code Pro" charset="0"/>
+      <p:regular r:id="rId18"/>
+      <p:bold r:id="rId19"/>
     </p:embeddedFont>
   </p:embeddedFontLst>
   <p:defaultTextStyle>
-    <a:defPPr lvl="0" marR="0" rtl="0" algn="l">
+    <a:defPPr marR="0" lvl="0" algn="l" rtl="0">
       <a:lnSpc>
         <a:spcPct val="100000"/>
       </a:lnSpc>
@@ -41,7 +48,7 @@
         <a:spcPts val="0"/>
       </a:spcAft>
     </a:defPPr>
-    <a:lvl1pPr lvl="0" marR="0" rtl="0" algn="l">
+    <a:lvl1pPr marR="0" lvl="0" algn="l" rtl="0">
       <a:lnSpc>
         <a:spcPct val="100000"/>
       </a:lnSpc>
@@ -52,7 +59,7 @@
         <a:spcPts val="0"/>
       </a:spcAft>
       <a:buNone/>
-      <a:defRPr b="0" i="0" sz="1400" u="none" cap="none" strike="noStrike">
+      <a:defRPr sz="1400" b="0" i="0" u="none" strike="noStrike" cap="none">
         <a:solidFill>
           <a:srgbClr val="000000"/>
         </a:solidFill>
@@ -62,7 +69,7 @@
         <a:sym typeface="Arial"/>
       </a:defRPr>
     </a:lvl1pPr>
-    <a:lvl2pPr lvl="1" marR="0" rtl="0" algn="l">
+    <a:lvl2pPr marR="0" lvl="1" algn="l" rtl="0">
       <a:lnSpc>
         <a:spcPct val="100000"/>
       </a:lnSpc>
@@ -73,7 +80,7 @@
         <a:spcPts val="0"/>
       </a:spcAft>
       <a:buNone/>
-      <a:defRPr b="0" i="0" sz="1400" u="none" cap="none" strike="noStrike">
+      <a:defRPr sz="1400" b="0" i="0" u="none" strike="noStrike" cap="none">
         <a:solidFill>
           <a:srgbClr val="000000"/>
         </a:solidFill>
@@ -83,7 +90,7 @@
         <a:sym typeface="Arial"/>
       </a:defRPr>
     </a:lvl2pPr>
-    <a:lvl3pPr lvl="2" marR="0" rtl="0" algn="l">
+    <a:lvl3pPr marR="0" lvl="2" algn="l" rtl="0">
       <a:lnSpc>
         <a:spcPct val="100000"/>
       </a:lnSpc>
@@ -94,7 +101,7 @@
         <a:spcPts val="0"/>
       </a:spcAft>
       <a:buNone/>
-      <a:defRPr b="0" i="0" sz="1400" u="none" cap="none" strike="noStrike">
+      <a:defRPr sz="1400" b="0" i="0" u="none" strike="noStrike" cap="none">
         <a:solidFill>
           <a:srgbClr val="000000"/>
         </a:solidFill>
@@ -104,7 +111,7 @@
         <a:sym typeface="Arial"/>
       </a:defRPr>
     </a:lvl3pPr>
-    <a:lvl4pPr lvl="3" marR="0" rtl="0" algn="l">
+    <a:lvl4pPr marR="0" lvl="3" algn="l" rtl="0">
       <a:lnSpc>
         <a:spcPct val="100000"/>
       </a:lnSpc>
@@ -115,7 +122,7 @@
         <a:spcPts val="0"/>
       </a:spcAft>
       <a:buNone/>
-      <a:defRPr b="0" i="0" sz="1400" u="none" cap="none" strike="noStrike">
+      <a:defRPr sz="1400" b="0" i="0" u="none" strike="noStrike" cap="none">
         <a:solidFill>
           <a:srgbClr val="000000"/>
         </a:solidFill>
@@ -125,7 +132,7 @@
         <a:sym typeface="Arial"/>
       </a:defRPr>
     </a:lvl4pPr>
-    <a:lvl5pPr lvl="4" marR="0" rtl="0" algn="l">
+    <a:lvl5pPr marR="0" lvl="4" algn="l" rtl="0">
       <a:lnSpc>
         <a:spcPct val="100000"/>
       </a:lnSpc>
@@ -136,7 +143,7 @@
         <a:spcPts val="0"/>
       </a:spcAft>
       <a:buNone/>
-      <a:defRPr b="0" i="0" sz="1400" u="none" cap="none" strike="noStrike">
+      <a:defRPr sz="1400" b="0" i="0" u="none" strike="noStrike" cap="none">
         <a:solidFill>
           <a:srgbClr val="000000"/>
         </a:solidFill>
@@ -146,7 +153,7 @@
         <a:sym typeface="Arial"/>
       </a:defRPr>
     </a:lvl5pPr>
-    <a:lvl6pPr lvl="5" marR="0" rtl="0" algn="l">
+    <a:lvl6pPr marR="0" lvl="5" algn="l" rtl="0">
       <a:lnSpc>
         <a:spcPct val="100000"/>
       </a:lnSpc>
@@ -157,7 +164,7 @@
         <a:spcPts val="0"/>
       </a:spcAft>
       <a:buNone/>
-      <a:defRPr b="0" i="0" sz="1400" u="none" cap="none" strike="noStrike">
+      <a:defRPr sz="1400" b="0" i="0" u="none" strike="noStrike" cap="none">
         <a:solidFill>
           <a:srgbClr val="000000"/>
         </a:solidFill>
@@ -167,7 +174,7 @@
         <a:sym typeface="Arial"/>
       </a:defRPr>
     </a:lvl6pPr>
-    <a:lvl7pPr lvl="6" marR="0" rtl="0" algn="l">
+    <a:lvl7pPr marR="0" lvl="6" algn="l" rtl="0">
       <a:lnSpc>
         <a:spcPct val="100000"/>
       </a:lnSpc>
@@ -178,7 +185,7 @@
         <a:spcPts val="0"/>
       </a:spcAft>
       <a:buNone/>
-      <a:defRPr b="0" i="0" sz="1400" u="none" cap="none" strike="noStrike">
+      <a:defRPr sz="1400" b="0" i="0" u="none" strike="noStrike" cap="none">
         <a:solidFill>
           <a:srgbClr val="000000"/>
         </a:solidFill>
@@ -188,7 +195,7 @@
         <a:sym typeface="Arial"/>
       </a:defRPr>
     </a:lvl7pPr>
-    <a:lvl8pPr lvl="7" marR="0" rtl="0" algn="l">
+    <a:lvl8pPr marR="0" lvl="7" algn="l" rtl="0">
       <a:lnSpc>
         <a:spcPct val="100000"/>
       </a:lnSpc>
@@ -199,7 +206,7 @@
         <a:spcPts val="0"/>
       </a:spcAft>
       <a:buNone/>
-      <a:defRPr b="0" i="0" sz="1400" u="none" cap="none" strike="noStrike">
+      <a:defRPr sz="1400" b="0" i="0" u="none" strike="noStrike" cap="none">
         <a:solidFill>
           <a:srgbClr val="000000"/>
         </a:solidFill>
@@ -209,7 +216,7 @@
         <a:sym typeface="Arial"/>
       </a:defRPr>
     </a:lvl8pPr>
-    <a:lvl9pPr lvl="8" marR="0" rtl="0" algn="l">
+    <a:lvl9pPr marR="0" lvl="8" algn="l" rtl="0">
       <a:lnSpc>
         <a:spcPct val="100000"/>
       </a:lnSpc>
@@ -220,7 +227,7 @@
         <a:spcPts val="0"/>
       </a:spcAft>
       <a:buNone/>
-      <a:defRPr b="0" i="0" sz="1400" u="none" cap="none" strike="noStrike">
+      <a:defRPr sz="1400" b="0" i="0" u="none" strike="noStrike" cap="none">
         <a:solidFill>
           <a:srgbClr val="000000"/>
         </a:solidFill>
@@ -235,11 +242,16 @@
 </file>
 
 <file path=ppt/notesMasters/notesMaster1.xml><?xml version="1.0" encoding="utf-8"?>
-<p:notesMaster xmlns:a="http://schemas.openxmlformats.org/drawingml/2006/main" xmlns:r="http://schemas.openxmlformats.org/officeDocument/2006/relationships" xmlns:mc="http://schemas.openxmlformats.org/markup-compatibility/2006" xmlns:mv="urn:schemas-microsoft-com:mac:vml" xmlns:p="http://schemas.openxmlformats.org/presentationml/2006/main" xmlns:c="http://schemas.openxmlformats.org/drawingml/2006/chart" xmlns:dgm="http://schemas.openxmlformats.org/drawingml/2006/diagram" xmlns:o="urn:schemas-microsoft-com:office:office" xmlns:v="urn:schemas-microsoft-com:vml" xmlns:pvml="urn:schemas-microsoft-com:office:powerpoint" xmlns:com="http://schemas.openxmlformats.org/drawingml/2006/compatibility" xmlns:p14="http://schemas.microsoft.com/office/powerpoint/2010/main" xmlns:p15="http://schemas.microsoft.com/office/powerpoint/2012/main">
+<p:notesMaster xmlns:a="http://schemas.openxmlformats.org/drawingml/2006/main" xmlns:r="http://schemas.openxmlformats.org/officeDocument/2006/relationships" xmlns:p="http://schemas.openxmlformats.org/presentationml/2006/main">
   <p:cSld>
+    <p:bg>
+      <p:bgRef idx="1001">
+        <a:schemeClr val="bg1"/>
+      </p:bgRef>
+    </p:bg>
     <p:spTree>
       <p:nvGrpSpPr>
-        <p:cNvPr id="2" name="Shape 2"/>
+        <p:cNvPr id="1" name="Shape 2"/>
         <p:cNvGrpSpPr/>
         <p:nvPr/>
       </p:nvGrpSpPr>
@@ -254,9 +266,11 @@
       <p:sp>
         <p:nvSpPr>
           <p:cNvPr id="3" name="Shape 3"/>
-          <p:cNvSpPr/>
+          <p:cNvSpPr>
+            <a:spLocks noGrp="1" noRot="1" noChangeAspect="1"/>
+          </p:cNvSpPr>
           <p:nvPr>
-            <p:ph idx="2" type="sldImg"/>
+            <p:ph type="sldImg" idx="2"/>
           </p:nvPr>
         </p:nvSpPr>
         <p:spPr>
@@ -265,8 +279,13 @@
             <a:ext cx="6096075" cy="3429000"/>
           </a:xfrm>
           <a:custGeom>
+            <a:avLst/>
+            <a:gdLst/>
+            <a:ahLst/>
+            <a:cxnLst/>
+            <a:rect l="0" t="0" r="0" b="0"/>
             <a:pathLst>
-              <a:path extrusionOk="0" h="120000" w="120000">
+              <a:path w="120000" h="120000" extrusionOk="0">
                 <a:moveTo>
                   <a:pt x="0" y="0"/>
                 </a:moveTo>
@@ -284,23 +303,25 @@
             </a:pathLst>
           </a:custGeom>
           <a:noFill/>
-          <a:ln cap="flat" cmpd="sng" w="9525">
+          <a:ln w="9525" cap="flat" cmpd="sng">
             <a:solidFill>
               <a:srgbClr val="000000"/>
             </a:solidFill>
             <a:prstDash val="solid"/>
             <a:round/>
-            <a:headEnd len="med" w="med" type="none"/>
-            <a:tailEnd len="med" w="med" type="none"/>
+            <a:headEnd type="none" w="med" len="med"/>
+            <a:tailEnd type="none" w="med" len="med"/>
           </a:ln>
         </p:spPr>
       </p:sp>
       <p:sp>
         <p:nvSpPr>
           <p:cNvPr id="4" name="Shape 4"/>
-          <p:cNvSpPr txBox="1"/>
+          <p:cNvSpPr txBox="1">
+            <a:spLocks noGrp="1"/>
+          </p:cNvSpPr>
           <p:nvPr>
-            <p:ph idx="1" type="body"/>
+            <p:ph type="body" idx="1"/>
           </p:nvPr>
         </p:nvSpPr>
         <p:spPr>
@@ -317,7 +338,7 @@
           </a:ln>
         </p:spPr>
         <p:txBody>
-          <a:bodyPr anchorCtr="0" anchor="t" bIns="91425" lIns="91425" rIns="91425" tIns="91425"/>
+          <a:bodyPr lIns="91425" tIns="91425" rIns="91425" bIns="91425" anchor="t" anchorCtr="0"/>
           <a:lstStyle>
             <a:lvl1pPr lvl="0">
               <a:spcBef>
@@ -392,21 +413,115 @@
               <a:defRPr sz="1100"/>
             </a:lvl9pPr>
           </a:lstStyle>
-          <a:p/>
+          <a:p>
+            <a:endParaRPr/>
+          </a:p>
         </p:txBody>
       </p:sp>
     </p:spTree>
   </p:cSld>
-  <p:clrMap accent1="accent1" accent2="accent2" accent3="accent3" accent4="accent4" accent5="accent5" accent6="accent6" bg1="lt1" bg2="dk2" tx1="dk1" tx2="lt2" folHlink="folHlink" hlink="hlink"/>
+  <p:clrMap bg1="lt1" tx1="dk1" bg2="dk2" tx2="lt2" accent1="accent1" accent2="accent2" accent3="accent3" accent4="accent4" accent5="accent5" accent6="accent6" hlink="hlink" folHlink="folHlink"/>
+  <p:notesStyle>
+    <a:lvl1pPr marL="0" algn="l" defTabSz="914400" rtl="0" eaLnBrk="1" latinLnBrk="0" hangingPunct="1">
+      <a:defRPr sz="1200" kern="1200">
+        <a:solidFill>
+          <a:schemeClr val="tx1"/>
+        </a:solidFill>
+        <a:latin typeface="+mn-lt"/>
+        <a:ea typeface="+mn-ea"/>
+        <a:cs typeface="+mn-cs"/>
+      </a:defRPr>
+    </a:lvl1pPr>
+    <a:lvl2pPr marL="457200" algn="l" defTabSz="914400" rtl="0" eaLnBrk="1" latinLnBrk="0" hangingPunct="1">
+      <a:defRPr sz="1200" kern="1200">
+        <a:solidFill>
+          <a:schemeClr val="tx1"/>
+        </a:solidFill>
+        <a:latin typeface="+mn-lt"/>
+        <a:ea typeface="+mn-ea"/>
+        <a:cs typeface="+mn-cs"/>
+      </a:defRPr>
+    </a:lvl2pPr>
+    <a:lvl3pPr marL="914400" algn="l" defTabSz="914400" rtl="0" eaLnBrk="1" latinLnBrk="0" hangingPunct="1">
+      <a:defRPr sz="1200" kern="1200">
+        <a:solidFill>
+          <a:schemeClr val="tx1"/>
+        </a:solidFill>
+        <a:latin typeface="+mn-lt"/>
+        <a:ea typeface="+mn-ea"/>
+        <a:cs typeface="+mn-cs"/>
+      </a:defRPr>
+    </a:lvl3pPr>
+    <a:lvl4pPr marL="1371600" algn="l" defTabSz="914400" rtl="0" eaLnBrk="1" latinLnBrk="0" hangingPunct="1">
+      <a:defRPr sz="1200" kern="1200">
+        <a:solidFill>
+          <a:schemeClr val="tx1"/>
+        </a:solidFill>
+        <a:latin typeface="+mn-lt"/>
+        <a:ea typeface="+mn-ea"/>
+        <a:cs typeface="+mn-cs"/>
+      </a:defRPr>
+    </a:lvl4pPr>
+    <a:lvl5pPr marL="1828800" algn="l" defTabSz="914400" rtl="0" eaLnBrk="1" latinLnBrk="0" hangingPunct="1">
+      <a:defRPr sz="1200" kern="1200">
+        <a:solidFill>
+          <a:schemeClr val="tx1"/>
+        </a:solidFill>
+        <a:latin typeface="+mn-lt"/>
+        <a:ea typeface="+mn-ea"/>
+        <a:cs typeface="+mn-cs"/>
+      </a:defRPr>
+    </a:lvl5pPr>
+    <a:lvl6pPr marL="2286000" algn="l" defTabSz="914400" rtl="0" eaLnBrk="1" latinLnBrk="0" hangingPunct="1">
+      <a:defRPr sz="1200" kern="1200">
+        <a:solidFill>
+          <a:schemeClr val="tx1"/>
+        </a:solidFill>
+        <a:latin typeface="+mn-lt"/>
+        <a:ea typeface="+mn-ea"/>
+        <a:cs typeface="+mn-cs"/>
+      </a:defRPr>
+    </a:lvl6pPr>
+    <a:lvl7pPr marL="2743200" algn="l" defTabSz="914400" rtl="0" eaLnBrk="1" latinLnBrk="0" hangingPunct="1">
+      <a:defRPr sz="1200" kern="1200">
+        <a:solidFill>
+          <a:schemeClr val="tx1"/>
+        </a:solidFill>
+        <a:latin typeface="+mn-lt"/>
+        <a:ea typeface="+mn-ea"/>
+        <a:cs typeface="+mn-cs"/>
+      </a:defRPr>
+    </a:lvl7pPr>
+    <a:lvl8pPr marL="3200400" algn="l" defTabSz="914400" rtl="0" eaLnBrk="1" latinLnBrk="0" hangingPunct="1">
+      <a:defRPr sz="1200" kern="1200">
+        <a:solidFill>
+          <a:schemeClr val="tx1"/>
+        </a:solidFill>
+        <a:latin typeface="+mn-lt"/>
+        <a:ea typeface="+mn-ea"/>
+        <a:cs typeface="+mn-cs"/>
+      </a:defRPr>
+    </a:lvl8pPr>
+    <a:lvl9pPr marL="3657600" algn="l" defTabSz="914400" rtl="0" eaLnBrk="1" latinLnBrk="0" hangingPunct="1">
+      <a:defRPr sz="1200" kern="1200">
+        <a:solidFill>
+          <a:schemeClr val="tx1"/>
+        </a:solidFill>
+        <a:latin typeface="+mn-lt"/>
+        <a:ea typeface="+mn-ea"/>
+        <a:cs typeface="+mn-cs"/>
+      </a:defRPr>
+    </a:lvl9pPr>
+  </p:notesStyle>
 </p:notesMaster>
 </file>
 
 <file path=ppt/notesSlides/notesSlide1.xml><?xml version="1.0" encoding="utf-8"?>
-<p:notes xmlns:a="http://schemas.openxmlformats.org/drawingml/2006/main" xmlns:r="http://schemas.openxmlformats.org/officeDocument/2006/relationships" xmlns:mc="http://schemas.openxmlformats.org/markup-compatibility/2006" xmlns:mv="urn:schemas-microsoft-com:mac:vml" xmlns:p="http://schemas.openxmlformats.org/presentationml/2006/main" xmlns:c="http://schemas.openxmlformats.org/drawingml/2006/chart" xmlns:dgm="http://schemas.openxmlformats.org/drawingml/2006/diagram" xmlns:o="urn:schemas-microsoft-com:office:office" xmlns:v="urn:schemas-microsoft-com:vml" xmlns:pvml="urn:schemas-microsoft-com:office:powerpoint" xmlns:com="http://schemas.openxmlformats.org/drawingml/2006/compatibility" xmlns:p14="http://schemas.microsoft.com/office/powerpoint/2010/main" xmlns:p15="http://schemas.microsoft.com/office/powerpoint/2012/main" showMasterPhAnim="0" showMasterSp="0">
+<p:notes xmlns:a="http://schemas.openxmlformats.org/drawingml/2006/main" xmlns:r="http://schemas.openxmlformats.org/officeDocument/2006/relationships" xmlns:p="http://schemas.openxmlformats.org/presentationml/2006/main" showMasterSp="0" showMasterPhAnim="0">
   <p:cSld>
     <p:spTree>
       <p:nvGrpSpPr>
-        <p:cNvPr id="52" name="Shape 52"/>
+        <p:cNvPr id="1" name="Shape 52"/>
         <p:cNvGrpSpPr/>
         <p:nvPr/>
       </p:nvGrpSpPr>
@@ -421,9 +536,11 @@
       <p:sp>
         <p:nvSpPr>
           <p:cNvPr id="53" name="Shape 53"/>
-          <p:cNvSpPr/>
+          <p:cNvSpPr>
+            <a:spLocks noGrp="1" noRot="1" noChangeAspect="1"/>
+          </p:cNvSpPr>
           <p:nvPr>
-            <p:ph idx="2" type="sldImg"/>
+            <p:ph type="sldImg" idx="2"/>
           </p:nvPr>
         </p:nvSpPr>
         <p:spPr>
@@ -432,8 +549,13 @@
             <a:ext cx="6096075" cy="3429000"/>
           </a:xfrm>
           <a:custGeom>
+            <a:avLst/>
+            <a:gdLst/>
+            <a:ahLst/>
+            <a:cxnLst/>
+            <a:rect l="0" t="0" r="0" b="0"/>
             <a:pathLst>
-              <a:path extrusionOk="0" h="120000" w="120000">
+              <a:path w="120000" h="120000" extrusionOk="0">
                 <a:moveTo>
                   <a:pt x="0" y="0"/>
                 </a:moveTo>
@@ -455,9 +577,11 @@
       <p:sp>
         <p:nvSpPr>
           <p:cNvPr id="54" name="Shape 54"/>
-          <p:cNvSpPr txBox="1"/>
+          <p:cNvSpPr txBox="1">
+            <a:spLocks noGrp="1"/>
+          </p:cNvSpPr>
           <p:nvPr>
-            <p:ph idx="1" type="body"/>
+            <p:ph type="body" idx="1"/>
           </p:nvPr>
         </p:nvSpPr>
         <p:spPr>
@@ -470,7 +594,7 @@
           </a:prstGeom>
         </p:spPr>
         <p:txBody>
-          <a:bodyPr anchorCtr="0" anchor="t" bIns="91425" lIns="91425" rIns="91425" tIns="91425">
+          <a:bodyPr lIns="91425" tIns="91425" rIns="91425" bIns="91425" anchor="t" anchorCtr="0">
             <a:noAutofit/>
           </a:bodyPr>
           <a:lstStyle/>
@@ -481,9 +605,6 @@
               </a:spcBef>
               <a:buNone/>
             </a:pPr>
-            <a:r>
-              <a:t/>
-            </a:r>
             <a:endParaRPr/>
           </a:p>
         </p:txBody>
@@ -497,11 +618,11 @@
 </file>
 
 <file path=ppt/notesSlides/notesSlide2.xml><?xml version="1.0" encoding="utf-8"?>
-<p:notes xmlns:a="http://schemas.openxmlformats.org/drawingml/2006/main" xmlns:r="http://schemas.openxmlformats.org/officeDocument/2006/relationships" xmlns:mc="http://schemas.openxmlformats.org/markup-compatibility/2006" xmlns:mv="urn:schemas-microsoft-com:mac:vml" xmlns:p="http://schemas.openxmlformats.org/presentationml/2006/main" xmlns:c="http://schemas.openxmlformats.org/drawingml/2006/chart" xmlns:dgm="http://schemas.openxmlformats.org/drawingml/2006/diagram" xmlns:o="urn:schemas-microsoft-com:office:office" xmlns:v="urn:schemas-microsoft-com:vml" xmlns:pvml="urn:schemas-microsoft-com:office:powerpoint" xmlns:com="http://schemas.openxmlformats.org/drawingml/2006/compatibility" xmlns:p14="http://schemas.microsoft.com/office/powerpoint/2010/main" xmlns:p15="http://schemas.microsoft.com/office/powerpoint/2012/main" showMasterPhAnim="0" showMasterSp="0">
+<p:notes xmlns:a="http://schemas.openxmlformats.org/drawingml/2006/main" xmlns:r="http://schemas.openxmlformats.org/officeDocument/2006/relationships" xmlns:p="http://schemas.openxmlformats.org/presentationml/2006/main" showMasterSp="0" showMasterPhAnim="0">
   <p:cSld>
     <p:spTree>
       <p:nvGrpSpPr>
-        <p:cNvPr id="58" name="Shape 58"/>
+        <p:cNvPr id="1" name="Shape 58"/>
         <p:cNvGrpSpPr/>
         <p:nvPr/>
       </p:nvGrpSpPr>
@@ -516,9 +637,11 @@
       <p:sp>
         <p:nvSpPr>
           <p:cNvPr id="59" name="Shape 59"/>
-          <p:cNvSpPr/>
+          <p:cNvSpPr>
+            <a:spLocks noGrp="1" noRot="1" noChangeAspect="1"/>
+          </p:cNvSpPr>
           <p:nvPr>
-            <p:ph idx="2" type="sldImg"/>
+            <p:ph type="sldImg" idx="2"/>
           </p:nvPr>
         </p:nvSpPr>
         <p:spPr>
@@ -527,8 +650,13 @@
             <a:ext cx="6096000" cy="3429000"/>
           </a:xfrm>
           <a:custGeom>
+            <a:avLst/>
+            <a:gdLst/>
+            <a:ahLst/>
+            <a:cxnLst/>
+            <a:rect l="0" t="0" r="0" b="0"/>
             <a:pathLst>
-              <a:path extrusionOk="0" h="120000" w="120000">
+              <a:path w="120000" h="120000" extrusionOk="0">
                 <a:moveTo>
                   <a:pt x="0" y="0"/>
                 </a:moveTo>
@@ -550,9 +678,11 @@
       <p:sp>
         <p:nvSpPr>
           <p:cNvPr id="60" name="Shape 60"/>
-          <p:cNvSpPr txBox="1"/>
+          <p:cNvSpPr txBox="1">
+            <a:spLocks noGrp="1"/>
+          </p:cNvSpPr>
           <p:nvPr>
-            <p:ph idx="1" type="body"/>
+            <p:ph type="body" idx="1"/>
           </p:nvPr>
         </p:nvSpPr>
         <p:spPr>
@@ -565,7 +695,7 @@
           </a:prstGeom>
         </p:spPr>
         <p:txBody>
-          <a:bodyPr anchorCtr="0" anchor="t" bIns="91425" lIns="91425" rIns="91425" tIns="91425">
+          <a:bodyPr lIns="91425" tIns="91425" rIns="91425" bIns="91425" anchor="t" anchorCtr="0">
             <a:noAutofit/>
           </a:bodyPr>
           <a:lstStyle/>
@@ -576,9 +706,6 @@
               </a:spcBef>
               <a:buNone/>
             </a:pPr>
-            <a:r>
-              <a:t/>
-            </a:r>
             <a:endParaRPr/>
           </a:p>
         </p:txBody>
@@ -592,11 +719,11 @@
 </file>
 
 <file path=ppt/notesSlides/notesSlide3.xml><?xml version="1.0" encoding="utf-8"?>
-<p:notes xmlns:a="http://schemas.openxmlformats.org/drawingml/2006/main" xmlns:r="http://schemas.openxmlformats.org/officeDocument/2006/relationships" xmlns:mc="http://schemas.openxmlformats.org/markup-compatibility/2006" xmlns:mv="urn:schemas-microsoft-com:mac:vml" xmlns:p="http://schemas.openxmlformats.org/presentationml/2006/main" xmlns:c="http://schemas.openxmlformats.org/drawingml/2006/chart" xmlns:dgm="http://schemas.openxmlformats.org/drawingml/2006/diagram" xmlns:o="urn:schemas-microsoft-com:office:office" xmlns:v="urn:schemas-microsoft-com:vml" xmlns:pvml="urn:schemas-microsoft-com:office:powerpoint" xmlns:com="http://schemas.openxmlformats.org/drawingml/2006/compatibility" xmlns:p14="http://schemas.microsoft.com/office/powerpoint/2010/main" xmlns:p15="http://schemas.microsoft.com/office/powerpoint/2012/main" showMasterPhAnim="0" showMasterSp="0">
+<p:notes xmlns:a="http://schemas.openxmlformats.org/drawingml/2006/main" xmlns:r="http://schemas.openxmlformats.org/officeDocument/2006/relationships" xmlns:p="http://schemas.openxmlformats.org/presentationml/2006/main" showMasterSp="0" showMasterPhAnim="0">
   <p:cSld>
     <p:spTree>
       <p:nvGrpSpPr>
-        <p:cNvPr id="64" name="Shape 64"/>
+        <p:cNvPr id="1" name="Shape 64"/>
         <p:cNvGrpSpPr/>
         <p:nvPr/>
       </p:nvGrpSpPr>
@@ -611,9 +738,11 @@
       <p:sp>
         <p:nvSpPr>
           <p:cNvPr id="65" name="Shape 65"/>
-          <p:cNvSpPr/>
+          <p:cNvSpPr>
+            <a:spLocks noGrp="1" noRot="1" noChangeAspect="1"/>
+          </p:cNvSpPr>
           <p:nvPr>
-            <p:ph idx="2" type="sldImg"/>
+            <p:ph type="sldImg" idx="2"/>
           </p:nvPr>
         </p:nvSpPr>
         <p:spPr>
@@ -622,8 +751,13 @@
             <a:ext cx="6096000" cy="3429000"/>
           </a:xfrm>
           <a:custGeom>
+            <a:avLst/>
+            <a:gdLst/>
+            <a:ahLst/>
+            <a:cxnLst/>
+            <a:rect l="0" t="0" r="0" b="0"/>
             <a:pathLst>
-              <a:path extrusionOk="0" h="120000" w="120000">
+              <a:path w="120000" h="120000" extrusionOk="0">
                 <a:moveTo>
                   <a:pt x="0" y="0"/>
                 </a:moveTo>
@@ -645,9 +779,11 @@
       <p:sp>
         <p:nvSpPr>
           <p:cNvPr id="66" name="Shape 66"/>
-          <p:cNvSpPr txBox="1"/>
+          <p:cNvSpPr txBox="1">
+            <a:spLocks noGrp="1"/>
+          </p:cNvSpPr>
           <p:nvPr>
-            <p:ph idx="1" type="body"/>
+            <p:ph type="body" idx="1"/>
           </p:nvPr>
         </p:nvSpPr>
         <p:spPr>
@@ -660,7 +796,7 @@
           </a:prstGeom>
         </p:spPr>
         <p:txBody>
-          <a:bodyPr anchorCtr="0" anchor="t" bIns="91425" lIns="91425" rIns="91425" tIns="91425">
+          <a:bodyPr lIns="91425" tIns="91425" rIns="91425" bIns="91425" anchor="t" anchorCtr="0">
             <a:noAutofit/>
           </a:bodyPr>
           <a:lstStyle/>
@@ -671,9 +807,6 @@
               </a:spcBef>
               <a:buNone/>
             </a:pPr>
-            <a:r>
-              <a:t/>
-            </a:r>
             <a:endParaRPr/>
           </a:p>
         </p:txBody>
@@ -687,11 +820,11 @@
 </file>
 
 <file path=ppt/notesSlides/notesSlide4.xml><?xml version="1.0" encoding="utf-8"?>
-<p:notes xmlns:a="http://schemas.openxmlformats.org/drawingml/2006/main" xmlns:r="http://schemas.openxmlformats.org/officeDocument/2006/relationships" xmlns:mc="http://schemas.openxmlformats.org/markup-compatibility/2006" xmlns:mv="urn:schemas-microsoft-com:mac:vml" xmlns:p="http://schemas.openxmlformats.org/presentationml/2006/main" xmlns:c="http://schemas.openxmlformats.org/drawingml/2006/chart" xmlns:dgm="http://schemas.openxmlformats.org/drawingml/2006/diagram" xmlns:o="urn:schemas-microsoft-com:office:office" xmlns:v="urn:schemas-microsoft-com:vml" xmlns:pvml="urn:schemas-microsoft-com:office:powerpoint" xmlns:com="http://schemas.openxmlformats.org/drawingml/2006/compatibility" xmlns:p14="http://schemas.microsoft.com/office/powerpoint/2010/main" xmlns:p15="http://schemas.microsoft.com/office/powerpoint/2012/main" showMasterPhAnim="0" showMasterSp="0">
+<p:notes xmlns:a="http://schemas.openxmlformats.org/drawingml/2006/main" xmlns:r="http://schemas.openxmlformats.org/officeDocument/2006/relationships" xmlns:p="http://schemas.openxmlformats.org/presentationml/2006/main" showMasterSp="0" showMasterPhAnim="0">
   <p:cSld>
     <p:spTree>
       <p:nvGrpSpPr>
-        <p:cNvPr id="70" name="Shape 70"/>
+        <p:cNvPr id="1" name="Shape 70"/>
         <p:cNvGrpSpPr/>
         <p:nvPr/>
       </p:nvGrpSpPr>
@@ -706,9 +839,11 @@
       <p:sp>
         <p:nvSpPr>
           <p:cNvPr id="71" name="Shape 71"/>
-          <p:cNvSpPr/>
+          <p:cNvSpPr>
+            <a:spLocks noGrp="1" noRot="1" noChangeAspect="1"/>
+          </p:cNvSpPr>
           <p:nvPr>
-            <p:ph idx="2" type="sldImg"/>
+            <p:ph type="sldImg" idx="2"/>
           </p:nvPr>
         </p:nvSpPr>
         <p:spPr>
@@ -717,8 +852,13 @@
             <a:ext cx="6096000" cy="3429000"/>
           </a:xfrm>
           <a:custGeom>
+            <a:avLst/>
+            <a:gdLst/>
+            <a:ahLst/>
+            <a:cxnLst/>
+            <a:rect l="0" t="0" r="0" b="0"/>
             <a:pathLst>
-              <a:path extrusionOk="0" h="120000" w="120000">
+              <a:path w="120000" h="120000" extrusionOk="0">
                 <a:moveTo>
                   <a:pt x="0" y="0"/>
                 </a:moveTo>
@@ -740,9 +880,11 @@
       <p:sp>
         <p:nvSpPr>
           <p:cNvPr id="72" name="Shape 72"/>
-          <p:cNvSpPr txBox="1"/>
+          <p:cNvSpPr txBox="1">
+            <a:spLocks noGrp="1"/>
+          </p:cNvSpPr>
           <p:nvPr>
-            <p:ph idx="1" type="body"/>
+            <p:ph type="body" idx="1"/>
           </p:nvPr>
         </p:nvSpPr>
         <p:spPr>
@@ -755,7 +897,7 @@
           </a:prstGeom>
         </p:spPr>
         <p:txBody>
-          <a:bodyPr anchorCtr="0" anchor="t" bIns="91425" lIns="91425" rIns="91425" tIns="91425">
+          <a:bodyPr lIns="91425" tIns="91425" rIns="91425" bIns="91425" anchor="t" anchorCtr="0">
             <a:noAutofit/>
           </a:bodyPr>
           <a:lstStyle/>
@@ -766,9 +908,6 @@
               </a:spcBef>
               <a:buNone/>
             </a:pPr>
-            <a:r>
-              <a:t/>
-            </a:r>
             <a:endParaRPr/>
           </a:p>
         </p:txBody>
@@ -782,11 +921,11 @@
 </file>
 
 <file path=ppt/notesSlides/notesSlide5.xml><?xml version="1.0" encoding="utf-8"?>
-<p:notes xmlns:a="http://schemas.openxmlformats.org/drawingml/2006/main" xmlns:r="http://schemas.openxmlformats.org/officeDocument/2006/relationships" xmlns:mc="http://schemas.openxmlformats.org/markup-compatibility/2006" xmlns:mv="urn:schemas-microsoft-com:mac:vml" xmlns:p="http://schemas.openxmlformats.org/presentationml/2006/main" xmlns:c="http://schemas.openxmlformats.org/drawingml/2006/chart" xmlns:dgm="http://schemas.openxmlformats.org/drawingml/2006/diagram" xmlns:o="urn:schemas-microsoft-com:office:office" xmlns:v="urn:schemas-microsoft-com:vml" xmlns:pvml="urn:schemas-microsoft-com:office:powerpoint" xmlns:com="http://schemas.openxmlformats.org/drawingml/2006/compatibility" xmlns:p14="http://schemas.microsoft.com/office/powerpoint/2010/main" xmlns:p15="http://schemas.microsoft.com/office/powerpoint/2012/main" showMasterPhAnim="0" showMasterSp="0">
+<p:notes xmlns:a="http://schemas.openxmlformats.org/drawingml/2006/main" xmlns:r="http://schemas.openxmlformats.org/officeDocument/2006/relationships" xmlns:p="http://schemas.openxmlformats.org/presentationml/2006/main" showMasterSp="0" showMasterPhAnim="0">
   <p:cSld>
     <p:spTree>
       <p:nvGrpSpPr>
-        <p:cNvPr id="77" name="Shape 77"/>
+        <p:cNvPr id="1" name="Shape 77"/>
         <p:cNvGrpSpPr/>
         <p:nvPr/>
       </p:nvGrpSpPr>
@@ -801,9 +940,11 @@
       <p:sp>
         <p:nvSpPr>
           <p:cNvPr id="78" name="Shape 78"/>
-          <p:cNvSpPr/>
+          <p:cNvSpPr>
+            <a:spLocks noGrp="1" noRot="1" noChangeAspect="1"/>
+          </p:cNvSpPr>
           <p:nvPr>
-            <p:ph idx="2" type="sldImg"/>
+            <p:ph type="sldImg" idx="2"/>
           </p:nvPr>
         </p:nvSpPr>
         <p:spPr>
@@ -812,8 +953,13 @@
             <a:ext cx="6096000" cy="3429000"/>
           </a:xfrm>
           <a:custGeom>
+            <a:avLst/>
+            <a:gdLst/>
+            <a:ahLst/>
+            <a:cxnLst/>
+            <a:rect l="0" t="0" r="0" b="0"/>
             <a:pathLst>
-              <a:path extrusionOk="0" h="120000" w="120000">
+              <a:path w="120000" h="120000" extrusionOk="0">
                 <a:moveTo>
                   <a:pt x="0" y="0"/>
                 </a:moveTo>
@@ -835,9 +981,11 @@
       <p:sp>
         <p:nvSpPr>
           <p:cNvPr id="79" name="Shape 79"/>
-          <p:cNvSpPr txBox="1"/>
+          <p:cNvSpPr txBox="1">
+            <a:spLocks noGrp="1"/>
+          </p:cNvSpPr>
           <p:nvPr>
-            <p:ph idx="1" type="body"/>
+            <p:ph type="body" idx="1"/>
           </p:nvPr>
         </p:nvSpPr>
         <p:spPr>
@@ -850,7 +998,7 @@
           </a:prstGeom>
         </p:spPr>
         <p:txBody>
-          <a:bodyPr anchorCtr="0" anchor="t" bIns="91425" lIns="91425" rIns="91425" tIns="91425">
+          <a:bodyPr lIns="91425" tIns="91425" rIns="91425" bIns="91425" anchor="t" anchorCtr="0">
             <a:noAutofit/>
           </a:bodyPr>
           <a:lstStyle/>
@@ -861,9 +1009,6 @@
               </a:spcBef>
               <a:buNone/>
             </a:pPr>
-            <a:r>
-              <a:t/>
-            </a:r>
             <a:endParaRPr/>
           </a:p>
         </p:txBody>
@@ -877,11 +1022,11 @@
 </file>
 
 <file path=ppt/notesSlides/notesSlide6.xml><?xml version="1.0" encoding="utf-8"?>
-<p:notes xmlns:a="http://schemas.openxmlformats.org/drawingml/2006/main" xmlns:r="http://schemas.openxmlformats.org/officeDocument/2006/relationships" xmlns:mc="http://schemas.openxmlformats.org/markup-compatibility/2006" xmlns:mv="urn:schemas-microsoft-com:mac:vml" xmlns:p="http://schemas.openxmlformats.org/presentationml/2006/main" xmlns:c="http://schemas.openxmlformats.org/drawingml/2006/chart" xmlns:dgm="http://schemas.openxmlformats.org/drawingml/2006/diagram" xmlns:o="urn:schemas-microsoft-com:office:office" xmlns:v="urn:schemas-microsoft-com:vml" xmlns:pvml="urn:schemas-microsoft-com:office:powerpoint" xmlns:com="http://schemas.openxmlformats.org/drawingml/2006/compatibility" xmlns:p14="http://schemas.microsoft.com/office/powerpoint/2010/main" xmlns:p15="http://schemas.microsoft.com/office/powerpoint/2012/main" showMasterPhAnim="0" showMasterSp="0">
+<p:notes xmlns:a="http://schemas.openxmlformats.org/drawingml/2006/main" xmlns:r="http://schemas.openxmlformats.org/officeDocument/2006/relationships" xmlns:p="http://schemas.openxmlformats.org/presentationml/2006/main" showMasterSp="0" showMasterPhAnim="0">
   <p:cSld>
     <p:spTree>
       <p:nvGrpSpPr>
-        <p:cNvPr id="84" name="Shape 84"/>
+        <p:cNvPr id="1" name="Shape 84"/>
         <p:cNvGrpSpPr/>
         <p:nvPr/>
       </p:nvGrpSpPr>
@@ -896,9 +1041,11 @@
       <p:sp>
         <p:nvSpPr>
           <p:cNvPr id="85" name="Shape 85"/>
-          <p:cNvSpPr/>
+          <p:cNvSpPr>
+            <a:spLocks noGrp="1" noRot="1" noChangeAspect="1"/>
+          </p:cNvSpPr>
           <p:nvPr>
-            <p:ph idx="2" type="sldImg"/>
+            <p:ph type="sldImg" idx="2"/>
           </p:nvPr>
         </p:nvSpPr>
         <p:spPr>
@@ -907,8 +1054,13 @@
             <a:ext cx="6096000" cy="3429000"/>
           </a:xfrm>
           <a:custGeom>
+            <a:avLst/>
+            <a:gdLst/>
+            <a:ahLst/>
+            <a:cxnLst/>
+            <a:rect l="0" t="0" r="0" b="0"/>
             <a:pathLst>
-              <a:path extrusionOk="0" h="120000" w="120000">
+              <a:path w="120000" h="120000" extrusionOk="0">
                 <a:moveTo>
                   <a:pt x="0" y="0"/>
                 </a:moveTo>
@@ -930,9 +1082,11 @@
       <p:sp>
         <p:nvSpPr>
           <p:cNvPr id="86" name="Shape 86"/>
-          <p:cNvSpPr txBox="1"/>
+          <p:cNvSpPr txBox="1">
+            <a:spLocks noGrp="1"/>
+          </p:cNvSpPr>
           <p:nvPr>
-            <p:ph idx="1" type="body"/>
+            <p:ph type="body" idx="1"/>
           </p:nvPr>
         </p:nvSpPr>
         <p:spPr>
@@ -945,7 +1099,7 @@
           </a:prstGeom>
         </p:spPr>
         <p:txBody>
-          <a:bodyPr anchorCtr="0" anchor="t" bIns="91425" lIns="91425" rIns="91425" tIns="91425">
+          <a:bodyPr lIns="91425" tIns="91425" rIns="91425" bIns="91425" anchor="t" anchorCtr="0">
             <a:noAutofit/>
           </a:bodyPr>
           <a:lstStyle/>
@@ -956,9 +1110,6 @@
               </a:spcBef>
               <a:buNone/>
             </a:pPr>
-            <a:r>
-              <a:t/>
-            </a:r>
             <a:endParaRPr/>
           </a:p>
         </p:txBody>
@@ -972,18 +1123,19 @@
 </file>
 
 <file path=ppt/slideLayouts/slideLayout1.xml><?xml version="1.0" encoding="utf-8"?>
-<p:sldLayout xmlns:a="http://schemas.openxmlformats.org/drawingml/2006/main" xmlns:r="http://schemas.openxmlformats.org/officeDocument/2006/relationships" xmlns:mc="http://schemas.openxmlformats.org/markup-compatibility/2006" xmlns:mv="urn:schemas-microsoft-com:mac:vml" xmlns:p="http://schemas.openxmlformats.org/presentationml/2006/main" xmlns:c="http://schemas.openxmlformats.org/drawingml/2006/chart" xmlns:dgm="http://schemas.openxmlformats.org/drawingml/2006/diagram" xmlns:o="urn:schemas-microsoft-com:office:office" xmlns:v="urn:schemas-microsoft-com:vml" xmlns:pvml="urn:schemas-microsoft-com:office:powerpoint" xmlns:com="http://schemas.openxmlformats.org/drawingml/2006/compatibility" xmlns:p14="http://schemas.microsoft.com/office/powerpoint/2010/main" xmlns:p15="http://schemas.microsoft.com/office/powerpoint/2012/main" type="title">
+<p:sldLayout xmlns:a="http://schemas.openxmlformats.org/drawingml/2006/main" xmlns:r="http://schemas.openxmlformats.org/officeDocument/2006/relationships" xmlns:p="http://schemas.openxmlformats.org/presentationml/2006/main" type="title">
   <p:cSld name="Title slide">
     <p:bg>
       <p:bgPr>
         <a:solidFill>
           <a:schemeClr val="dk1"/>
         </a:solidFill>
+        <a:effectLst/>
       </p:bgPr>
     </p:bg>
     <p:spTree>
       <p:nvGrpSpPr>
-        <p:cNvPr id="9" name="Shape 9"/>
+        <p:cNvPr id="1" name="Shape 9"/>
         <p:cNvGrpSpPr/>
         <p:nvPr/>
       </p:nvGrpSpPr>
@@ -1017,7 +1169,7 @@
           </a:ln>
         </p:spPr>
         <p:txBody>
-          <a:bodyPr anchorCtr="0" anchor="ctr" bIns="91425" lIns="91425" rIns="91425" tIns="91425">
+          <a:bodyPr lIns="91425" tIns="91425" rIns="91425" bIns="91425" anchor="ctr" anchorCtr="0">
             <a:noAutofit/>
           </a:bodyPr>
           <a:lstStyle/>
@@ -1028,9 +1180,6 @@
               </a:spcBef>
               <a:buNone/>
             </a:pPr>
-            <a:r>
-              <a:t/>
-            </a:r>
             <a:endParaRPr/>
           </a:p>
         </p:txBody>
@@ -1038,7 +1187,9 @@
       <p:sp>
         <p:nvSpPr>
           <p:cNvPr id="11" name="Shape 11"/>
-          <p:cNvSpPr txBox="1"/>
+          <p:cNvSpPr txBox="1">
+            <a:spLocks noGrp="1"/>
+          </p:cNvSpPr>
           <p:nvPr>
             <p:ph type="ctrTitle"/>
           </p:nvPr>
@@ -1053,7 +1204,7 @@
           </a:prstGeom>
         </p:spPr>
         <p:txBody>
-          <a:bodyPr anchorCtr="0" anchor="ctr" bIns="91425" lIns="91425" rIns="91425" tIns="91425"/>
+          <a:bodyPr lIns="91425" tIns="91425" rIns="91425" bIns="91425" anchor="ctr" anchorCtr="0"/>
           <a:lstStyle>
             <a:lvl1pPr lvl="0" algn="ctr">
               <a:spcBef>
@@ -1119,15 +1270,19 @@
               <a:defRPr sz="8000"/>
             </a:lvl9pPr>
           </a:lstStyle>
-          <a:p/>
+          <a:p>
+            <a:endParaRPr/>
+          </a:p>
         </p:txBody>
       </p:sp>
       <p:sp>
         <p:nvSpPr>
           <p:cNvPr id="12" name="Shape 12"/>
-          <p:cNvSpPr txBox="1"/>
+          <p:cNvSpPr txBox="1">
+            <a:spLocks noGrp="1"/>
+          </p:cNvSpPr>
           <p:nvPr>
-            <p:ph idx="1" type="subTitle"/>
+            <p:ph type="subTitle" idx="1"/>
           </p:nvPr>
         </p:nvSpPr>
         <p:spPr>
@@ -1140,7 +1295,7 @@
           </a:prstGeom>
         </p:spPr>
         <p:txBody>
-          <a:bodyPr anchorCtr="0" anchor="ctr" bIns="91425" lIns="91425" rIns="91425" tIns="91425"/>
+          <a:bodyPr lIns="91425" tIns="91425" rIns="91425" bIns="91425" anchor="ctr" anchorCtr="0"/>
           <a:lstStyle>
             <a:lvl1pPr lvl="0" algn="ctr">
               <a:lnSpc>
@@ -1157,7 +1312,7 @@
               </a:buClr>
               <a:buSzPct val="100000"/>
               <a:buNone/>
-              <a:defRPr b="1" sz="2100">
+              <a:defRPr sz="2100" b="1">
                 <a:solidFill>
                   <a:schemeClr val="accent1"/>
                 </a:solidFill>
@@ -1178,7 +1333,7 @@
               </a:buClr>
               <a:buSzPct val="100000"/>
               <a:buNone/>
-              <a:defRPr b="1" sz="2100">
+              <a:defRPr sz="2100" b="1">
                 <a:solidFill>
                   <a:schemeClr val="accent1"/>
                 </a:solidFill>
@@ -1199,7 +1354,7 @@
               </a:buClr>
               <a:buSzPct val="100000"/>
               <a:buNone/>
-              <a:defRPr b="1" sz="2100">
+              <a:defRPr sz="2100" b="1">
                 <a:solidFill>
                   <a:schemeClr val="accent1"/>
                 </a:solidFill>
@@ -1220,7 +1375,7 @@
               </a:buClr>
               <a:buSzPct val="100000"/>
               <a:buNone/>
-              <a:defRPr b="1" sz="2100">
+              <a:defRPr sz="2100" b="1">
                 <a:solidFill>
                   <a:schemeClr val="accent1"/>
                 </a:solidFill>
@@ -1241,7 +1396,7 @@
               </a:buClr>
               <a:buSzPct val="100000"/>
               <a:buNone/>
-              <a:defRPr b="1" sz="2100">
+              <a:defRPr sz="2100" b="1">
                 <a:solidFill>
                   <a:schemeClr val="accent1"/>
                 </a:solidFill>
@@ -1262,7 +1417,7 @@
               </a:buClr>
               <a:buSzPct val="100000"/>
               <a:buNone/>
-              <a:defRPr b="1" sz="2100">
+              <a:defRPr sz="2100" b="1">
                 <a:solidFill>
                   <a:schemeClr val="accent1"/>
                 </a:solidFill>
@@ -1283,7 +1438,7 @@
               </a:buClr>
               <a:buSzPct val="100000"/>
               <a:buNone/>
-              <a:defRPr b="1" sz="2100">
+              <a:defRPr sz="2100" b="1">
                 <a:solidFill>
                   <a:schemeClr val="accent1"/>
                 </a:solidFill>
@@ -1304,7 +1459,7 @@
               </a:buClr>
               <a:buSzPct val="100000"/>
               <a:buNone/>
-              <a:defRPr b="1" sz="2100">
+              <a:defRPr sz="2100" b="1">
                 <a:solidFill>
                   <a:schemeClr val="accent1"/>
                 </a:solidFill>
@@ -1325,22 +1480,26 @@
               </a:buClr>
               <a:buSzPct val="100000"/>
               <a:buNone/>
-              <a:defRPr b="1" sz="2100">
+              <a:defRPr sz="2100" b="1">
                 <a:solidFill>
                   <a:schemeClr val="accent1"/>
                 </a:solidFill>
               </a:defRPr>
             </a:lvl9pPr>
           </a:lstStyle>
-          <a:p/>
+          <a:p>
+            <a:endParaRPr/>
+          </a:p>
         </p:txBody>
       </p:sp>
       <p:sp>
         <p:nvSpPr>
           <p:cNvPr id="13" name="Shape 13"/>
-          <p:cNvSpPr txBox="1"/>
+          <p:cNvSpPr txBox="1">
+            <a:spLocks noGrp="1"/>
+          </p:cNvSpPr>
           <p:nvPr>
-            <p:ph idx="12" type="sldNum"/>
+            <p:ph type="sldNum" idx="12"/>
           </p:nvPr>
         </p:nvSpPr>
         <p:spPr>
@@ -1353,7 +1512,7 @@
           </a:prstGeom>
         </p:spPr>
         <p:txBody>
-          <a:bodyPr anchorCtr="0" anchor="ctr" bIns="91425" lIns="91425" rIns="91425" tIns="91425">
+          <a:bodyPr lIns="91425" tIns="91425" rIns="91425" bIns="91425" anchor="ctr" anchorCtr="0">
             <a:noAutofit/>
           </a:bodyPr>
           <a:lstStyle/>
@@ -1366,8 +1525,15 @@
             </a:pPr>
             <a:fld id="{00000000-1234-1234-1234-123412341234}" type="slidenum">
               <a:rPr lang="en"/>
+              <a:pPr lvl="0">
+                <a:spcBef>
+                  <a:spcPts val="0"/>
+                </a:spcBef>
+                <a:buNone/>
+              </a:pPr>
               <a:t>‹#›</a:t>
             </a:fld>
+            <a:endParaRPr lang="en"/>
           </a:p>
         </p:txBody>
       </p:sp>
@@ -1380,11 +1546,11 @@
 </file>
 
 <file path=ppt/slideLayouts/slideLayout10.xml><?xml version="1.0" encoding="utf-8"?>
-<p:sldLayout xmlns:a="http://schemas.openxmlformats.org/drawingml/2006/main" xmlns:r="http://schemas.openxmlformats.org/officeDocument/2006/relationships" xmlns:mc="http://schemas.openxmlformats.org/markup-compatibility/2006" xmlns:mv="urn:schemas-microsoft-com:mac:vml" xmlns:p="http://schemas.openxmlformats.org/presentationml/2006/main" xmlns:c="http://schemas.openxmlformats.org/drawingml/2006/chart" xmlns:dgm="http://schemas.openxmlformats.org/drawingml/2006/diagram" xmlns:o="urn:schemas-microsoft-com:office:office" xmlns:v="urn:schemas-microsoft-com:vml" xmlns:pvml="urn:schemas-microsoft-com:office:powerpoint" xmlns:com="http://schemas.openxmlformats.org/drawingml/2006/compatibility" xmlns:p14="http://schemas.microsoft.com/office/powerpoint/2010/main" xmlns:p15="http://schemas.microsoft.com/office/powerpoint/2012/main">
+<p:sldLayout xmlns:a="http://schemas.openxmlformats.org/drawingml/2006/main" xmlns:r="http://schemas.openxmlformats.org/officeDocument/2006/relationships" xmlns:p="http://schemas.openxmlformats.org/presentationml/2006/main">
   <p:cSld name="Big number">
     <p:spTree>
       <p:nvGrpSpPr>
-        <p:cNvPr id="46" name="Shape 46"/>
+        <p:cNvPr id="1" name="Shape 46"/>
         <p:cNvGrpSpPr/>
         <p:nvPr/>
       </p:nvGrpSpPr>
@@ -1399,7 +1565,9 @@
       <p:sp>
         <p:nvSpPr>
           <p:cNvPr id="47" name="Shape 47"/>
-          <p:cNvSpPr txBox="1"/>
+          <p:cNvSpPr txBox="1">
+            <a:spLocks noGrp="1"/>
+          </p:cNvSpPr>
           <p:nvPr>
             <p:ph type="title"/>
           </p:nvPr>
@@ -1414,7 +1582,7 @@
           </a:prstGeom>
         </p:spPr>
         <p:txBody>
-          <a:bodyPr anchorCtr="0" anchor="b" bIns="91425" lIns="91425" rIns="91425" tIns="91425"/>
+          <a:bodyPr lIns="91425" tIns="91425" rIns="91425" bIns="91425" anchor="b" anchorCtr="0"/>
           <a:lstStyle>
             <a:lvl1pPr lvl="0" algn="ctr">
               <a:spcBef>
@@ -1543,15 +1711,19 @@
               </a:defRPr>
             </a:lvl9pPr>
           </a:lstStyle>
-          <a:p/>
+          <a:p>
+            <a:endParaRPr/>
+          </a:p>
         </p:txBody>
       </p:sp>
       <p:sp>
         <p:nvSpPr>
           <p:cNvPr id="48" name="Shape 48"/>
-          <p:cNvSpPr txBox="1"/>
+          <p:cNvSpPr txBox="1">
+            <a:spLocks noGrp="1"/>
+          </p:cNvSpPr>
           <p:nvPr>
-            <p:ph idx="1" type="body"/>
+            <p:ph type="body" idx="1"/>
           </p:nvPr>
         </p:nvSpPr>
         <p:spPr>
@@ -1564,7 +1736,7 @@
           </a:prstGeom>
         </p:spPr>
         <p:txBody>
-          <a:bodyPr anchorCtr="0" anchor="t" bIns="91425" lIns="91425" rIns="91425" tIns="91425"/>
+          <a:bodyPr lIns="91425" tIns="91425" rIns="91425" bIns="91425" anchor="t" anchorCtr="0"/>
           <a:lstStyle>
             <a:lvl1pPr lvl="0" algn="ctr">
               <a:spcBef>
@@ -1693,15 +1865,19 @@
               </a:defRPr>
             </a:lvl9pPr>
           </a:lstStyle>
-          <a:p/>
+          <a:p>
+            <a:endParaRPr/>
+          </a:p>
         </p:txBody>
       </p:sp>
       <p:sp>
         <p:nvSpPr>
           <p:cNvPr id="49" name="Shape 49"/>
-          <p:cNvSpPr txBox="1"/>
+          <p:cNvSpPr txBox="1">
+            <a:spLocks noGrp="1"/>
+          </p:cNvSpPr>
           <p:nvPr>
-            <p:ph idx="12" type="sldNum"/>
+            <p:ph type="sldNum" idx="12"/>
           </p:nvPr>
         </p:nvSpPr>
         <p:spPr>
@@ -1714,7 +1890,7 @@
           </a:prstGeom>
         </p:spPr>
         <p:txBody>
-          <a:bodyPr anchorCtr="0" anchor="ctr" bIns="91425" lIns="91425" rIns="91425" tIns="91425">
+          <a:bodyPr lIns="91425" tIns="91425" rIns="91425" bIns="91425" anchor="ctr" anchorCtr="0">
             <a:noAutofit/>
           </a:bodyPr>
           <a:lstStyle/>
@@ -1727,69 +1903,15 @@
             </a:pPr>
             <a:fld id="{00000000-1234-1234-1234-123412341234}" type="slidenum">
               <a:rPr lang="en"/>
+              <a:pPr lvl="0">
+                <a:spcBef>
+                  <a:spcPts val="0"/>
+                </a:spcBef>
+                <a:buNone/>
+              </a:pPr>
               <a:t>‹#›</a:t>
             </a:fld>
-          </a:p>
-        </p:txBody>
-      </p:sp>
-    </p:spTree>
-  </p:cSld>
-  <p:clrMapOvr>
-    <a:masterClrMapping/>
-  </p:clrMapOvr>
-</p:sldLayout>
-</file>
-
-<file path=ppt/slideLayouts/slideLayout11.xml><?xml version="1.0" encoding="utf-8"?>
-<p:sldLayout xmlns:a="http://schemas.openxmlformats.org/drawingml/2006/main" xmlns:r="http://schemas.openxmlformats.org/officeDocument/2006/relationships" xmlns:mc="http://schemas.openxmlformats.org/markup-compatibility/2006" xmlns:mv="urn:schemas-microsoft-com:mac:vml" xmlns:p="http://schemas.openxmlformats.org/presentationml/2006/main" xmlns:c="http://schemas.openxmlformats.org/drawingml/2006/chart" xmlns:dgm="http://schemas.openxmlformats.org/drawingml/2006/diagram" xmlns:o="urn:schemas-microsoft-com:office:office" xmlns:v="urn:schemas-microsoft-com:vml" xmlns:pvml="urn:schemas-microsoft-com:office:powerpoint" xmlns:com="http://schemas.openxmlformats.org/drawingml/2006/compatibility" xmlns:p14="http://schemas.microsoft.com/office/powerpoint/2010/main" xmlns:p15="http://schemas.microsoft.com/office/powerpoint/2012/main" type="blank">
-  <p:cSld name="Blank">
-    <p:spTree>
-      <p:nvGrpSpPr>
-        <p:cNvPr id="50" name="Shape 50"/>
-        <p:cNvGrpSpPr/>
-        <p:nvPr/>
-      </p:nvGrpSpPr>
-      <p:grpSpPr>
-        <a:xfrm>
-          <a:off x="0" y="0"/>
-          <a:ext cx="0" cy="0"/>
-          <a:chOff x="0" y="0"/>
-          <a:chExt cx="0" cy="0"/>
-        </a:xfrm>
-      </p:grpSpPr>
-      <p:sp>
-        <p:nvSpPr>
-          <p:cNvPr id="51" name="Shape 51"/>
-          <p:cNvSpPr txBox="1"/>
-          <p:nvPr>
-            <p:ph idx="12" type="sldNum"/>
-          </p:nvPr>
-        </p:nvSpPr>
-        <p:spPr>
-          <a:xfrm>
-            <a:off x="8472457" y="4663216"/>
-            <a:ext cx="548700" cy="393600"/>
-          </a:xfrm>
-          <a:prstGeom prst="rect">
-            <a:avLst/>
-          </a:prstGeom>
-        </p:spPr>
-        <p:txBody>
-          <a:bodyPr anchorCtr="0" anchor="ctr" bIns="91425" lIns="91425" rIns="91425" tIns="91425">
-            <a:noAutofit/>
-          </a:bodyPr>
-          <a:lstStyle/>
-          <a:p>
-            <a:pPr lvl="0">
-              <a:spcBef>
-                <a:spcPts val="0"/>
-              </a:spcBef>
-              <a:buNone/>
-            </a:pPr>
-            <a:fld id="{00000000-1234-1234-1234-123412341234}" type="slidenum">
-              <a:rPr lang="en"/>
-              <a:t>‹#›</a:t>
-            </a:fld>
+            <a:endParaRPr lang="en"/>
           </a:p>
         </p:txBody>
       </p:sp>
@@ -1802,18 +1924,19 @@
 </file>
 
 <file path=ppt/slideLayouts/slideLayout2.xml><?xml version="1.0" encoding="utf-8"?>
-<p:sldLayout xmlns:a="http://schemas.openxmlformats.org/drawingml/2006/main" xmlns:r="http://schemas.openxmlformats.org/officeDocument/2006/relationships" xmlns:mc="http://schemas.openxmlformats.org/markup-compatibility/2006" xmlns:mv="urn:schemas-microsoft-com:mac:vml" xmlns:p="http://schemas.openxmlformats.org/presentationml/2006/main" xmlns:c="http://schemas.openxmlformats.org/drawingml/2006/chart" xmlns:dgm="http://schemas.openxmlformats.org/drawingml/2006/diagram" xmlns:o="urn:schemas-microsoft-com:office:office" xmlns:v="urn:schemas-microsoft-com:vml" xmlns:pvml="urn:schemas-microsoft-com:office:powerpoint" xmlns:com="http://schemas.openxmlformats.org/drawingml/2006/compatibility" xmlns:p14="http://schemas.microsoft.com/office/powerpoint/2010/main" xmlns:p15="http://schemas.microsoft.com/office/powerpoint/2012/main" type="secHead">
+<p:sldLayout xmlns:a="http://schemas.openxmlformats.org/drawingml/2006/main" xmlns:r="http://schemas.openxmlformats.org/officeDocument/2006/relationships" xmlns:p="http://schemas.openxmlformats.org/presentationml/2006/main" type="secHead">
   <p:cSld name="Section header">
     <p:bg>
       <p:bgPr>
         <a:solidFill>
           <a:schemeClr val="dk1"/>
         </a:solidFill>
+        <a:effectLst/>
       </p:bgPr>
     </p:bg>
     <p:spTree>
       <p:nvGrpSpPr>
-        <p:cNvPr id="14" name="Shape 14"/>
+        <p:cNvPr id="1" name="Shape 14"/>
         <p:cNvGrpSpPr/>
         <p:nvPr/>
       </p:nvGrpSpPr>
@@ -1828,7 +1951,9 @@
       <p:sp>
         <p:nvSpPr>
           <p:cNvPr id="15" name="Shape 15"/>
-          <p:cNvSpPr txBox="1"/>
+          <p:cNvSpPr txBox="1">
+            <a:spLocks noGrp="1"/>
+          </p:cNvSpPr>
           <p:nvPr>
             <p:ph type="title"/>
           </p:nvPr>
@@ -1846,7 +1971,7 @@
           </a:solidFill>
         </p:spPr>
         <p:txBody>
-          <a:bodyPr anchorCtr="0" anchor="ctr" bIns="91425" lIns="91425" rIns="91425" tIns="91425"/>
+          <a:bodyPr lIns="91425" tIns="91425" rIns="91425" bIns="91425" anchor="ctr" anchorCtr="0"/>
           <a:lstStyle>
             <a:lvl1pPr lvl="0" algn="ctr">
               <a:spcBef>
@@ -1912,15 +2037,19 @@
               <a:defRPr sz="4800"/>
             </a:lvl9pPr>
           </a:lstStyle>
-          <a:p/>
+          <a:p>
+            <a:endParaRPr/>
+          </a:p>
         </p:txBody>
       </p:sp>
       <p:sp>
         <p:nvSpPr>
           <p:cNvPr id="16" name="Shape 16"/>
-          <p:cNvSpPr txBox="1"/>
+          <p:cNvSpPr txBox="1">
+            <a:spLocks noGrp="1"/>
+          </p:cNvSpPr>
           <p:nvPr>
-            <p:ph idx="12" type="sldNum"/>
+            <p:ph type="sldNum" idx="12"/>
           </p:nvPr>
         </p:nvSpPr>
         <p:spPr>
@@ -1933,7 +2062,7 @@
           </a:prstGeom>
         </p:spPr>
         <p:txBody>
-          <a:bodyPr anchorCtr="0" anchor="ctr" bIns="91425" lIns="91425" rIns="91425" tIns="91425">
+          <a:bodyPr lIns="91425" tIns="91425" rIns="91425" bIns="91425" anchor="ctr" anchorCtr="0">
             <a:noAutofit/>
           </a:bodyPr>
           <a:lstStyle/>
@@ -1946,8 +2075,15 @@
             </a:pPr>
             <a:fld id="{00000000-1234-1234-1234-123412341234}" type="slidenum">
               <a:rPr lang="en"/>
+              <a:pPr lvl="0">
+                <a:spcBef>
+                  <a:spcPts val="0"/>
+                </a:spcBef>
+                <a:buNone/>
+              </a:pPr>
               <a:t>‹#›</a:t>
             </a:fld>
+            <a:endParaRPr lang="en"/>
           </a:p>
         </p:txBody>
       </p:sp>
@@ -1960,11 +2096,11 @@
 </file>
 
 <file path=ppt/slideLayouts/slideLayout3.xml><?xml version="1.0" encoding="utf-8"?>
-<p:sldLayout xmlns:a="http://schemas.openxmlformats.org/drawingml/2006/main" xmlns:r="http://schemas.openxmlformats.org/officeDocument/2006/relationships" xmlns:mc="http://schemas.openxmlformats.org/markup-compatibility/2006" xmlns:mv="urn:schemas-microsoft-com:mac:vml" xmlns:p="http://schemas.openxmlformats.org/presentationml/2006/main" xmlns:c="http://schemas.openxmlformats.org/drawingml/2006/chart" xmlns:dgm="http://schemas.openxmlformats.org/drawingml/2006/diagram" xmlns:o="urn:schemas-microsoft-com:office:office" xmlns:v="urn:schemas-microsoft-com:vml" xmlns:pvml="urn:schemas-microsoft-com:office:powerpoint" xmlns:com="http://schemas.openxmlformats.org/drawingml/2006/compatibility" xmlns:p14="http://schemas.microsoft.com/office/powerpoint/2010/main" xmlns:p15="http://schemas.microsoft.com/office/powerpoint/2012/main" type="tx">
+<p:sldLayout xmlns:a="http://schemas.openxmlformats.org/drawingml/2006/main" xmlns:r="http://schemas.openxmlformats.org/officeDocument/2006/relationships" xmlns:p="http://schemas.openxmlformats.org/presentationml/2006/main" type="tx">
   <p:cSld name="Title and body">
     <p:spTree>
       <p:nvGrpSpPr>
-        <p:cNvPr id="17" name="Shape 17"/>
+        <p:cNvPr id="1" name="Shape 17"/>
         <p:cNvGrpSpPr/>
         <p:nvPr/>
       </p:nvGrpSpPr>
@@ -1979,7 +2115,9 @@
       <p:sp>
         <p:nvSpPr>
           <p:cNvPr id="18" name="Shape 18"/>
-          <p:cNvSpPr txBox="1"/>
+          <p:cNvSpPr txBox="1">
+            <a:spLocks noGrp="1"/>
+          </p:cNvSpPr>
           <p:nvPr>
             <p:ph type="title"/>
           </p:nvPr>
@@ -1994,7 +2132,7 @@
           </a:prstGeom>
         </p:spPr>
         <p:txBody>
-          <a:bodyPr anchorCtr="0" anchor="t" bIns="91425" lIns="91425" rIns="91425" tIns="91425"/>
+          <a:bodyPr lIns="91425" tIns="91425" rIns="91425" bIns="91425" anchor="t" anchorCtr="0"/>
           <a:lstStyle>
             <a:lvl1pPr lvl="0">
               <a:spcBef>
@@ -2051,15 +2189,19 @@
               <a:defRPr/>
             </a:lvl9pPr>
           </a:lstStyle>
-          <a:p/>
+          <a:p>
+            <a:endParaRPr/>
+          </a:p>
         </p:txBody>
       </p:sp>
       <p:sp>
         <p:nvSpPr>
           <p:cNvPr id="19" name="Shape 19"/>
-          <p:cNvSpPr txBox="1"/>
+          <p:cNvSpPr txBox="1">
+            <a:spLocks noGrp="1"/>
+          </p:cNvSpPr>
           <p:nvPr>
-            <p:ph idx="1" type="body"/>
+            <p:ph type="body" idx="1"/>
           </p:nvPr>
         </p:nvSpPr>
         <p:spPr>
@@ -2072,7 +2214,7 @@
           </a:prstGeom>
         </p:spPr>
         <p:txBody>
-          <a:bodyPr anchorCtr="0" anchor="t" bIns="91425" lIns="91425" rIns="91425" tIns="91425"/>
+          <a:bodyPr lIns="91425" tIns="91425" rIns="91425" bIns="91425" anchor="t" anchorCtr="0"/>
           <a:lstStyle>
             <a:lvl1pPr lvl="0">
               <a:spcBef>
@@ -2138,15 +2280,19 @@
               <a:defRPr/>
             </a:lvl9pPr>
           </a:lstStyle>
-          <a:p/>
+          <a:p>
+            <a:endParaRPr/>
+          </a:p>
         </p:txBody>
       </p:sp>
       <p:sp>
         <p:nvSpPr>
           <p:cNvPr id="20" name="Shape 20"/>
-          <p:cNvSpPr txBox="1"/>
+          <p:cNvSpPr txBox="1">
+            <a:spLocks noGrp="1"/>
+          </p:cNvSpPr>
           <p:nvPr>
-            <p:ph idx="12" type="sldNum"/>
+            <p:ph type="sldNum" idx="12"/>
           </p:nvPr>
         </p:nvSpPr>
         <p:spPr>
@@ -2159,7 +2305,7 @@
           </a:prstGeom>
         </p:spPr>
         <p:txBody>
-          <a:bodyPr anchorCtr="0" anchor="ctr" bIns="91425" lIns="91425" rIns="91425" tIns="91425">
+          <a:bodyPr lIns="91425" tIns="91425" rIns="91425" bIns="91425" anchor="ctr" anchorCtr="0">
             <a:noAutofit/>
           </a:bodyPr>
           <a:lstStyle/>
@@ -2172,8 +2318,15 @@
             </a:pPr>
             <a:fld id="{00000000-1234-1234-1234-123412341234}" type="slidenum">
               <a:rPr lang="en"/>
+              <a:pPr lvl="0">
+                <a:spcBef>
+                  <a:spcPts val="0"/>
+                </a:spcBef>
+                <a:buNone/>
+              </a:pPr>
               <a:t>‹#›</a:t>
             </a:fld>
+            <a:endParaRPr lang="en"/>
           </a:p>
         </p:txBody>
       </p:sp>
@@ -2186,11 +2339,11 @@
 </file>
 
 <file path=ppt/slideLayouts/slideLayout4.xml><?xml version="1.0" encoding="utf-8"?>
-<p:sldLayout xmlns:a="http://schemas.openxmlformats.org/drawingml/2006/main" xmlns:r="http://schemas.openxmlformats.org/officeDocument/2006/relationships" xmlns:mc="http://schemas.openxmlformats.org/markup-compatibility/2006" xmlns:mv="urn:schemas-microsoft-com:mac:vml" xmlns:p="http://schemas.openxmlformats.org/presentationml/2006/main" xmlns:c="http://schemas.openxmlformats.org/drawingml/2006/chart" xmlns:dgm="http://schemas.openxmlformats.org/drawingml/2006/diagram" xmlns:o="urn:schemas-microsoft-com:office:office" xmlns:v="urn:schemas-microsoft-com:vml" xmlns:pvml="urn:schemas-microsoft-com:office:powerpoint" xmlns:com="http://schemas.openxmlformats.org/drawingml/2006/compatibility" xmlns:p14="http://schemas.microsoft.com/office/powerpoint/2010/main" xmlns:p15="http://schemas.microsoft.com/office/powerpoint/2012/main" type="twoColTx">
+<p:sldLayout xmlns:a="http://schemas.openxmlformats.org/drawingml/2006/main" xmlns:r="http://schemas.openxmlformats.org/officeDocument/2006/relationships" xmlns:p="http://schemas.openxmlformats.org/presentationml/2006/main" type="twoColTx">
   <p:cSld name="Title and two columns">
     <p:spTree>
       <p:nvGrpSpPr>
-        <p:cNvPr id="21" name="Shape 21"/>
+        <p:cNvPr id="1" name="Shape 21"/>
         <p:cNvGrpSpPr/>
         <p:nvPr/>
       </p:nvGrpSpPr>
@@ -2205,7 +2358,9 @@
       <p:sp>
         <p:nvSpPr>
           <p:cNvPr id="22" name="Shape 22"/>
-          <p:cNvSpPr txBox="1"/>
+          <p:cNvSpPr txBox="1">
+            <a:spLocks noGrp="1"/>
+          </p:cNvSpPr>
           <p:nvPr>
             <p:ph type="title"/>
           </p:nvPr>
@@ -2220,7 +2375,7 @@
           </a:prstGeom>
         </p:spPr>
         <p:txBody>
-          <a:bodyPr anchorCtr="0" anchor="t" bIns="91425" lIns="91425" rIns="91425" tIns="91425"/>
+          <a:bodyPr lIns="91425" tIns="91425" rIns="91425" bIns="91425" anchor="t" anchorCtr="0"/>
           <a:lstStyle>
             <a:lvl1pPr lvl="0">
               <a:spcBef>
@@ -2277,15 +2432,19 @@
               <a:defRPr/>
             </a:lvl9pPr>
           </a:lstStyle>
-          <a:p/>
+          <a:p>
+            <a:endParaRPr/>
+          </a:p>
         </p:txBody>
       </p:sp>
       <p:sp>
         <p:nvSpPr>
           <p:cNvPr id="23" name="Shape 23"/>
-          <p:cNvSpPr txBox="1"/>
+          <p:cNvSpPr txBox="1">
+            <a:spLocks noGrp="1"/>
+          </p:cNvSpPr>
           <p:nvPr>
-            <p:ph idx="1" type="body"/>
+            <p:ph type="body" idx="1"/>
           </p:nvPr>
         </p:nvSpPr>
         <p:spPr>
@@ -2298,7 +2457,7 @@
           </a:prstGeom>
         </p:spPr>
         <p:txBody>
-          <a:bodyPr anchorCtr="0" anchor="t" bIns="91425" lIns="91425" rIns="91425" tIns="91425"/>
+          <a:bodyPr lIns="91425" tIns="91425" rIns="91425" bIns="91425" anchor="t" anchorCtr="0"/>
           <a:lstStyle>
             <a:lvl1pPr lvl="0">
               <a:spcBef>
@@ -2373,15 +2532,19 @@
               <a:defRPr sz="1200"/>
             </a:lvl9pPr>
           </a:lstStyle>
-          <a:p/>
+          <a:p>
+            <a:endParaRPr/>
+          </a:p>
         </p:txBody>
       </p:sp>
       <p:sp>
         <p:nvSpPr>
           <p:cNvPr id="24" name="Shape 24"/>
-          <p:cNvSpPr txBox="1"/>
+          <p:cNvSpPr txBox="1">
+            <a:spLocks noGrp="1"/>
+          </p:cNvSpPr>
           <p:nvPr>
-            <p:ph idx="2" type="body"/>
+            <p:ph type="body" idx="2"/>
           </p:nvPr>
         </p:nvSpPr>
         <p:spPr>
@@ -2394,7 +2557,7 @@
           </a:prstGeom>
         </p:spPr>
         <p:txBody>
-          <a:bodyPr anchorCtr="0" anchor="t" bIns="91425" lIns="91425" rIns="91425" tIns="91425"/>
+          <a:bodyPr lIns="91425" tIns="91425" rIns="91425" bIns="91425" anchor="t" anchorCtr="0"/>
           <a:lstStyle>
             <a:lvl1pPr lvl="0">
               <a:spcBef>
@@ -2469,15 +2632,19 @@
               <a:defRPr sz="1200"/>
             </a:lvl9pPr>
           </a:lstStyle>
-          <a:p/>
+          <a:p>
+            <a:endParaRPr/>
+          </a:p>
         </p:txBody>
       </p:sp>
       <p:sp>
         <p:nvSpPr>
           <p:cNvPr id="25" name="Shape 25"/>
-          <p:cNvSpPr txBox="1"/>
+          <p:cNvSpPr txBox="1">
+            <a:spLocks noGrp="1"/>
+          </p:cNvSpPr>
           <p:nvPr>
-            <p:ph idx="12" type="sldNum"/>
+            <p:ph type="sldNum" idx="12"/>
           </p:nvPr>
         </p:nvSpPr>
         <p:spPr>
@@ -2490,7 +2657,7 @@
           </a:prstGeom>
         </p:spPr>
         <p:txBody>
-          <a:bodyPr anchorCtr="0" anchor="ctr" bIns="91425" lIns="91425" rIns="91425" tIns="91425">
+          <a:bodyPr lIns="91425" tIns="91425" rIns="91425" bIns="91425" anchor="ctr" anchorCtr="0">
             <a:noAutofit/>
           </a:bodyPr>
           <a:lstStyle/>
@@ -2503,8 +2670,15 @@
             </a:pPr>
             <a:fld id="{00000000-1234-1234-1234-123412341234}" type="slidenum">
               <a:rPr lang="en"/>
+              <a:pPr lvl="0">
+                <a:spcBef>
+                  <a:spcPts val="0"/>
+                </a:spcBef>
+                <a:buNone/>
+              </a:pPr>
               <a:t>‹#›</a:t>
             </a:fld>
+            <a:endParaRPr lang="en"/>
           </a:p>
         </p:txBody>
       </p:sp>
@@ -2517,11 +2691,11 @@
 </file>
 
 <file path=ppt/slideLayouts/slideLayout5.xml><?xml version="1.0" encoding="utf-8"?>
-<p:sldLayout xmlns:a="http://schemas.openxmlformats.org/drawingml/2006/main" xmlns:r="http://schemas.openxmlformats.org/officeDocument/2006/relationships" xmlns:mc="http://schemas.openxmlformats.org/markup-compatibility/2006" xmlns:mv="urn:schemas-microsoft-com:mac:vml" xmlns:p="http://schemas.openxmlformats.org/presentationml/2006/main" xmlns:c="http://schemas.openxmlformats.org/drawingml/2006/chart" xmlns:dgm="http://schemas.openxmlformats.org/drawingml/2006/diagram" xmlns:o="urn:schemas-microsoft-com:office:office" xmlns:v="urn:schemas-microsoft-com:vml" xmlns:pvml="urn:schemas-microsoft-com:office:powerpoint" xmlns:com="http://schemas.openxmlformats.org/drawingml/2006/compatibility" xmlns:p14="http://schemas.microsoft.com/office/powerpoint/2010/main" xmlns:p15="http://schemas.microsoft.com/office/powerpoint/2012/main" type="titleOnly">
+<p:sldLayout xmlns:a="http://schemas.openxmlformats.org/drawingml/2006/main" xmlns:r="http://schemas.openxmlformats.org/officeDocument/2006/relationships" xmlns:p="http://schemas.openxmlformats.org/presentationml/2006/main" type="titleOnly">
   <p:cSld name="Title only">
     <p:spTree>
       <p:nvGrpSpPr>
-        <p:cNvPr id="26" name="Shape 26"/>
+        <p:cNvPr id="1" name="Shape 26"/>
         <p:cNvGrpSpPr/>
         <p:nvPr/>
       </p:nvGrpSpPr>
@@ -2536,7 +2710,9 @@
       <p:sp>
         <p:nvSpPr>
           <p:cNvPr id="27" name="Shape 27"/>
-          <p:cNvSpPr txBox="1"/>
+          <p:cNvSpPr txBox="1">
+            <a:spLocks noGrp="1"/>
+          </p:cNvSpPr>
           <p:nvPr>
             <p:ph type="title"/>
           </p:nvPr>
@@ -2551,7 +2727,7 @@
           </a:prstGeom>
         </p:spPr>
         <p:txBody>
-          <a:bodyPr anchorCtr="0" anchor="t" bIns="91425" lIns="91425" rIns="91425" tIns="91425"/>
+          <a:bodyPr lIns="91425" tIns="91425" rIns="91425" bIns="91425" anchor="t" anchorCtr="0"/>
           <a:lstStyle>
             <a:lvl1pPr lvl="0">
               <a:spcBef>
@@ -2617,15 +2793,19 @@
               <a:defRPr sz="4000"/>
             </a:lvl9pPr>
           </a:lstStyle>
-          <a:p/>
+          <a:p>
+            <a:endParaRPr/>
+          </a:p>
         </p:txBody>
       </p:sp>
       <p:sp>
         <p:nvSpPr>
           <p:cNvPr id="28" name="Shape 28"/>
-          <p:cNvSpPr txBox="1"/>
+          <p:cNvSpPr txBox="1">
+            <a:spLocks noGrp="1"/>
+          </p:cNvSpPr>
           <p:nvPr>
-            <p:ph idx="12" type="sldNum"/>
+            <p:ph type="sldNum" idx="12"/>
           </p:nvPr>
         </p:nvSpPr>
         <p:spPr>
@@ -2638,7 +2818,7 @@
           </a:prstGeom>
         </p:spPr>
         <p:txBody>
-          <a:bodyPr anchorCtr="0" anchor="ctr" bIns="91425" lIns="91425" rIns="91425" tIns="91425">
+          <a:bodyPr lIns="91425" tIns="91425" rIns="91425" bIns="91425" anchor="ctr" anchorCtr="0">
             <a:noAutofit/>
           </a:bodyPr>
           <a:lstStyle/>
@@ -2651,8 +2831,15 @@
             </a:pPr>
             <a:fld id="{00000000-1234-1234-1234-123412341234}" type="slidenum">
               <a:rPr lang="en"/>
+              <a:pPr lvl="0">
+                <a:spcBef>
+                  <a:spcPts val="0"/>
+                </a:spcBef>
+                <a:buNone/>
+              </a:pPr>
               <a:t>‹#›</a:t>
             </a:fld>
+            <a:endParaRPr lang="en"/>
           </a:p>
         </p:txBody>
       </p:sp>
@@ -2665,11 +2852,11 @@
 </file>
 
 <file path=ppt/slideLayouts/slideLayout6.xml><?xml version="1.0" encoding="utf-8"?>
-<p:sldLayout xmlns:a="http://schemas.openxmlformats.org/drawingml/2006/main" xmlns:r="http://schemas.openxmlformats.org/officeDocument/2006/relationships" xmlns:mc="http://schemas.openxmlformats.org/markup-compatibility/2006" xmlns:mv="urn:schemas-microsoft-com:mac:vml" xmlns:p="http://schemas.openxmlformats.org/presentationml/2006/main" xmlns:c="http://schemas.openxmlformats.org/drawingml/2006/chart" xmlns:dgm="http://schemas.openxmlformats.org/drawingml/2006/diagram" xmlns:o="urn:schemas-microsoft-com:office:office" xmlns:v="urn:schemas-microsoft-com:vml" xmlns:pvml="urn:schemas-microsoft-com:office:powerpoint" xmlns:com="http://schemas.openxmlformats.org/drawingml/2006/compatibility" xmlns:p14="http://schemas.microsoft.com/office/powerpoint/2010/main" xmlns:p15="http://schemas.microsoft.com/office/powerpoint/2012/main">
+<p:sldLayout xmlns:a="http://schemas.openxmlformats.org/drawingml/2006/main" xmlns:r="http://schemas.openxmlformats.org/officeDocument/2006/relationships" xmlns:p="http://schemas.openxmlformats.org/presentationml/2006/main">
   <p:cSld name="One column text">
     <p:spTree>
       <p:nvGrpSpPr>
-        <p:cNvPr id="29" name="Shape 29"/>
+        <p:cNvPr id="1" name="Shape 29"/>
         <p:cNvGrpSpPr/>
         <p:nvPr/>
       </p:nvGrpSpPr>
@@ -2684,7 +2871,9 @@
       <p:sp>
         <p:nvSpPr>
           <p:cNvPr id="30" name="Shape 30"/>
-          <p:cNvSpPr txBox="1"/>
+          <p:cNvSpPr txBox="1">
+            <a:spLocks noGrp="1"/>
+          </p:cNvSpPr>
           <p:nvPr>
             <p:ph type="title"/>
           </p:nvPr>
@@ -2699,7 +2888,7 @@
           </a:prstGeom>
         </p:spPr>
         <p:txBody>
-          <a:bodyPr anchorCtr="0" anchor="b" bIns="91425" lIns="91425" rIns="91425" tIns="91425"/>
+          <a:bodyPr lIns="91425" tIns="91425" rIns="91425" bIns="91425" anchor="b" anchorCtr="0"/>
           <a:lstStyle>
             <a:lvl1pPr lvl="0">
               <a:spcBef>
@@ -2765,15 +2954,19 @@
               <a:defRPr sz="3000"/>
             </a:lvl9pPr>
           </a:lstStyle>
-          <a:p/>
+          <a:p>
+            <a:endParaRPr/>
+          </a:p>
         </p:txBody>
       </p:sp>
       <p:sp>
         <p:nvSpPr>
           <p:cNvPr id="31" name="Shape 31"/>
-          <p:cNvSpPr txBox="1"/>
+          <p:cNvSpPr txBox="1">
+            <a:spLocks noGrp="1"/>
+          </p:cNvSpPr>
           <p:nvPr>
-            <p:ph idx="1" type="body"/>
+            <p:ph type="body" idx="1"/>
           </p:nvPr>
         </p:nvSpPr>
         <p:spPr>
@@ -2786,7 +2979,7 @@
           </a:prstGeom>
         </p:spPr>
         <p:txBody>
-          <a:bodyPr anchorCtr="0" anchor="t" bIns="91425" lIns="91425" rIns="91425" tIns="91425"/>
+          <a:bodyPr lIns="91425" tIns="91425" rIns="91425" bIns="91425" anchor="t" anchorCtr="0"/>
           <a:lstStyle>
             <a:lvl1pPr lvl="0">
               <a:spcBef>
@@ -2861,15 +3054,19 @@
               <a:defRPr sz="1200"/>
             </a:lvl9pPr>
           </a:lstStyle>
-          <a:p/>
+          <a:p>
+            <a:endParaRPr/>
+          </a:p>
         </p:txBody>
       </p:sp>
       <p:sp>
         <p:nvSpPr>
           <p:cNvPr id="32" name="Shape 32"/>
-          <p:cNvSpPr txBox="1"/>
+          <p:cNvSpPr txBox="1">
+            <a:spLocks noGrp="1"/>
+          </p:cNvSpPr>
           <p:nvPr>
-            <p:ph idx="12" type="sldNum"/>
+            <p:ph type="sldNum" idx="12"/>
           </p:nvPr>
         </p:nvSpPr>
         <p:spPr>
@@ -2882,7 +3079,7 @@
           </a:prstGeom>
         </p:spPr>
         <p:txBody>
-          <a:bodyPr anchorCtr="0" anchor="ctr" bIns="91425" lIns="91425" rIns="91425" tIns="91425">
+          <a:bodyPr lIns="91425" tIns="91425" rIns="91425" bIns="91425" anchor="ctr" anchorCtr="0">
             <a:noAutofit/>
           </a:bodyPr>
           <a:lstStyle/>
@@ -2895,8 +3092,15 @@
             </a:pPr>
             <a:fld id="{00000000-1234-1234-1234-123412341234}" type="slidenum">
               <a:rPr lang="en"/>
+              <a:pPr lvl="0">
+                <a:spcBef>
+                  <a:spcPts val="0"/>
+                </a:spcBef>
+                <a:buNone/>
+              </a:pPr>
               <a:t>‹#›</a:t>
             </a:fld>
+            <a:endParaRPr lang="en"/>
           </a:p>
         </p:txBody>
       </p:sp>
@@ -2909,18 +3113,19 @@
 </file>
 
 <file path=ppt/slideLayouts/slideLayout7.xml><?xml version="1.0" encoding="utf-8"?>
-<p:sldLayout xmlns:a="http://schemas.openxmlformats.org/drawingml/2006/main" xmlns:r="http://schemas.openxmlformats.org/officeDocument/2006/relationships" xmlns:mc="http://schemas.openxmlformats.org/markup-compatibility/2006" xmlns:mv="urn:schemas-microsoft-com:mac:vml" xmlns:p="http://schemas.openxmlformats.org/presentationml/2006/main" xmlns:c="http://schemas.openxmlformats.org/drawingml/2006/chart" xmlns:dgm="http://schemas.openxmlformats.org/drawingml/2006/diagram" xmlns:o="urn:schemas-microsoft-com:office:office" xmlns:v="urn:schemas-microsoft-com:vml" xmlns:pvml="urn:schemas-microsoft-com:office:powerpoint" xmlns:com="http://schemas.openxmlformats.org/drawingml/2006/compatibility" xmlns:p14="http://schemas.microsoft.com/office/powerpoint/2010/main" xmlns:p15="http://schemas.microsoft.com/office/powerpoint/2012/main">
+<p:sldLayout xmlns:a="http://schemas.openxmlformats.org/drawingml/2006/main" xmlns:r="http://schemas.openxmlformats.org/officeDocument/2006/relationships" xmlns:p="http://schemas.openxmlformats.org/presentationml/2006/main">
   <p:cSld name="Main point">
     <p:bg>
       <p:bgPr>
         <a:solidFill>
           <a:schemeClr val="accent4"/>
         </a:solidFill>
+        <a:effectLst/>
       </p:bgPr>
     </p:bg>
     <p:spTree>
       <p:nvGrpSpPr>
-        <p:cNvPr id="33" name="Shape 33"/>
+        <p:cNvPr id="1" name="Shape 33"/>
         <p:cNvGrpSpPr/>
         <p:nvPr/>
       </p:nvGrpSpPr>
@@ -2935,7 +3140,9 @@
       <p:sp>
         <p:nvSpPr>
           <p:cNvPr id="34" name="Shape 34"/>
-          <p:cNvSpPr txBox="1"/>
+          <p:cNvSpPr txBox="1">
+            <a:spLocks noGrp="1"/>
+          </p:cNvSpPr>
           <p:nvPr>
             <p:ph type="title"/>
           </p:nvPr>
@@ -2950,7 +3157,7 @@
           </a:prstGeom>
         </p:spPr>
         <p:txBody>
-          <a:bodyPr anchorCtr="0" anchor="ctr" bIns="91425" lIns="91425" rIns="91425" tIns="91425"/>
+          <a:bodyPr lIns="91425" tIns="91425" rIns="91425" bIns="91425" anchor="ctr" anchorCtr="0"/>
           <a:lstStyle>
             <a:lvl1pPr lvl="0">
               <a:spcBef>
@@ -3079,15 +3286,19 @@
               </a:defRPr>
             </a:lvl9pPr>
           </a:lstStyle>
-          <a:p/>
+          <a:p>
+            <a:endParaRPr/>
+          </a:p>
         </p:txBody>
       </p:sp>
       <p:sp>
         <p:nvSpPr>
           <p:cNvPr id="35" name="Shape 35"/>
-          <p:cNvSpPr txBox="1"/>
+          <p:cNvSpPr txBox="1">
+            <a:spLocks noGrp="1"/>
+          </p:cNvSpPr>
           <p:nvPr>
-            <p:ph idx="12" type="sldNum"/>
+            <p:ph type="sldNum" idx="12"/>
           </p:nvPr>
         </p:nvSpPr>
         <p:spPr>
@@ -3100,7 +3311,7 @@
           </a:prstGeom>
         </p:spPr>
         <p:txBody>
-          <a:bodyPr anchorCtr="0" anchor="ctr" bIns="91425" lIns="91425" rIns="91425" tIns="91425">
+          <a:bodyPr lIns="91425" tIns="91425" rIns="91425" bIns="91425" anchor="ctr" anchorCtr="0">
             <a:noAutofit/>
           </a:bodyPr>
           <a:lstStyle/>
@@ -3117,8 +3328,19 @@
                   <a:schemeClr val="lt1"/>
                 </a:solidFill>
               </a:rPr>
+              <a:pPr lvl="0">
+                <a:spcBef>
+                  <a:spcPts val="0"/>
+                </a:spcBef>
+                <a:buNone/>
+              </a:pPr>
               <a:t>‹#›</a:t>
             </a:fld>
+            <a:endParaRPr lang="en">
+              <a:solidFill>
+                <a:schemeClr val="lt1"/>
+              </a:solidFill>
+            </a:endParaRPr>
           </a:p>
         </p:txBody>
       </p:sp>
@@ -3131,11 +3353,11 @@
 </file>
 
 <file path=ppt/slideLayouts/slideLayout8.xml><?xml version="1.0" encoding="utf-8"?>
-<p:sldLayout xmlns:a="http://schemas.openxmlformats.org/drawingml/2006/main" xmlns:r="http://schemas.openxmlformats.org/officeDocument/2006/relationships" xmlns:mc="http://schemas.openxmlformats.org/markup-compatibility/2006" xmlns:mv="urn:schemas-microsoft-com:mac:vml" xmlns:p="http://schemas.openxmlformats.org/presentationml/2006/main" xmlns:c="http://schemas.openxmlformats.org/drawingml/2006/chart" xmlns:dgm="http://schemas.openxmlformats.org/drawingml/2006/diagram" xmlns:o="urn:schemas-microsoft-com:office:office" xmlns:v="urn:schemas-microsoft-com:vml" xmlns:pvml="urn:schemas-microsoft-com:office:powerpoint" xmlns:com="http://schemas.openxmlformats.org/drawingml/2006/compatibility" xmlns:p14="http://schemas.microsoft.com/office/powerpoint/2010/main" xmlns:p15="http://schemas.microsoft.com/office/powerpoint/2012/main">
+<p:sldLayout xmlns:a="http://schemas.openxmlformats.org/drawingml/2006/main" xmlns:r="http://schemas.openxmlformats.org/officeDocument/2006/relationships" xmlns:p="http://schemas.openxmlformats.org/presentationml/2006/main">
   <p:cSld name="Section title and description">
     <p:spTree>
       <p:nvGrpSpPr>
-        <p:cNvPr id="36" name="Shape 36"/>
+        <p:cNvPr id="1" name="Shape 36"/>
         <p:cNvGrpSpPr/>
         <p:nvPr/>
       </p:nvGrpSpPr>
@@ -3169,7 +3391,7 @@
           </a:ln>
         </p:spPr>
         <p:txBody>
-          <a:bodyPr anchorCtr="0" anchor="ctr" bIns="91425" lIns="91425" rIns="91425" tIns="91425">
+          <a:bodyPr lIns="91425" tIns="91425" rIns="91425" bIns="91425" anchor="ctr" anchorCtr="0">
             <a:noAutofit/>
           </a:bodyPr>
           <a:lstStyle/>
@@ -3180,9 +3402,6 @@
               </a:spcBef>
               <a:buNone/>
             </a:pPr>
-            <a:r>
-              <a:t/>
-            </a:r>
             <a:endParaRPr/>
           </a:p>
         </p:txBody>
@@ -3202,21 +3421,23 @@
             <a:avLst/>
           </a:prstGeom>
           <a:noFill/>
-          <a:ln cap="flat" cmpd="sng" w="28575">
+          <a:ln w="28575" cap="flat" cmpd="sng">
             <a:solidFill>
               <a:schemeClr val="lt1"/>
             </a:solidFill>
             <a:prstDash val="solid"/>
             <a:round/>
-            <a:headEnd len="med" w="med" type="none"/>
-            <a:tailEnd len="med" w="med" type="none"/>
+            <a:headEnd type="none" w="med" len="med"/>
+            <a:tailEnd type="none" w="med" len="med"/>
           </a:ln>
         </p:spPr>
       </p:cxnSp>
       <p:sp>
         <p:nvSpPr>
           <p:cNvPr id="39" name="Shape 39"/>
-          <p:cNvSpPr txBox="1"/>
+          <p:cNvSpPr txBox="1">
+            <a:spLocks noGrp="1"/>
+          </p:cNvSpPr>
           <p:nvPr>
             <p:ph type="title"/>
           </p:nvPr>
@@ -3231,7 +3452,7 @@
           </a:prstGeom>
         </p:spPr>
         <p:txBody>
-          <a:bodyPr anchorCtr="0" anchor="b" bIns="91425" lIns="91425" rIns="91425" tIns="91425"/>
+          <a:bodyPr lIns="91425" tIns="91425" rIns="91425" bIns="91425" anchor="b" anchorCtr="0"/>
           <a:lstStyle>
             <a:lvl1pPr lvl="0" algn="ctr">
               <a:spcBef>
@@ -3297,15 +3518,19 @@
               <a:defRPr sz="5400"/>
             </a:lvl9pPr>
           </a:lstStyle>
-          <a:p/>
+          <a:p>
+            <a:endParaRPr/>
+          </a:p>
         </p:txBody>
       </p:sp>
       <p:sp>
         <p:nvSpPr>
           <p:cNvPr id="40" name="Shape 40"/>
-          <p:cNvSpPr txBox="1"/>
+          <p:cNvSpPr txBox="1">
+            <a:spLocks noGrp="1"/>
+          </p:cNvSpPr>
           <p:nvPr>
-            <p:ph idx="1" type="subTitle"/>
+            <p:ph type="subTitle" idx="1"/>
           </p:nvPr>
         </p:nvSpPr>
         <p:spPr>
@@ -3318,7 +3543,7 @@
           </a:prstGeom>
         </p:spPr>
         <p:txBody>
-          <a:bodyPr anchorCtr="0" anchor="t" bIns="91425" lIns="91425" rIns="91425" tIns="91425"/>
+          <a:bodyPr lIns="91425" tIns="91425" rIns="91425" bIns="91425" anchor="t" anchorCtr="0"/>
           <a:lstStyle>
             <a:lvl1pPr lvl="0" algn="ctr">
               <a:lnSpc>
@@ -3446,15 +3671,19 @@
               <a:defRPr sz="1800"/>
             </a:lvl9pPr>
           </a:lstStyle>
-          <a:p/>
+          <a:p>
+            <a:endParaRPr/>
+          </a:p>
         </p:txBody>
       </p:sp>
       <p:sp>
         <p:nvSpPr>
           <p:cNvPr id="41" name="Shape 41"/>
-          <p:cNvSpPr txBox="1"/>
+          <p:cNvSpPr txBox="1">
+            <a:spLocks noGrp="1"/>
+          </p:cNvSpPr>
           <p:nvPr>
-            <p:ph idx="2" type="body"/>
+            <p:ph type="body" idx="2"/>
           </p:nvPr>
         </p:nvSpPr>
         <p:spPr>
@@ -3467,7 +3696,7 @@
           </a:prstGeom>
         </p:spPr>
         <p:txBody>
-          <a:bodyPr anchorCtr="0" anchor="ctr" bIns="91425" lIns="91425" rIns="91425" tIns="91425"/>
+          <a:bodyPr lIns="91425" tIns="91425" rIns="91425" bIns="91425" anchor="ctr" anchorCtr="0"/>
           <a:lstStyle>
             <a:lvl1pPr lvl="0">
               <a:spcBef>
@@ -3596,15 +3825,19 @@
               </a:defRPr>
             </a:lvl9pPr>
           </a:lstStyle>
-          <a:p/>
+          <a:p>
+            <a:endParaRPr/>
+          </a:p>
         </p:txBody>
       </p:sp>
       <p:sp>
         <p:nvSpPr>
           <p:cNvPr id="42" name="Shape 42"/>
-          <p:cNvSpPr txBox="1"/>
+          <p:cNvSpPr txBox="1">
+            <a:spLocks noGrp="1"/>
+          </p:cNvSpPr>
           <p:nvPr>
-            <p:ph idx="12" type="sldNum"/>
+            <p:ph type="sldNum" idx="12"/>
           </p:nvPr>
         </p:nvSpPr>
         <p:spPr>
@@ -3617,7 +3850,7 @@
           </a:prstGeom>
         </p:spPr>
         <p:txBody>
-          <a:bodyPr anchorCtr="0" anchor="ctr" bIns="91425" lIns="91425" rIns="91425" tIns="91425">
+          <a:bodyPr lIns="91425" tIns="91425" rIns="91425" bIns="91425" anchor="ctr" anchorCtr="0">
             <a:noAutofit/>
           </a:bodyPr>
           <a:lstStyle/>
@@ -3630,8 +3863,15 @@
             </a:pPr>
             <a:fld id="{00000000-1234-1234-1234-123412341234}" type="slidenum">
               <a:rPr lang="en"/>
+              <a:pPr lvl="0">
+                <a:spcBef>
+                  <a:spcPts val="0"/>
+                </a:spcBef>
+                <a:buNone/>
+              </a:pPr>
               <a:t>‹#›</a:t>
             </a:fld>
+            <a:endParaRPr lang="en"/>
           </a:p>
         </p:txBody>
       </p:sp>
@@ -3644,11 +3884,11 @@
 </file>
 
 <file path=ppt/slideLayouts/slideLayout9.xml><?xml version="1.0" encoding="utf-8"?>
-<p:sldLayout xmlns:a="http://schemas.openxmlformats.org/drawingml/2006/main" xmlns:r="http://schemas.openxmlformats.org/officeDocument/2006/relationships" xmlns:mc="http://schemas.openxmlformats.org/markup-compatibility/2006" xmlns:mv="urn:schemas-microsoft-com:mac:vml" xmlns:p="http://schemas.openxmlformats.org/presentationml/2006/main" xmlns:c="http://schemas.openxmlformats.org/drawingml/2006/chart" xmlns:dgm="http://schemas.openxmlformats.org/drawingml/2006/diagram" xmlns:o="urn:schemas-microsoft-com:office:office" xmlns:v="urn:schemas-microsoft-com:vml" xmlns:pvml="urn:schemas-microsoft-com:office:powerpoint" xmlns:com="http://schemas.openxmlformats.org/drawingml/2006/compatibility" xmlns:p14="http://schemas.microsoft.com/office/powerpoint/2010/main" xmlns:p15="http://schemas.microsoft.com/office/powerpoint/2012/main">
+<p:sldLayout xmlns:a="http://schemas.openxmlformats.org/drawingml/2006/main" xmlns:r="http://schemas.openxmlformats.org/officeDocument/2006/relationships" xmlns:p="http://schemas.openxmlformats.org/presentationml/2006/main">
   <p:cSld name="Caption">
     <p:spTree>
       <p:nvGrpSpPr>
-        <p:cNvPr id="43" name="Shape 43"/>
+        <p:cNvPr id="1" name="Shape 43"/>
         <p:cNvGrpSpPr/>
         <p:nvPr/>
       </p:nvGrpSpPr>
@@ -3663,9 +3903,11 @@
       <p:sp>
         <p:nvSpPr>
           <p:cNvPr id="44" name="Shape 44"/>
-          <p:cNvSpPr txBox="1"/>
+          <p:cNvSpPr txBox="1">
+            <a:spLocks noGrp="1"/>
+          </p:cNvSpPr>
           <p:nvPr>
-            <p:ph idx="1" type="body"/>
+            <p:ph type="body" idx="1"/>
           </p:nvPr>
         </p:nvSpPr>
         <p:spPr>
@@ -3678,7 +3920,7 @@
           </a:prstGeom>
         </p:spPr>
         <p:txBody>
-          <a:bodyPr anchorCtr="0" anchor="ctr" bIns="91425" lIns="91425" rIns="91425" tIns="91425"/>
+          <a:bodyPr lIns="91425" tIns="91425" rIns="91425" bIns="91425" anchor="ctr" anchorCtr="0"/>
           <a:lstStyle>
             <a:lvl1pPr lvl="0">
               <a:lnSpc>
@@ -3696,7 +3938,7 @@
               <a:buSzPct val="100000"/>
               <a:buFont typeface="Amatic SC"/>
               <a:buChar char="●"/>
-              <a:defRPr b="1" sz="2400">
+              <a:defRPr sz="2400" b="1">
                 <a:solidFill>
                   <a:schemeClr val="accent1"/>
                 </a:solidFill>
@@ -3707,15 +3949,19 @@
               </a:defRPr>
             </a:lvl1pPr>
           </a:lstStyle>
-          <a:p/>
+          <a:p>
+            <a:endParaRPr/>
+          </a:p>
         </p:txBody>
       </p:sp>
       <p:sp>
         <p:nvSpPr>
           <p:cNvPr id="45" name="Shape 45"/>
-          <p:cNvSpPr txBox="1"/>
+          <p:cNvSpPr txBox="1">
+            <a:spLocks noGrp="1"/>
+          </p:cNvSpPr>
           <p:nvPr>
-            <p:ph idx="12" type="sldNum"/>
+            <p:ph type="sldNum" idx="12"/>
           </p:nvPr>
         </p:nvSpPr>
         <p:spPr>
@@ -3728,7 +3974,7 @@
           </a:prstGeom>
         </p:spPr>
         <p:txBody>
-          <a:bodyPr anchorCtr="0" anchor="ctr" bIns="91425" lIns="91425" rIns="91425" tIns="91425">
+          <a:bodyPr lIns="91425" tIns="91425" rIns="91425" bIns="91425" anchor="ctr" anchorCtr="0">
             <a:noAutofit/>
           </a:bodyPr>
           <a:lstStyle/>
@@ -3741,8 +3987,15 @@
             </a:pPr>
             <a:fld id="{00000000-1234-1234-1234-123412341234}" type="slidenum">
               <a:rPr lang="en"/>
+              <a:pPr lvl="0">
+                <a:spcBef>
+                  <a:spcPts val="0"/>
+                </a:spcBef>
+                <a:buNone/>
+              </a:pPr>
               <a:t>‹#›</a:t>
             </a:fld>
+            <a:endParaRPr lang="en"/>
           </a:p>
         </p:txBody>
       </p:sp>
@@ -3755,18 +4008,19 @@
 </file>
 
 <file path=ppt/slideMasters/slideMaster1.xml><?xml version="1.0" encoding="utf-8"?>
-<p:sldMaster xmlns:a="http://schemas.openxmlformats.org/drawingml/2006/main" xmlns:r="http://schemas.openxmlformats.org/officeDocument/2006/relationships" xmlns:mc="http://schemas.openxmlformats.org/markup-compatibility/2006" xmlns:mv="urn:schemas-microsoft-com:mac:vml" xmlns:p="http://schemas.openxmlformats.org/presentationml/2006/main" xmlns:c="http://schemas.openxmlformats.org/drawingml/2006/chart" xmlns:dgm="http://schemas.openxmlformats.org/drawingml/2006/diagram" xmlns:o="urn:schemas-microsoft-com:office:office" xmlns:v="urn:schemas-microsoft-com:vml" xmlns:pvml="urn:schemas-microsoft-com:office:powerpoint" xmlns:com="http://schemas.openxmlformats.org/drawingml/2006/compatibility" xmlns:p14="http://schemas.microsoft.com/office/powerpoint/2010/main" xmlns:p15="http://schemas.microsoft.com/office/powerpoint/2012/main">
+<p:sldMaster xmlns:a="http://schemas.openxmlformats.org/drawingml/2006/main" xmlns:r="http://schemas.openxmlformats.org/officeDocument/2006/relationships" xmlns:p="http://schemas.openxmlformats.org/presentationml/2006/main">
   <p:cSld>
     <p:bg>
       <p:bgPr>
         <a:solidFill>
           <a:schemeClr val="lt1"/>
         </a:solidFill>
+        <a:effectLst/>
       </p:bgPr>
     </p:bg>
     <p:spTree>
       <p:nvGrpSpPr>
-        <p:cNvPr id="5" name="Shape 5"/>
+        <p:cNvPr id="1" name="Shape 5"/>
         <p:cNvGrpSpPr/>
         <p:nvPr/>
       </p:nvGrpSpPr>
@@ -3781,7 +4035,9 @@
       <p:sp>
         <p:nvSpPr>
           <p:cNvPr id="6" name="Shape 6"/>
-          <p:cNvSpPr txBox="1"/>
+          <p:cNvSpPr txBox="1">
+            <a:spLocks noGrp="1"/>
+          </p:cNvSpPr>
           <p:nvPr>
             <p:ph type="title"/>
           </p:nvPr>
@@ -3800,7 +4056,7 @@
           </a:ln>
         </p:spPr>
         <p:txBody>
-          <a:bodyPr anchorCtr="0" anchor="t" bIns="91425" lIns="91425" rIns="91425" tIns="91425"/>
+          <a:bodyPr lIns="91425" tIns="91425" rIns="91425" bIns="91425" anchor="t" anchorCtr="0"/>
           <a:lstStyle>
             <a:lvl1pPr lvl="0">
               <a:spcBef>
@@ -3812,7 +4068,7 @@
               <a:buSzPct val="100000"/>
               <a:buFont typeface="Amatic SC"/>
               <a:buNone/>
-              <a:defRPr b="1" sz="4200">
+              <a:defRPr sz="4200" b="1">
                 <a:solidFill>
                   <a:schemeClr val="accent1"/>
                 </a:solidFill>
@@ -3832,7 +4088,7 @@
               <a:buSzPct val="100000"/>
               <a:buFont typeface="Amatic SC"/>
               <a:buNone/>
-              <a:defRPr b="1" sz="4200">
+              <a:defRPr sz="4200" b="1">
                 <a:solidFill>
                   <a:schemeClr val="accent1"/>
                 </a:solidFill>
@@ -3852,7 +4108,7 @@
               <a:buSzPct val="100000"/>
               <a:buFont typeface="Amatic SC"/>
               <a:buNone/>
-              <a:defRPr b="1" sz="4200">
+              <a:defRPr sz="4200" b="1">
                 <a:solidFill>
                   <a:schemeClr val="accent1"/>
                 </a:solidFill>
@@ -3872,7 +4128,7 @@
               <a:buSzPct val="100000"/>
               <a:buFont typeface="Amatic SC"/>
               <a:buNone/>
-              <a:defRPr b="1" sz="4200">
+              <a:defRPr sz="4200" b="1">
                 <a:solidFill>
                   <a:schemeClr val="accent1"/>
                 </a:solidFill>
@@ -3892,7 +4148,7 @@
               <a:buSzPct val="100000"/>
               <a:buFont typeface="Amatic SC"/>
               <a:buNone/>
-              <a:defRPr b="1" sz="4200">
+              <a:defRPr sz="4200" b="1">
                 <a:solidFill>
                   <a:schemeClr val="accent1"/>
                 </a:solidFill>
@@ -3912,7 +4168,7 @@
               <a:buSzPct val="100000"/>
               <a:buFont typeface="Amatic SC"/>
               <a:buNone/>
-              <a:defRPr b="1" sz="4200">
+              <a:defRPr sz="4200" b="1">
                 <a:solidFill>
                   <a:schemeClr val="accent1"/>
                 </a:solidFill>
@@ -3932,7 +4188,7 @@
               <a:buSzPct val="100000"/>
               <a:buFont typeface="Amatic SC"/>
               <a:buNone/>
-              <a:defRPr b="1" sz="4200">
+              <a:defRPr sz="4200" b="1">
                 <a:solidFill>
                   <a:schemeClr val="accent1"/>
                 </a:solidFill>
@@ -3952,7 +4208,7 @@
               <a:buSzPct val="100000"/>
               <a:buFont typeface="Amatic SC"/>
               <a:buNone/>
-              <a:defRPr b="1" sz="4200">
+              <a:defRPr sz="4200" b="1">
                 <a:solidFill>
                   <a:schemeClr val="accent1"/>
                 </a:solidFill>
@@ -3972,7 +4228,7 @@
               <a:buSzPct val="100000"/>
               <a:buFont typeface="Amatic SC"/>
               <a:buNone/>
-              <a:defRPr b="1" sz="4200">
+              <a:defRPr sz="4200" b="1">
                 <a:solidFill>
                   <a:schemeClr val="accent1"/>
                 </a:solidFill>
@@ -3983,15 +4239,19 @@
               </a:defRPr>
             </a:lvl9pPr>
           </a:lstStyle>
-          <a:p/>
+          <a:p>
+            <a:endParaRPr/>
+          </a:p>
         </p:txBody>
       </p:sp>
       <p:sp>
         <p:nvSpPr>
           <p:cNvPr id="7" name="Shape 7"/>
-          <p:cNvSpPr txBox="1"/>
+          <p:cNvSpPr txBox="1">
+            <a:spLocks noGrp="1"/>
+          </p:cNvSpPr>
           <p:nvPr>
-            <p:ph idx="1" type="body"/>
+            <p:ph type="body" idx="1"/>
           </p:nvPr>
         </p:nvSpPr>
         <p:spPr>
@@ -4008,7 +4268,7 @@
           </a:ln>
         </p:spPr>
         <p:txBody>
-          <a:bodyPr anchorCtr="0" anchor="t" bIns="91425" lIns="91425" rIns="91425" tIns="91425"/>
+          <a:bodyPr lIns="91425" tIns="91425" rIns="91425" bIns="91425" anchor="t" anchorCtr="0"/>
           <a:lstStyle>
             <a:lvl1pPr lvl="0">
               <a:lnSpc>
@@ -4237,15 +4497,19 @@
               </a:defRPr>
             </a:lvl9pPr>
           </a:lstStyle>
-          <a:p/>
+          <a:p>
+            <a:endParaRPr/>
+          </a:p>
         </p:txBody>
       </p:sp>
       <p:sp>
         <p:nvSpPr>
           <p:cNvPr id="8" name="Shape 8"/>
-          <p:cNvSpPr txBox="1"/>
+          <p:cNvSpPr txBox="1">
+            <a:spLocks noGrp="1"/>
+          </p:cNvSpPr>
           <p:nvPr>
-            <p:ph idx="12" type="sldNum"/>
+            <p:ph type="sldNum" idx="12"/>
           </p:nvPr>
         </p:nvSpPr>
         <p:spPr>
@@ -4262,7 +4526,7 @@
           </a:ln>
         </p:spPr>
         <p:txBody>
-          <a:bodyPr anchorCtr="0" anchor="ctr" bIns="91425" lIns="91425" rIns="91425" tIns="91425">
+          <a:bodyPr lIns="91425" tIns="91425" rIns="91425" bIns="91425" anchor="ctr" anchorCtr="0">
             <a:noAutofit/>
           </a:bodyPr>
           <a:lstStyle/>
@@ -4283,14 +4547,29 @@
                 <a:cs typeface="Source Code Pro"/>
                 <a:sym typeface="Source Code Pro"/>
               </a:rPr>
+              <a:pPr lvl="0" algn="r">
+                <a:spcBef>
+                  <a:spcPts val="0"/>
+                </a:spcBef>
+                <a:buNone/>
+              </a:pPr>
               <a:t>‹#›</a:t>
             </a:fld>
+            <a:endParaRPr lang="en" sz="1000">
+              <a:solidFill>
+                <a:schemeClr val="accent1"/>
+              </a:solidFill>
+              <a:latin typeface="Source Code Pro"/>
+              <a:ea typeface="Source Code Pro"/>
+              <a:cs typeface="Source Code Pro"/>
+              <a:sym typeface="Source Code Pro"/>
+            </a:endParaRPr>
           </a:p>
         </p:txBody>
       </p:sp>
     </p:spTree>
   </p:cSld>
-  <p:clrMap accent1="accent1" accent2="accent2" accent3="accent3" accent4="accent4" accent5="accent5" accent6="accent6" bg1="lt1" bg2="dk2" tx1="dk1" tx2="lt2" folHlink="folHlink" hlink="hlink"/>
+  <p:clrMap bg1="lt1" tx1="dk1" bg2="dk2" tx2="lt2" accent1="accent1" accent2="accent2" accent3="accent3" accent4="accent4" accent5="accent5" accent6="accent6" hlink="hlink" folHlink="folHlink"/>
   <p:sldLayoutIdLst>
     <p:sldLayoutId id="2147483648" r:id="rId1"/>
     <p:sldLayoutId id="2147483649" r:id="rId2"/>
@@ -4302,12 +4581,11 @@
     <p:sldLayoutId id="2147483655" r:id="rId8"/>
     <p:sldLayoutId id="2147483656" r:id="rId9"/>
     <p:sldLayoutId id="2147483657" r:id="rId10"/>
-    <p:sldLayoutId id="2147483658" r:id="rId11"/>
   </p:sldLayoutIdLst>
-  <p:hf dt="0" ftr="0" hdr="0" sldNum="0"/>
+  <p:hf sldNum="0" hdr="0" ftr="0" dt="0"/>
   <p:txStyles>
     <p:titleStyle>
-      <a:defPPr lvl="0" marR="0" rtl="0" algn="l">
+      <a:defPPr marR="0" lvl="0" algn="l" rtl="0">
         <a:lnSpc>
           <a:spcPct val="100000"/>
         </a:lnSpc>
@@ -4318,7 +4596,7 @@
           <a:spcPts val="0"/>
         </a:spcAft>
       </a:defPPr>
-      <a:lvl1pPr lvl="0" marR="0" rtl="0" algn="l">
+      <a:lvl1pPr marR="0" lvl="0" algn="l" rtl="0">
         <a:lnSpc>
           <a:spcPct val="100000"/>
         </a:lnSpc>
@@ -4329,7 +4607,7 @@
           <a:spcPts val="0"/>
         </a:spcAft>
         <a:buNone/>
-        <a:defRPr b="0" i="0" sz="1400" u="none" cap="none" strike="noStrike">
+        <a:defRPr sz="1400" b="0" i="0" u="none" strike="noStrike" cap="none">
           <a:solidFill>
             <a:srgbClr val="000000"/>
           </a:solidFill>
@@ -4341,7 +4619,7 @@
       </a:lvl1pPr>
     </p:titleStyle>
     <p:bodyStyle>
-      <a:defPPr lvl="0" marR="0" rtl="0" algn="l">
+      <a:defPPr marR="0" lvl="0" algn="l" rtl="0">
         <a:lnSpc>
           <a:spcPct val="100000"/>
         </a:lnSpc>
@@ -4352,7 +4630,7 @@
           <a:spcPts val="0"/>
         </a:spcAft>
       </a:defPPr>
-      <a:lvl1pPr lvl="0" marR="0" rtl="0" algn="l">
+      <a:lvl1pPr marR="0" lvl="0" algn="l" rtl="0">
         <a:lnSpc>
           <a:spcPct val="100000"/>
         </a:lnSpc>
@@ -4363,7 +4641,7 @@
           <a:spcPts val="0"/>
         </a:spcAft>
         <a:buNone/>
-        <a:defRPr b="0" i="0" sz="1400" u="none" cap="none" strike="noStrike">
+        <a:defRPr sz="1400" b="0" i="0" u="none" strike="noStrike" cap="none">
           <a:solidFill>
             <a:srgbClr val="000000"/>
           </a:solidFill>
@@ -4373,7 +4651,7 @@
           <a:sym typeface="Arial"/>
         </a:defRPr>
       </a:lvl1pPr>
-      <a:lvl2pPr lvl="1" marR="0" rtl="0" algn="l">
+      <a:lvl2pPr marR="0" lvl="1" algn="l" rtl="0">
         <a:lnSpc>
           <a:spcPct val="100000"/>
         </a:lnSpc>
@@ -4384,7 +4662,7 @@
           <a:spcPts val="0"/>
         </a:spcAft>
         <a:buNone/>
-        <a:defRPr b="0" i="0" sz="1400" u="none" cap="none" strike="noStrike">
+        <a:defRPr sz="1400" b="0" i="0" u="none" strike="noStrike" cap="none">
           <a:solidFill>
             <a:srgbClr val="000000"/>
           </a:solidFill>
@@ -4394,7 +4672,7 @@
           <a:sym typeface="Arial"/>
         </a:defRPr>
       </a:lvl2pPr>
-      <a:lvl3pPr lvl="2" marR="0" rtl="0" algn="l">
+      <a:lvl3pPr marR="0" lvl="2" algn="l" rtl="0">
         <a:lnSpc>
           <a:spcPct val="100000"/>
         </a:lnSpc>
@@ -4405,7 +4683,7 @@
           <a:spcPts val="0"/>
         </a:spcAft>
         <a:buNone/>
-        <a:defRPr b="0" i="0" sz="1400" u="none" cap="none" strike="noStrike">
+        <a:defRPr sz="1400" b="0" i="0" u="none" strike="noStrike" cap="none">
           <a:solidFill>
             <a:srgbClr val="000000"/>
           </a:solidFill>
@@ -4415,7 +4693,7 @@
           <a:sym typeface="Arial"/>
         </a:defRPr>
       </a:lvl3pPr>
-      <a:lvl4pPr lvl="3" marR="0" rtl="0" algn="l">
+      <a:lvl4pPr marR="0" lvl="3" algn="l" rtl="0">
         <a:lnSpc>
           <a:spcPct val="100000"/>
         </a:lnSpc>
@@ -4426,7 +4704,7 @@
           <a:spcPts val="0"/>
         </a:spcAft>
         <a:buNone/>
-        <a:defRPr b="0" i="0" sz="1400" u="none" cap="none" strike="noStrike">
+        <a:defRPr sz="1400" b="0" i="0" u="none" strike="noStrike" cap="none">
           <a:solidFill>
             <a:srgbClr val="000000"/>
           </a:solidFill>
@@ -4436,7 +4714,7 @@
           <a:sym typeface="Arial"/>
         </a:defRPr>
       </a:lvl4pPr>
-      <a:lvl5pPr lvl="4" marR="0" rtl="0" algn="l">
+      <a:lvl5pPr marR="0" lvl="4" algn="l" rtl="0">
         <a:lnSpc>
           <a:spcPct val="100000"/>
         </a:lnSpc>
@@ -4447,7 +4725,7 @@
           <a:spcPts val="0"/>
         </a:spcAft>
         <a:buNone/>
-        <a:defRPr b="0" i="0" sz="1400" u="none" cap="none" strike="noStrike">
+        <a:defRPr sz="1400" b="0" i="0" u="none" strike="noStrike" cap="none">
           <a:solidFill>
             <a:srgbClr val="000000"/>
           </a:solidFill>
@@ -4457,7 +4735,7 @@
           <a:sym typeface="Arial"/>
         </a:defRPr>
       </a:lvl5pPr>
-      <a:lvl6pPr lvl="5" marR="0" rtl="0" algn="l">
+      <a:lvl6pPr marR="0" lvl="5" algn="l" rtl="0">
         <a:lnSpc>
           <a:spcPct val="100000"/>
         </a:lnSpc>
@@ -4468,7 +4746,7 @@
           <a:spcPts val="0"/>
         </a:spcAft>
         <a:buNone/>
-        <a:defRPr b="0" i="0" sz="1400" u="none" cap="none" strike="noStrike">
+        <a:defRPr sz="1400" b="0" i="0" u="none" strike="noStrike" cap="none">
           <a:solidFill>
             <a:srgbClr val="000000"/>
           </a:solidFill>
@@ -4478,7 +4756,7 @@
           <a:sym typeface="Arial"/>
         </a:defRPr>
       </a:lvl6pPr>
-      <a:lvl7pPr lvl="6" marR="0" rtl="0" algn="l">
+      <a:lvl7pPr marR="0" lvl="6" algn="l" rtl="0">
         <a:lnSpc>
           <a:spcPct val="100000"/>
         </a:lnSpc>
@@ -4489,7 +4767,7 @@
           <a:spcPts val="0"/>
         </a:spcAft>
         <a:buNone/>
-        <a:defRPr b="0" i="0" sz="1400" u="none" cap="none" strike="noStrike">
+        <a:defRPr sz="1400" b="0" i="0" u="none" strike="noStrike" cap="none">
           <a:solidFill>
             <a:srgbClr val="000000"/>
           </a:solidFill>
@@ -4499,7 +4777,7 @@
           <a:sym typeface="Arial"/>
         </a:defRPr>
       </a:lvl7pPr>
-      <a:lvl8pPr lvl="7" marR="0" rtl="0" algn="l">
+      <a:lvl8pPr marR="0" lvl="7" algn="l" rtl="0">
         <a:lnSpc>
           <a:spcPct val="100000"/>
         </a:lnSpc>
@@ -4510,7 +4788,7 @@
           <a:spcPts val="0"/>
         </a:spcAft>
         <a:buNone/>
-        <a:defRPr b="0" i="0" sz="1400" u="none" cap="none" strike="noStrike">
+        <a:defRPr sz="1400" b="0" i="0" u="none" strike="noStrike" cap="none">
           <a:solidFill>
             <a:srgbClr val="000000"/>
           </a:solidFill>
@@ -4520,7 +4798,7 @@
           <a:sym typeface="Arial"/>
         </a:defRPr>
       </a:lvl8pPr>
-      <a:lvl9pPr lvl="8" marR="0" rtl="0" algn="l">
+      <a:lvl9pPr marR="0" lvl="8" algn="l" rtl="0">
         <a:lnSpc>
           <a:spcPct val="100000"/>
         </a:lnSpc>
@@ -4531,7 +4809,7 @@
           <a:spcPts val="0"/>
         </a:spcAft>
         <a:buNone/>
-        <a:defRPr b="0" i="0" sz="1400" u="none" cap="none" strike="noStrike">
+        <a:defRPr sz="1400" b="0" i="0" u="none" strike="noStrike" cap="none">
           <a:solidFill>
             <a:srgbClr val="000000"/>
           </a:solidFill>
@@ -4543,7 +4821,7 @@
       </a:lvl9pPr>
     </p:bodyStyle>
     <p:otherStyle>
-      <a:defPPr lvl="0" marR="0" rtl="0" algn="l">
+      <a:defPPr marR="0" lvl="0" algn="l" rtl="0">
         <a:lnSpc>
           <a:spcPct val="100000"/>
         </a:lnSpc>
@@ -4554,7 +4832,7 @@
           <a:spcPts val="0"/>
         </a:spcAft>
       </a:defPPr>
-      <a:lvl1pPr lvl="0" marR="0" rtl="0" algn="l">
+      <a:lvl1pPr marR="0" lvl="0" algn="l" rtl="0">
         <a:lnSpc>
           <a:spcPct val="100000"/>
         </a:lnSpc>
@@ -4565,7 +4843,7 @@
           <a:spcPts val="0"/>
         </a:spcAft>
         <a:buNone/>
-        <a:defRPr b="0" i="0" sz="1400" u="none" cap="none" strike="noStrike">
+        <a:defRPr sz="1400" b="0" i="0" u="none" strike="noStrike" cap="none">
           <a:solidFill>
             <a:srgbClr val="000000"/>
           </a:solidFill>
@@ -4575,7 +4853,7 @@
           <a:sym typeface="Arial"/>
         </a:defRPr>
       </a:lvl1pPr>
-      <a:lvl2pPr lvl="1" marR="0" rtl="0" algn="l">
+      <a:lvl2pPr marR="0" lvl="1" algn="l" rtl="0">
         <a:lnSpc>
           <a:spcPct val="100000"/>
         </a:lnSpc>
@@ -4586,7 +4864,7 @@
           <a:spcPts val="0"/>
         </a:spcAft>
         <a:buNone/>
-        <a:defRPr b="0" i="0" sz="1400" u="none" cap="none" strike="noStrike">
+        <a:defRPr sz="1400" b="0" i="0" u="none" strike="noStrike" cap="none">
           <a:solidFill>
             <a:srgbClr val="000000"/>
           </a:solidFill>
@@ -4596,7 +4874,7 @@
           <a:sym typeface="Arial"/>
         </a:defRPr>
       </a:lvl2pPr>
-      <a:lvl3pPr lvl="2" marR="0" rtl="0" algn="l">
+      <a:lvl3pPr marR="0" lvl="2" algn="l" rtl="0">
         <a:lnSpc>
           <a:spcPct val="100000"/>
         </a:lnSpc>
@@ -4607,7 +4885,7 @@
           <a:spcPts val="0"/>
         </a:spcAft>
         <a:buNone/>
-        <a:defRPr b="0" i="0" sz="1400" u="none" cap="none" strike="noStrike">
+        <a:defRPr sz="1400" b="0" i="0" u="none" strike="noStrike" cap="none">
           <a:solidFill>
             <a:srgbClr val="000000"/>
           </a:solidFill>
@@ -4617,7 +4895,7 @@
           <a:sym typeface="Arial"/>
         </a:defRPr>
       </a:lvl3pPr>
-      <a:lvl4pPr lvl="3" marR="0" rtl="0" algn="l">
+      <a:lvl4pPr marR="0" lvl="3" algn="l" rtl="0">
         <a:lnSpc>
           <a:spcPct val="100000"/>
         </a:lnSpc>
@@ -4628,7 +4906,7 @@
           <a:spcPts val="0"/>
         </a:spcAft>
         <a:buNone/>
-        <a:defRPr b="0" i="0" sz="1400" u="none" cap="none" strike="noStrike">
+        <a:defRPr sz="1400" b="0" i="0" u="none" strike="noStrike" cap="none">
           <a:solidFill>
             <a:srgbClr val="000000"/>
           </a:solidFill>
@@ -4638,7 +4916,7 @@
           <a:sym typeface="Arial"/>
         </a:defRPr>
       </a:lvl4pPr>
-      <a:lvl5pPr lvl="4" marR="0" rtl="0" algn="l">
+      <a:lvl5pPr marR="0" lvl="4" algn="l" rtl="0">
         <a:lnSpc>
           <a:spcPct val="100000"/>
         </a:lnSpc>
@@ -4649,7 +4927,7 @@
           <a:spcPts val="0"/>
         </a:spcAft>
         <a:buNone/>
-        <a:defRPr b="0" i="0" sz="1400" u="none" cap="none" strike="noStrike">
+        <a:defRPr sz="1400" b="0" i="0" u="none" strike="noStrike" cap="none">
           <a:solidFill>
             <a:srgbClr val="000000"/>
           </a:solidFill>
@@ -4659,7 +4937,7 @@
           <a:sym typeface="Arial"/>
         </a:defRPr>
       </a:lvl5pPr>
-      <a:lvl6pPr lvl="5" marR="0" rtl="0" algn="l">
+      <a:lvl6pPr marR="0" lvl="5" algn="l" rtl="0">
         <a:lnSpc>
           <a:spcPct val="100000"/>
         </a:lnSpc>
@@ -4670,7 +4948,7 @@
           <a:spcPts val="0"/>
         </a:spcAft>
         <a:buNone/>
-        <a:defRPr b="0" i="0" sz="1400" u="none" cap="none" strike="noStrike">
+        <a:defRPr sz="1400" b="0" i="0" u="none" strike="noStrike" cap="none">
           <a:solidFill>
             <a:srgbClr val="000000"/>
           </a:solidFill>
@@ -4680,7 +4958,7 @@
           <a:sym typeface="Arial"/>
         </a:defRPr>
       </a:lvl6pPr>
-      <a:lvl7pPr lvl="6" marR="0" rtl="0" algn="l">
+      <a:lvl7pPr marR="0" lvl="6" algn="l" rtl="0">
         <a:lnSpc>
           <a:spcPct val="100000"/>
         </a:lnSpc>
@@ -4691,7 +4969,7 @@
           <a:spcPts val="0"/>
         </a:spcAft>
         <a:buNone/>
-        <a:defRPr b="0" i="0" sz="1400" u="none" cap="none" strike="noStrike">
+        <a:defRPr sz="1400" b="0" i="0" u="none" strike="noStrike" cap="none">
           <a:solidFill>
             <a:srgbClr val="000000"/>
           </a:solidFill>
@@ -4701,7 +4979,7 @@
           <a:sym typeface="Arial"/>
         </a:defRPr>
       </a:lvl7pPr>
-      <a:lvl8pPr lvl="7" marR="0" rtl="0" algn="l">
+      <a:lvl8pPr marR="0" lvl="7" algn="l" rtl="0">
         <a:lnSpc>
           <a:spcPct val="100000"/>
         </a:lnSpc>
@@ -4712,7 +4990,7 @@
           <a:spcPts val="0"/>
         </a:spcAft>
         <a:buNone/>
-        <a:defRPr b="0" i="0" sz="1400" u="none" cap="none" strike="noStrike">
+        <a:defRPr sz="1400" b="0" i="0" u="none" strike="noStrike" cap="none">
           <a:solidFill>
             <a:srgbClr val="000000"/>
           </a:solidFill>
@@ -4722,7 +5000,7 @@
           <a:sym typeface="Arial"/>
         </a:defRPr>
       </a:lvl8pPr>
-      <a:lvl9pPr lvl="8" marR="0" rtl="0" algn="l">
+      <a:lvl9pPr marR="0" lvl="8" algn="l" rtl="0">
         <a:lnSpc>
           <a:spcPct val="100000"/>
         </a:lnSpc>
@@ -4733,7 +5011,7 @@
           <a:spcPts val="0"/>
         </a:spcAft>
         <a:buNone/>
-        <a:defRPr b="0" i="0" sz="1400" u="none" cap="none" strike="noStrike">
+        <a:defRPr sz="1400" b="0" i="0" u="none" strike="noStrike" cap="none">
           <a:solidFill>
             <a:srgbClr val="000000"/>
           </a:solidFill>
@@ -4749,11 +5027,11 @@
 </file>
 
 <file path=ppt/slides/slide1.xml><?xml version="1.0" encoding="utf-8"?>
-<p:sld xmlns:a="http://schemas.openxmlformats.org/drawingml/2006/main" xmlns:r="http://schemas.openxmlformats.org/officeDocument/2006/relationships" xmlns:mc="http://schemas.openxmlformats.org/markup-compatibility/2006" xmlns:mv="urn:schemas-microsoft-com:mac:vml" xmlns:p="http://schemas.openxmlformats.org/presentationml/2006/main" xmlns:c="http://schemas.openxmlformats.org/drawingml/2006/chart" xmlns:dgm="http://schemas.openxmlformats.org/drawingml/2006/diagram" xmlns:o="urn:schemas-microsoft-com:office:office" xmlns:v="urn:schemas-microsoft-com:vml" xmlns:pvml="urn:schemas-microsoft-com:office:powerpoint" xmlns:com="http://schemas.openxmlformats.org/drawingml/2006/compatibility" xmlns:p14="http://schemas.microsoft.com/office/powerpoint/2010/main" xmlns:p15="http://schemas.microsoft.com/office/powerpoint/2012/main">
+<p:sld xmlns:a="http://schemas.openxmlformats.org/drawingml/2006/main" xmlns:r="http://schemas.openxmlformats.org/officeDocument/2006/relationships" xmlns:p="http://schemas.openxmlformats.org/presentationml/2006/main">
   <p:cSld>
     <p:spTree>
       <p:nvGrpSpPr>
-        <p:cNvPr id="55" name="Shape 55"/>
+        <p:cNvPr id="1" name="Shape 55"/>
         <p:cNvGrpSpPr/>
         <p:nvPr/>
       </p:nvGrpSpPr>
@@ -4768,7 +5046,9 @@
       <p:sp>
         <p:nvSpPr>
           <p:cNvPr id="56" name="Shape 56"/>
-          <p:cNvSpPr txBox="1"/>
+          <p:cNvSpPr txBox="1">
+            <a:spLocks noGrp="1"/>
+          </p:cNvSpPr>
           <p:nvPr>
             <p:ph type="ctrTitle"/>
           </p:nvPr>
@@ -4783,7 +5063,7 @@
           </a:prstGeom>
         </p:spPr>
         <p:txBody>
-          <a:bodyPr anchorCtr="0" anchor="ctr" bIns="91425" lIns="91425" rIns="91425" tIns="91425">
+          <a:bodyPr lIns="91425" tIns="91425" rIns="91425" bIns="91425" anchor="ctr" anchorCtr="0">
             <a:noAutofit/>
           </a:bodyPr>
           <a:lstStyle/>
@@ -4804,9 +5084,11 @@
       <p:sp>
         <p:nvSpPr>
           <p:cNvPr id="57" name="Shape 57"/>
-          <p:cNvSpPr txBox="1"/>
+          <p:cNvSpPr txBox="1">
+            <a:spLocks noGrp="1"/>
+          </p:cNvSpPr>
           <p:nvPr>
-            <p:ph idx="1" type="subTitle"/>
+            <p:ph type="subTitle" idx="1"/>
           </p:nvPr>
         </p:nvSpPr>
         <p:spPr>
@@ -4819,7 +5101,7 @@
           </a:prstGeom>
         </p:spPr>
         <p:txBody>
-          <a:bodyPr anchorCtr="0" anchor="ctr" bIns="91425" lIns="91425" rIns="91425" tIns="91425">
+          <a:bodyPr lIns="91425" tIns="91425" rIns="91425" bIns="91425" anchor="ctr" anchorCtr="0">
             <a:noAutofit/>
           </a:bodyPr>
           <a:lstStyle/>
@@ -4857,12 +5139,417 @@
 </p:sld>
 </file>
 
-<file path=ppt/slides/slide2.xml><?xml version="1.0" encoding="utf-8"?>
-<p:sld xmlns:a="http://schemas.openxmlformats.org/drawingml/2006/main" xmlns:r="http://schemas.openxmlformats.org/officeDocument/2006/relationships" xmlns:mc="http://schemas.openxmlformats.org/markup-compatibility/2006" xmlns:mv="urn:schemas-microsoft-com:mac:vml" xmlns:p="http://schemas.openxmlformats.org/presentationml/2006/main" xmlns:c="http://schemas.openxmlformats.org/drawingml/2006/chart" xmlns:dgm="http://schemas.openxmlformats.org/drawingml/2006/diagram" xmlns:o="urn:schemas-microsoft-com:office:office" xmlns:v="urn:schemas-microsoft-com:vml" xmlns:pvml="urn:schemas-microsoft-com:office:powerpoint" xmlns:com="http://schemas.openxmlformats.org/drawingml/2006/compatibility" xmlns:p14="http://schemas.microsoft.com/office/powerpoint/2010/main" xmlns:p15="http://schemas.microsoft.com/office/powerpoint/2012/main">
+<file path=ppt/slides/slide10.xml><?xml version="1.0" encoding="utf-8"?>
+<p:sld xmlns:a="http://schemas.openxmlformats.org/drawingml/2006/main" xmlns:r="http://schemas.openxmlformats.org/officeDocument/2006/relationships" xmlns:p="http://schemas.openxmlformats.org/presentationml/2006/main">
   <p:cSld>
     <p:spTree>
       <p:nvGrpSpPr>
-        <p:cNvPr id="61" name="Shape 61"/>
+        <p:cNvPr id="1" name=""/>
+        <p:cNvGrpSpPr/>
+        <p:nvPr/>
+      </p:nvGrpSpPr>
+      <p:grpSpPr>
+        <a:xfrm>
+          <a:off x="0" y="0"/>
+          <a:ext cx="0" cy="0"/>
+          <a:chOff x="0" y="0"/>
+          <a:chExt cx="0" cy="0"/>
+        </a:xfrm>
+      </p:grpSpPr>
+      <p:sp>
+        <p:nvSpPr>
+          <p:cNvPr id="2" name="Title 1"/>
+          <p:cNvSpPr>
+            <a:spLocks noGrp="1"/>
+          </p:cNvSpPr>
+          <p:nvPr>
+            <p:ph type="title"/>
+          </p:nvPr>
+        </p:nvSpPr>
+        <p:spPr/>
+        <p:txBody>
+          <a:bodyPr/>
+          <a:lstStyle/>
+          <a:p>
+            <a:pPr algn="ctr"/>
+            <a:r>
+              <a:rPr lang="en-US" dirty="0" smtClean="0"/>
+              <a:t>Sign-Up Page</a:t>
+            </a:r>
+            <a:endParaRPr lang="en-US" dirty="0"/>
+          </a:p>
+        </p:txBody>
+      </p:sp>
+      <p:sp>
+        <p:nvSpPr>
+          <p:cNvPr id="3" name="Text Placeholder 2"/>
+          <p:cNvSpPr>
+            <a:spLocks noGrp="1"/>
+          </p:cNvSpPr>
+          <p:nvPr>
+            <p:ph type="body" idx="1"/>
+          </p:nvPr>
+        </p:nvSpPr>
+        <p:spPr/>
+        <p:txBody>
+          <a:bodyPr/>
+          <a:lstStyle/>
+          <a:p>
+            <a:endParaRPr lang="en-US" dirty="0"/>
+          </a:p>
+        </p:txBody>
+      </p:sp>
+      <p:pic>
+        <p:nvPicPr>
+          <p:cNvPr id="4098" name="Picture 2"/>
+          <p:cNvPicPr>
+            <a:picLocks noChangeAspect="1" noChangeArrowheads="1"/>
+          </p:cNvPicPr>
+          <p:nvPr/>
+        </p:nvPicPr>
+        <p:blipFill>
+          <a:blip r:embed="rId2"/>
+          <a:srcRect/>
+          <a:stretch>
+            <a:fillRect/>
+          </a:stretch>
+        </p:blipFill>
+        <p:spPr bwMode="auto">
+          <a:xfrm>
+            <a:off x="1676400" y="1123950"/>
+            <a:ext cx="6243092" cy="3510025"/>
+          </a:xfrm>
+          <a:prstGeom prst="rect">
+            <a:avLst/>
+          </a:prstGeom>
+          <a:noFill/>
+          <a:ln w="9525">
+            <a:noFill/>
+            <a:miter lim="800000"/>
+            <a:headEnd/>
+            <a:tailEnd/>
+          </a:ln>
+          <a:effectLst/>
+        </p:spPr>
+      </p:pic>
+    </p:spTree>
+  </p:cSld>
+  <p:clrMapOvr>
+    <a:masterClrMapping/>
+  </p:clrMapOvr>
+</p:sld>
+</file>
+
+<file path=ppt/slides/slide11.xml><?xml version="1.0" encoding="utf-8"?>
+<p:sld xmlns:a="http://schemas.openxmlformats.org/drawingml/2006/main" xmlns:r="http://schemas.openxmlformats.org/officeDocument/2006/relationships" xmlns:p="http://schemas.openxmlformats.org/presentationml/2006/main">
+  <p:cSld>
+    <p:spTree>
+      <p:nvGrpSpPr>
+        <p:cNvPr id="1" name=""/>
+        <p:cNvGrpSpPr/>
+        <p:nvPr/>
+      </p:nvGrpSpPr>
+      <p:grpSpPr>
+        <a:xfrm>
+          <a:off x="0" y="0"/>
+          <a:ext cx="0" cy="0"/>
+          <a:chOff x="0" y="0"/>
+          <a:chExt cx="0" cy="0"/>
+        </a:xfrm>
+      </p:grpSpPr>
+      <p:sp>
+        <p:nvSpPr>
+          <p:cNvPr id="2" name="Title 1"/>
+          <p:cNvSpPr>
+            <a:spLocks noGrp="1"/>
+          </p:cNvSpPr>
+          <p:nvPr>
+            <p:ph type="title"/>
+          </p:nvPr>
+        </p:nvSpPr>
+        <p:spPr/>
+        <p:txBody>
+          <a:bodyPr/>
+          <a:lstStyle/>
+          <a:p>
+            <a:pPr algn="ctr"/>
+            <a:r>
+              <a:rPr lang="en-US" dirty="0" smtClean="0"/>
+              <a:t>Implementation</a:t>
+            </a:r>
+            <a:endParaRPr lang="en-US" dirty="0"/>
+          </a:p>
+        </p:txBody>
+      </p:sp>
+      <p:sp>
+        <p:nvSpPr>
+          <p:cNvPr id="3" name="Text Placeholder 2"/>
+          <p:cNvSpPr>
+            <a:spLocks noGrp="1"/>
+          </p:cNvSpPr>
+          <p:nvPr>
+            <p:ph type="body" idx="1"/>
+          </p:nvPr>
+        </p:nvSpPr>
+        <p:spPr/>
+        <p:txBody>
+          <a:bodyPr/>
+          <a:lstStyle/>
+          <a:p>
+            <a:r>
+              <a:rPr lang="en-US" dirty="0" smtClean="0"/>
+              <a:t>After successfully logging-in the account user is </a:t>
+            </a:r>
+            <a:r>
+              <a:rPr lang="en-US" dirty="0" smtClean="0"/>
+              <a:t>m</a:t>
+            </a:r>
+            <a:r>
+              <a:rPr lang="en-US" dirty="0" smtClean="0"/>
+              <a:t>oved to dashboard where there are several option which are available to the user.</a:t>
+            </a:r>
+          </a:p>
+          <a:p>
+            <a:pPr>
+              <a:buNone/>
+            </a:pPr>
+            <a:r>
+              <a:rPr lang="en-US" dirty="0" smtClean="0"/>
+              <a:t> Profile: where all the personal details of user is displayed.</a:t>
+            </a:r>
+          </a:p>
+          <a:p>
+            <a:pPr>
+              <a:buNone/>
+            </a:pPr>
+            <a:r>
+              <a:rPr lang="en-US" dirty="0" smtClean="0"/>
+              <a:t> </a:t>
+            </a:r>
+            <a:r>
+              <a:rPr lang="en-US" dirty="0" smtClean="0"/>
+              <a:t>Transactions: To add transactions to particular account here user can add, modify and delete the transaction. </a:t>
+            </a:r>
+            <a:endParaRPr lang="en-US" dirty="0"/>
+          </a:p>
+        </p:txBody>
+      </p:sp>
+    </p:spTree>
+  </p:cSld>
+  <p:clrMapOvr>
+    <a:masterClrMapping/>
+  </p:clrMapOvr>
+</p:sld>
+</file>
+
+<file path=ppt/slides/slide12.xml><?xml version="1.0" encoding="utf-8"?>
+<p:sld xmlns:a="http://schemas.openxmlformats.org/drawingml/2006/main" xmlns:r="http://schemas.openxmlformats.org/officeDocument/2006/relationships" xmlns:p="http://schemas.openxmlformats.org/presentationml/2006/main">
+  <p:cSld>
+    <p:spTree>
+      <p:nvGrpSpPr>
+        <p:cNvPr id="1" name=""/>
+        <p:cNvGrpSpPr/>
+        <p:nvPr/>
+      </p:nvGrpSpPr>
+      <p:grpSpPr>
+        <a:xfrm>
+          <a:off x="0" y="0"/>
+          <a:ext cx="0" cy="0"/>
+          <a:chOff x="0" y="0"/>
+          <a:chExt cx="0" cy="0"/>
+        </a:xfrm>
+      </p:grpSpPr>
+      <p:sp>
+        <p:nvSpPr>
+          <p:cNvPr id="2" name="Title 1"/>
+          <p:cNvSpPr>
+            <a:spLocks noGrp="1"/>
+          </p:cNvSpPr>
+          <p:nvPr>
+            <p:ph type="title"/>
+          </p:nvPr>
+        </p:nvSpPr>
+        <p:spPr/>
+        <p:txBody>
+          <a:bodyPr/>
+          <a:lstStyle/>
+          <a:p>
+            <a:pPr algn="ctr"/>
+            <a:r>
+              <a:rPr lang="en-US" dirty="0" smtClean="0"/>
+              <a:t>Dashboard</a:t>
+            </a:r>
+            <a:endParaRPr lang="en-US" dirty="0"/>
+          </a:p>
+        </p:txBody>
+      </p:sp>
+      <p:sp>
+        <p:nvSpPr>
+          <p:cNvPr id="3" name="Text Placeholder 2"/>
+          <p:cNvSpPr>
+            <a:spLocks noGrp="1"/>
+          </p:cNvSpPr>
+          <p:nvPr>
+            <p:ph type="body" idx="1"/>
+          </p:nvPr>
+        </p:nvSpPr>
+        <p:spPr/>
+        <p:txBody>
+          <a:bodyPr/>
+          <a:lstStyle/>
+          <a:p>
+            <a:endParaRPr lang="en-US"/>
+          </a:p>
+        </p:txBody>
+      </p:sp>
+      <p:pic>
+        <p:nvPicPr>
+          <p:cNvPr id="5122" name="Picture 2"/>
+          <p:cNvPicPr>
+            <a:picLocks noChangeAspect="1" noChangeArrowheads="1"/>
+          </p:cNvPicPr>
+          <p:nvPr/>
+        </p:nvPicPr>
+        <p:blipFill>
+          <a:blip r:embed="rId2"/>
+          <a:srcRect/>
+          <a:stretch>
+            <a:fillRect/>
+          </a:stretch>
+        </p:blipFill>
+        <p:spPr bwMode="auto">
+          <a:xfrm>
+            <a:off x="1481534" y="1276350"/>
+            <a:ext cx="5757466" cy="3236994"/>
+          </a:xfrm>
+          <a:prstGeom prst="rect">
+            <a:avLst/>
+          </a:prstGeom>
+          <a:noFill/>
+          <a:ln w="9525">
+            <a:noFill/>
+            <a:miter lim="800000"/>
+            <a:headEnd/>
+            <a:tailEnd/>
+          </a:ln>
+          <a:effectLst/>
+        </p:spPr>
+      </p:pic>
+    </p:spTree>
+  </p:cSld>
+  <p:clrMapOvr>
+    <a:masterClrMapping/>
+  </p:clrMapOvr>
+</p:sld>
+</file>
+
+<file path=ppt/slides/slide13.xml><?xml version="1.0" encoding="utf-8"?>
+<p:sld xmlns:a="http://schemas.openxmlformats.org/drawingml/2006/main" xmlns:r="http://schemas.openxmlformats.org/officeDocument/2006/relationships" xmlns:p="http://schemas.openxmlformats.org/presentationml/2006/main">
+  <p:cSld>
+    <p:spTree>
+      <p:nvGrpSpPr>
+        <p:cNvPr id="1" name=""/>
+        <p:cNvGrpSpPr/>
+        <p:nvPr/>
+      </p:nvGrpSpPr>
+      <p:grpSpPr>
+        <a:xfrm>
+          <a:off x="0" y="0"/>
+          <a:ext cx="0" cy="0"/>
+          <a:chOff x="0" y="0"/>
+          <a:chExt cx="0" cy="0"/>
+        </a:xfrm>
+      </p:grpSpPr>
+      <p:sp>
+        <p:nvSpPr>
+          <p:cNvPr id="2" name="Title 1"/>
+          <p:cNvSpPr>
+            <a:spLocks noGrp="1"/>
+          </p:cNvSpPr>
+          <p:nvPr>
+            <p:ph type="title"/>
+          </p:nvPr>
+        </p:nvSpPr>
+        <p:spPr/>
+        <p:txBody>
+          <a:bodyPr/>
+          <a:lstStyle/>
+          <a:p>
+            <a:pPr algn="ctr"/>
+            <a:r>
+              <a:rPr lang="en-US" dirty="0" smtClean="0"/>
+              <a:t>Transactions</a:t>
+            </a:r>
+            <a:endParaRPr lang="en-US" dirty="0"/>
+          </a:p>
+        </p:txBody>
+      </p:sp>
+      <p:sp>
+        <p:nvSpPr>
+          <p:cNvPr id="3" name="Text Placeholder 2"/>
+          <p:cNvSpPr>
+            <a:spLocks noGrp="1"/>
+          </p:cNvSpPr>
+          <p:nvPr>
+            <p:ph type="body" idx="1"/>
+          </p:nvPr>
+        </p:nvSpPr>
+        <p:spPr/>
+        <p:txBody>
+          <a:bodyPr/>
+          <a:lstStyle/>
+          <a:p>
+            <a:endParaRPr lang="en-US" dirty="0"/>
+          </a:p>
+        </p:txBody>
+      </p:sp>
+      <p:pic>
+        <p:nvPicPr>
+          <p:cNvPr id="6146" name="Picture 2"/>
+          <p:cNvPicPr>
+            <a:picLocks noChangeAspect="1" noChangeArrowheads="1"/>
+          </p:cNvPicPr>
+          <p:nvPr/>
+        </p:nvPicPr>
+        <p:blipFill>
+          <a:blip r:embed="rId2"/>
+          <a:srcRect/>
+          <a:stretch>
+            <a:fillRect/>
+          </a:stretch>
+        </p:blipFill>
+        <p:spPr bwMode="auto">
+          <a:xfrm>
+            <a:off x="1828800" y="1200150"/>
+            <a:ext cx="5794028" cy="3257550"/>
+          </a:xfrm>
+          <a:prstGeom prst="rect">
+            <a:avLst/>
+          </a:prstGeom>
+          <a:noFill/>
+          <a:ln w="9525">
+            <a:noFill/>
+            <a:miter lim="800000"/>
+            <a:headEnd/>
+            <a:tailEnd/>
+          </a:ln>
+          <a:effectLst/>
+        </p:spPr>
+      </p:pic>
+    </p:spTree>
+  </p:cSld>
+  <p:clrMapOvr>
+    <a:masterClrMapping/>
+  </p:clrMapOvr>
+</p:sld>
+</file>
+
+<file path=ppt/slides/slide2.xml><?xml version="1.0" encoding="utf-8"?>
+<p:sld xmlns:a="http://schemas.openxmlformats.org/drawingml/2006/main" xmlns:r="http://schemas.openxmlformats.org/officeDocument/2006/relationships" xmlns:p="http://schemas.openxmlformats.org/presentationml/2006/main">
+  <p:cSld>
+    <p:spTree>
+      <p:nvGrpSpPr>
+        <p:cNvPr id="1" name="Shape 61"/>
         <p:cNvGrpSpPr/>
         <p:nvPr/>
       </p:nvGrpSpPr>
@@ -4877,7 +5564,9 @@
       <p:sp>
         <p:nvSpPr>
           <p:cNvPr id="62" name="Shape 62"/>
-          <p:cNvSpPr txBox="1"/>
+          <p:cNvSpPr txBox="1">
+            <a:spLocks noGrp="1"/>
+          </p:cNvSpPr>
           <p:nvPr>
             <p:ph type="title"/>
           </p:nvPr>
@@ -4892,7 +5581,7 @@
           </a:prstGeom>
         </p:spPr>
         <p:txBody>
-          <a:bodyPr anchorCtr="0" anchor="t" bIns="91425" lIns="91425" rIns="91425" tIns="91425">
+          <a:bodyPr lIns="91425" tIns="91425" rIns="91425" bIns="91425" anchor="t" anchorCtr="0">
             <a:noAutofit/>
           </a:bodyPr>
           <a:lstStyle/>
@@ -4913,9 +5602,11 @@
       <p:sp>
         <p:nvSpPr>
           <p:cNvPr id="63" name="Shape 63"/>
-          <p:cNvSpPr txBox="1"/>
+          <p:cNvSpPr txBox="1">
+            <a:spLocks noGrp="1"/>
+          </p:cNvSpPr>
           <p:nvPr>
-            <p:ph idx="1" type="body"/>
+            <p:ph type="body" idx="1"/>
           </p:nvPr>
         </p:nvSpPr>
         <p:spPr>
@@ -4928,12 +5619,12 @@
           </a:prstGeom>
         </p:spPr>
         <p:txBody>
-          <a:bodyPr anchorCtr="0" anchor="t" bIns="91425" lIns="91425" rIns="91425" tIns="91425">
+          <a:bodyPr lIns="91425" tIns="91425" rIns="91425" bIns="91425" anchor="t" anchorCtr="0">
             <a:noAutofit/>
           </a:bodyPr>
           <a:lstStyle/>
           <a:p>
-            <a:pPr indent="-228600" lvl="0" marL="457200" rtl="0">
+            <a:pPr marL="457200" lvl="0" indent="-228600" rtl="0">
               <a:spcBef>
                 <a:spcPts val="0"/>
               </a:spcBef>
@@ -4945,7 +5636,7 @@
             </a:r>
           </a:p>
           <a:p>
-            <a:pPr indent="-228600" lvl="0" marL="457200" rtl="0">
+            <a:pPr marL="457200" lvl="0" indent="-228600" rtl="0">
               <a:spcBef>
                 <a:spcPts val="0"/>
               </a:spcBef>
@@ -4956,7 +5647,7 @@
             </a:r>
           </a:p>
           <a:p>
-            <a:pPr indent="-228600" lvl="0" marL="457200" rtl="0">
+            <a:pPr marL="457200" lvl="0" indent="-228600" rtl="0">
               <a:spcBef>
                 <a:spcPts val="0"/>
               </a:spcBef>
@@ -4967,7 +5658,7 @@
             </a:r>
           </a:p>
           <a:p>
-            <a:pPr indent="-228600" lvl="0" marL="457200" rtl="0">
+            <a:pPr marL="457200" lvl="0" indent="-228600" rtl="0">
               <a:spcBef>
                 <a:spcPts val="0"/>
               </a:spcBef>
@@ -4978,7 +5669,7 @@
             </a:r>
           </a:p>
           <a:p>
-            <a:pPr indent="-228600" lvl="0" marL="457200" rtl="0">
+            <a:pPr marL="457200" lvl="0" indent="-228600" rtl="0">
               <a:spcBef>
                 <a:spcPts val="0"/>
               </a:spcBef>
@@ -4989,7 +5680,7 @@
             </a:r>
           </a:p>
           <a:p>
-            <a:pPr indent="-228600" lvl="0" marL="457200" rtl="0">
+            <a:pPr marL="457200" lvl="0" indent="-228600" rtl="0">
               <a:spcBef>
                 <a:spcPts val="0"/>
               </a:spcBef>
@@ -5006,9 +5697,6 @@
               </a:spcBef>
               <a:buNone/>
             </a:pPr>
-            <a:r>
-              <a:t/>
-            </a:r>
             <a:endParaRPr/>
           </a:p>
         </p:txBody>
@@ -5022,11 +5710,11 @@
 </file>
 
 <file path=ppt/slides/slide3.xml><?xml version="1.0" encoding="utf-8"?>
-<p:sld xmlns:a="http://schemas.openxmlformats.org/drawingml/2006/main" xmlns:r="http://schemas.openxmlformats.org/officeDocument/2006/relationships" xmlns:mc="http://schemas.openxmlformats.org/markup-compatibility/2006" xmlns:mv="urn:schemas-microsoft-com:mac:vml" xmlns:p="http://schemas.openxmlformats.org/presentationml/2006/main" xmlns:c="http://schemas.openxmlformats.org/drawingml/2006/chart" xmlns:dgm="http://schemas.openxmlformats.org/drawingml/2006/diagram" xmlns:o="urn:schemas-microsoft-com:office:office" xmlns:v="urn:schemas-microsoft-com:vml" xmlns:pvml="urn:schemas-microsoft-com:office:powerpoint" xmlns:com="http://schemas.openxmlformats.org/drawingml/2006/compatibility" xmlns:p14="http://schemas.microsoft.com/office/powerpoint/2010/main" xmlns:p15="http://schemas.microsoft.com/office/powerpoint/2012/main">
+<p:sld xmlns:a="http://schemas.openxmlformats.org/drawingml/2006/main" xmlns:r="http://schemas.openxmlformats.org/officeDocument/2006/relationships" xmlns:p="http://schemas.openxmlformats.org/presentationml/2006/main">
   <p:cSld>
     <p:spTree>
       <p:nvGrpSpPr>
-        <p:cNvPr id="67" name="Shape 67"/>
+        <p:cNvPr id="1" name="Shape 67"/>
         <p:cNvGrpSpPr/>
         <p:nvPr/>
       </p:nvGrpSpPr>
@@ -5041,9 +5729,11 @@
       <p:sp>
         <p:nvSpPr>
           <p:cNvPr id="68" name="Shape 68"/>
-          <p:cNvSpPr txBox="1"/>
+          <p:cNvSpPr txBox="1">
+            <a:spLocks noGrp="1"/>
+          </p:cNvSpPr>
           <p:nvPr>
-            <p:ph idx="1" type="body"/>
+            <p:ph type="body" idx="1"/>
           </p:nvPr>
         </p:nvSpPr>
         <p:spPr>
@@ -5056,7 +5746,7 @@
           </a:prstGeom>
         </p:spPr>
         <p:txBody>
-          <a:bodyPr anchorCtr="0" anchor="t" bIns="91425" lIns="91425" rIns="91425" tIns="91425">
+          <a:bodyPr lIns="91425" tIns="91425" rIns="91425" bIns="91425" anchor="t" anchorCtr="0">
             <a:noAutofit/>
           </a:bodyPr>
           <a:lstStyle/>
@@ -5067,9 +5757,6 @@
               </a:spcBef>
               <a:buNone/>
             </a:pPr>
-            <a:r>
-              <a:t/>
-            </a:r>
             <a:endParaRPr/>
           </a:p>
           <a:p>
@@ -5085,7 +5772,7 @@
             </a:r>
           </a:p>
           <a:p>
-            <a:pPr indent="-228600" lvl="0" marL="457200" rtl="0" algn="just">
+            <a:pPr marL="457200" lvl="0" indent="-228600" algn="just" rtl="0">
               <a:spcBef>
                 <a:spcPts val="0"/>
               </a:spcBef>
@@ -5096,7 +5783,7 @@
             </a:r>
           </a:p>
           <a:p>
-            <a:pPr indent="-228600" lvl="0" marL="457200" rtl="0" algn="just">
+            <a:pPr marL="457200" lvl="0" indent="-228600" algn="just" rtl="0">
               <a:spcBef>
                 <a:spcPts val="0"/>
               </a:spcBef>
@@ -5107,7 +5794,7 @@
             </a:r>
           </a:p>
           <a:p>
-            <a:pPr indent="-228600" lvl="0" marL="457200" rtl="0" algn="just">
+            <a:pPr marL="457200" lvl="0" indent="-228600" algn="just" rtl="0">
               <a:spcBef>
                 <a:spcPts val="0"/>
               </a:spcBef>
@@ -5118,7 +5805,7 @@
             </a:r>
           </a:p>
           <a:p>
-            <a:pPr indent="-228600" lvl="0" marL="457200" rtl="0" algn="just">
+            <a:pPr marL="457200" lvl="0" indent="-228600" algn="just" rtl="0">
               <a:spcBef>
                 <a:spcPts val="0"/>
               </a:spcBef>
@@ -5129,7 +5816,7 @@
             </a:r>
           </a:p>
           <a:p>
-            <a:pPr lvl="0" rtl="0" algn="just">
+            <a:pPr lvl="0" algn="just" rtl="0">
               <a:spcBef>
                 <a:spcPts val="0"/>
               </a:spcBef>
@@ -5141,7 +5828,7 @@
             </a:r>
           </a:p>
           <a:p>
-            <a:pPr lvl="0" rtl="0" algn="just">
+            <a:pPr lvl="0" algn="just" rtl="0">
               <a:spcBef>
                 <a:spcPts val="0"/>
               </a:spcBef>
@@ -5203,11 +5890,11 @@
 </file>
 
 <file path=ppt/slides/slide4.xml><?xml version="1.0" encoding="utf-8"?>
-<p:sld xmlns:a="http://schemas.openxmlformats.org/drawingml/2006/main" xmlns:r="http://schemas.openxmlformats.org/officeDocument/2006/relationships" xmlns:mc="http://schemas.openxmlformats.org/markup-compatibility/2006" xmlns:mv="urn:schemas-microsoft-com:mac:vml" xmlns:p="http://schemas.openxmlformats.org/presentationml/2006/main" xmlns:c="http://schemas.openxmlformats.org/drawingml/2006/chart" xmlns:dgm="http://schemas.openxmlformats.org/drawingml/2006/diagram" xmlns:o="urn:schemas-microsoft-com:office:office" xmlns:v="urn:schemas-microsoft-com:vml" xmlns:pvml="urn:schemas-microsoft-com:office:powerpoint" xmlns:com="http://schemas.openxmlformats.org/drawingml/2006/compatibility" xmlns:p14="http://schemas.microsoft.com/office/powerpoint/2010/main" xmlns:p15="http://schemas.microsoft.com/office/powerpoint/2012/main">
+<p:sld xmlns:a="http://schemas.openxmlformats.org/drawingml/2006/main" xmlns:r="http://schemas.openxmlformats.org/officeDocument/2006/relationships" xmlns:p="http://schemas.openxmlformats.org/presentationml/2006/main">
   <p:cSld>
     <p:spTree>
       <p:nvGrpSpPr>
-        <p:cNvPr id="73" name="Shape 73"/>
+        <p:cNvPr id="1" name="Shape 73"/>
         <p:cNvGrpSpPr/>
         <p:nvPr/>
       </p:nvGrpSpPr>
@@ -5222,7 +5909,9 @@
       <p:sp>
         <p:nvSpPr>
           <p:cNvPr id="74" name="Shape 74"/>
-          <p:cNvSpPr txBox="1"/>
+          <p:cNvSpPr txBox="1">
+            <a:spLocks noGrp="1"/>
+          </p:cNvSpPr>
           <p:nvPr>
             <p:ph type="title"/>
           </p:nvPr>
@@ -5237,7 +5926,7 @@
           </a:prstGeom>
         </p:spPr>
         <p:txBody>
-          <a:bodyPr anchorCtr="0" anchor="t" bIns="91425" lIns="91425" rIns="91425" tIns="91425">
+          <a:bodyPr lIns="91425" tIns="91425" rIns="91425" bIns="91425" anchor="t" anchorCtr="0">
             <a:noAutofit/>
           </a:bodyPr>
           <a:lstStyle/>
@@ -5258,9 +5947,11 @@
       <p:sp>
         <p:nvSpPr>
           <p:cNvPr id="75" name="Shape 75"/>
-          <p:cNvSpPr txBox="1"/>
+          <p:cNvSpPr txBox="1">
+            <a:spLocks noGrp="1"/>
+          </p:cNvSpPr>
           <p:nvPr>
-            <p:ph idx="1" type="body"/>
+            <p:ph type="body" idx="1"/>
           </p:nvPr>
         </p:nvSpPr>
         <p:spPr>
@@ -5273,7 +5964,7 @@
           </a:prstGeom>
         </p:spPr>
         <p:txBody>
-          <a:bodyPr anchorCtr="0" anchor="t" bIns="91425" lIns="91425" rIns="91425" tIns="91425">
+          <a:bodyPr lIns="91425" tIns="91425" rIns="91425" bIns="91425" anchor="t" anchorCtr="0">
             <a:noAutofit/>
           </a:bodyPr>
           <a:lstStyle/>
@@ -5328,11 +6019,11 @@
 </file>
 
 <file path=ppt/slides/slide5.xml><?xml version="1.0" encoding="utf-8"?>
-<p:sld xmlns:a="http://schemas.openxmlformats.org/drawingml/2006/main" xmlns:r="http://schemas.openxmlformats.org/officeDocument/2006/relationships" xmlns:mc="http://schemas.openxmlformats.org/markup-compatibility/2006" xmlns:mv="urn:schemas-microsoft-com:mac:vml" xmlns:p="http://schemas.openxmlformats.org/presentationml/2006/main" xmlns:c="http://schemas.openxmlformats.org/drawingml/2006/chart" xmlns:dgm="http://schemas.openxmlformats.org/drawingml/2006/diagram" xmlns:o="urn:schemas-microsoft-com:office:office" xmlns:v="urn:schemas-microsoft-com:vml" xmlns:pvml="urn:schemas-microsoft-com:office:powerpoint" xmlns:com="http://schemas.openxmlformats.org/drawingml/2006/compatibility" xmlns:p14="http://schemas.microsoft.com/office/powerpoint/2010/main" xmlns:p15="http://schemas.microsoft.com/office/powerpoint/2012/main">
+<p:sld xmlns:a="http://schemas.openxmlformats.org/drawingml/2006/main" xmlns:r="http://schemas.openxmlformats.org/officeDocument/2006/relationships" xmlns:p="http://schemas.openxmlformats.org/presentationml/2006/main">
   <p:cSld>
     <p:spTree>
       <p:nvGrpSpPr>
-        <p:cNvPr id="80" name="Shape 80"/>
+        <p:cNvPr id="1" name="Shape 80"/>
         <p:cNvGrpSpPr/>
         <p:nvPr/>
       </p:nvGrpSpPr>
@@ -5347,7 +6038,9 @@
       <p:sp>
         <p:nvSpPr>
           <p:cNvPr id="81" name="Shape 81"/>
-          <p:cNvSpPr txBox="1"/>
+          <p:cNvSpPr txBox="1">
+            <a:spLocks noGrp="1"/>
+          </p:cNvSpPr>
           <p:nvPr>
             <p:ph type="title"/>
           </p:nvPr>
@@ -5362,7 +6055,7 @@
           </a:prstGeom>
         </p:spPr>
         <p:txBody>
-          <a:bodyPr anchorCtr="0" anchor="t" bIns="91425" lIns="91425" rIns="91425" tIns="91425">
+          <a:bodyPr lIns="91425" tIns="91425" rIns="91425" bIns="91425" anchor="t" anchorCtr="0">
             <a:noAutofit/>
           </a:bodyPr>
           <a:lstStyle/>
@@ -5383,9 +6076,11 @@
       <p:sp>
         <p:nvSpPr>
           <p:cNvPr id="82" name="Shape 82"/>
-          <p:cNvSpPr txBox="1"/>
+          <p:cNvSpPr txBox="1">
+            <a:spLocks noGrp="1"/>
+          </p:cNvSpPr>
           <p:nvPr>
-            <p:ph idx="1" type="body"/>
+            <p:ph type="body" idx="1"/>
           </p:nvPr>
         </p:nvSpPr>
         <p:spPr>
@@ -5398,7 +6093,7 @@
           </a:prstGeom>
         </p:spPr>
         <p:txBody>
-          <a:bodyPr anchorCtr="0" anchor="t" bIns="91425" lIns="91425" rIns="91425" tIns="91425">
+          <a:bodyPr lIns="91425" tIns="91425" rIns="91425" bIns="91425" anchor="t" anchorCtr="0">
             <a:noAutofit/>
           </a:bodyPr>
           <a:lstStyle/>
@@ -5453,11 +6148,11 @@
 </file>
 
 <file path=ppt/slides/slide6.xml><?xml version="1.0" encoding="utf-8"?>
-<p:sld xmlns:a="http://schemas.openxmlformats.org/drawingml/2006/main" xmlns:r="http://schemas.openxmlformats.org/officeDocument/2006/relationships" xmlns:mc="http://schemas.openxmlformats.org/markup-compatibility/2006" xmlns:mv="urn:schemas-microsoft-com:mac:vml" xmlns:p="http://schemas.openxmlformats.org/presentationml/2006/main" xmlns:c="http://schemas.openxmlformats.org/drawingml/2006/chart" xmlns:dgm="http://schemas.openxmlformats.org/drawingml/2006/diagram" xmlns:o="urn:schemas-microsoft-com:office:office" xmlns:v="urn:schemas-microsoft-com:vml" xmlns:pvml="urn:schemas-microsoft-com:office:powerpoint" xmlns:com="http://schemas.openxmlformats.org/drawingml/2006/compatibility" xmlns:p14="http://schemas.microsoft.com/office/powerpoint/2010/main" xmlns:p15="http://schemas.microsoft.com/office/powerpoint/2012/main">
+<p:sld xmlns:a="http://schemas.openxmlformats.org/drawingml/2006/main" xmlns:r="http://schemas.openxmlformats.org/officeDocument/2006/relationships" xmlns:p="http://schemas.openxmlformats.org/presentationml/2006/main">
   <p:cSld>
     <p:spTree>
       <p:nvGrpSpPr>
-        <p:cNvPr id="87" name="Shape 87"/>
+        <p:cNvPr id="1" name="Shape 87"/>
         <p:cNvGrpSpPr/>
         <p:nvPr/>
       </p:nvGrpSpPr>
@@ -5472,7 +6167,9 @@
       <p:sp>
         <p:nvSpPr>
           <p:cNvPr id="88" name="Shape 88"/>
-          <p:cNvSpPr txBox="1"/>
+          <p:cNvSpPr txBox="1">
+            <a:spLocks noGrp="1"/>
+          </p:cNvSpPr>
           <p:nvPr>
             <p:ph type="title"/>
           </p:nvPr>
@@ -5487,7 +6184,7 @@
           </a:prstGeom>
         </p:spPr>
         <p:txBody>
-          <a:bodyPr anchorCtr="0" anchor="t" bIns="91425" lIns="91425" rIns="91425" tIns="91425">
+          <a:bodyPr lIns="91425" tIns="91425" rIns="91425" bIns="91425" anchor="t" anchorCtr="0">
             <a:noAutofit/>
           </a:bodyPr>
           <a:lstStyle/>
@@ -5508,9 +6205,11 @@
       <p:sp>
         <p:nvSpPr>
           <p:cNvPr id="89" name="Shape 89"/>
-          <p:cNvSpPr txBox="1"/>
+          <p:cNvSpPr txBox="1">
+            <a:spLocks noGrp="1"/>
+          </p:cNvSpPr>
           <p:nvPr>
-            <p:ph idx="1" type="body"/>
+            <p:ph type="body" idx="1"/>
           </p:nvPr>
         </p:nvSpPr>
         <p:spPr>
@@ -5523,7 +6222,7 @@
           </a:prstGeom>
         </p:spPr>
         <p:txBody>
-          <a:bodyPr anchorCtr="0" anchor="t" bIns="91425" lIns="91425" rIns="91425" tIns="91425">
+          <a:bodyPr lIns="91425" tIns="91425" rIns="91425" bIns="91425" anchor="t" anchorCtr="0">
             <a:noAutofit/>
           </a:bodyPr>
           <a:lstStyle/>
@@ -5549,8 +6248,605 @@
 </p:sld>
 </file>
 
+<file path=ppt/slides/slide7.xml><?xml version="1.0" encoding="utf-8"?>
+<p:sld xmlns:a="http://schemas.openxmlformats.org/drawingml/2006/main" xmlns:r="http://schemas.openxmlformats.org/officeDocument/2006/relationships" xmlns:p="http://schemas.openxmlformats.org/presentationml/2006/main">
+  <p:cSld>
+    <p:spTree>
+      <p:nvGrpSpPr>
+        <p:cNvPr id="1" name=""/>
+        <p:cNvGrpSpPr/>
+        <p:nvPr/>
+      </p:nvGrpSpPr>
+      <p:grpSpPr>
+        <a:xfrm>
+          <a:off x="0" y="0"/>
+          <a:ext cx="0" cy="0"/>
+          <a:chOff x="0" y="0"/>
+          <a:chExt cx="0" cy="0"/>
+        </a:xfrm>
+      </p:grpSpPr>
+      <p:sp>
+        <p:nvSpPr>
+          <p:cNvPr id="2" name="Title 1"/>
+          <p:cNvSpPr>
+            <a:spLocks noGrp="1"/>
+          </p:cNvSpPr>
+          <p:nvPr>
+            <p:ph type="title"/>
+          </p:nvPr>
+        </p:nvSpPr>
+        <p:spPr/>
+        <p:txBody>
+          <a:bodyPr/>
+          <a:lstStyle/>
+          <a:p>
+            <a:pPr algn="ctr"/>
+            <a:r>
+              <a:rPr lang="en-US" dirty="0" smtClean="0"/>
+              <a:t>Implementation</a:t>
+            </a:r>
+            <a:endParaRPr lang="en-US" dirty="0"/>
+          </a:p>
+        </p:txBody>
+      </p:sp>
+      <p:sp>
+        <p:nvSpPr>
+          <p:cNvPr id="3" name="Text Placeholder 2"/>
+          <p:cNvSpPr>
+            <a:spLocks noGrp="1"/>
+          </p:cNvSpPr>
+          <p:nvPr>
+            <p:ph type="body" idx="1"/>
+          </p:nvPr>
+        </p:nvSpPr>
+        <p:spPr/>
+        <p:txBody>
+          <a:bodyPr/>
+          <a:lstStyle/>
+          <a:p>
+            <a:r>
+              <a:rPr lang="en-US" dirty="0" smtClean="0"/>
+              <a:t>Login/</a:t>
+            </a:r>
+            <a:r>
+              <a:rPr lang="en-US" dirty="0" err="1" smtClean="0"/>
+              <a:t>SignUp</a:t>
+            </a:r>
+            <a:r>
+              <a:rPr lang="en-US" dirty="0" smtClean="0"/>
+              <a:t> Page</a:t>
+            </a:r>
+          </a:p>
+          <a:p>
+            <a:pPr>
+              <a:buNone/>
+            </a:pPr>
+            <a:r>
+              <a:rPr lang="en-US" dirty="0" smtClean="0"/>
+              <a:t>  We have first implemented the login/ signup page to keep track of the users which are using our web-app.</a:t>
+            </a:r>
+          </a:p>
+          <a:p>
+            <a:pPr>
+              <a:buNone/>
+            </a:pPr>
+            <a:r>
+              <a:rPr lang="en-US" dirty="0" smtClean="0"/>
+              <a:t>We have used different modules like login and register to implement the same. </a:t>
+            </a:r>
+          </a:p>
+          <a:p>
+            <a:pPr>
+              <a:buNone/>
+            </a:pPr>
+            <a:r>
+              <a:rPr lang="en-US" dirty="0" smtClean="0"/>
+              <a:t>We have defined authenticate service to authenticate the user at the time of login and if any wrong info is provided than appropriate flash messages are generated.</a:t>
+            </a:r>
+            <a:endParaRPr lang="en-US" dirty="0"/>
+          </a:p>
+        </p:txBody>
+      </p:sp>
+    </p:spTree>
+  </p:cSld>
+  <p:clrMapOvr>
+    <a:masterClrMapping/>
+  </p:clrMapOvr>
+</p:sld>
+</file>
+
+<file path=ppt/slides/slide8.xml><?xml version="1.0" encoding="utf-8"?>
+<p:sld xmlns:a="http://schemas.openxmlformats.org/drawingml/2006/main" xmlns:r="http://schemas.openxmlformats.org/officeDocument/2006/relationships" xmlns:p="http://schemas.openxmlformats.org/presentationml/2006/main">
+  <p:cSld>
+    <p:spTree>
+      <p:nvGrpSpPr>
+        <p:cNvPr id="1" name=""/>
+        <p:cNvGrpSpPr/>
+        <p:nvPr/>
+      </p:nvGrpSpPr>
+      <p:grpSpPr>
+        <a:xfrm>
+          <a:off x="0" y="0"/>
+          <a:ext cx="0" cy="0"/>
+          <a:chOff x="0" y="0"/>
+          <a:chExt cx="0" cy="0"/>
+        </a:xfrm>
+      </p:grpSpPr>
+      <p:sp>
+        <p:nvSpPr>
+          <p:cNvPr id="2" name="Title 1"/>
+          <p:cNvSpPr>
+            <a:spLocks noGrp="1"/>
+          </p:cNvSpPr>
+          <p:nvPr>
+            <p:ph type="title"/>
+          </p:nvPr>
+        </p:nvSpPr>
+        <p:spPr/>
+        <p:txBody>
+          <a:bodyPr/>
+          <a:lstStyle/>
+          <a:p>
+            <a:pPr algn="ctr"/>
+            <a:r>
+              <a:rPr lang="en-US" dirty="0" err="1" smtClean="0"/>
+              <a:t>HomePage</a:t>
+            </a:r>
+            <a:endParaRPr lang="en-US" dirty="0"/>
+          </a:p>
+        </p:txBody>
+      </p:sp>
+      <p:sp>
+        <p:nvSpPr>
+          <p:cNvPr id="3" name="Text Placeholder 2"/>
+          <p:cNvSpPr>
+            <a:spLocks noGrp="1"/>
+          </p:cNvSpPr>
+          <p:nvPr>
+            <p:ph type="body" idx="1"/>
+          </p:nvPr>
+        </p:nvSpPr>
+        <p:spPr/>
+        <p:txBody>
+          <a:bodyPr/>
+          <a:lstStyle/>
+          <a:p>
+            <a:endParaRPr lang="en-US" dirty="0"/>
+          </a:p>
+        </p:txBody>
+      </p:sp>
+      <p:pic>
+        <p:nvPicPr>
+          <p:cNvPr id="2050" name="Picture 2"/>
+          <p:cNvPicPr>
+            <a:picLocks noChangeAspect="1" noChangeArrowheads="1"/>
+          </p:cNvPicPr>
+          <p:nvPr/>
+        </p:nvPicPr>
+        <p:blipFill>
+          <a:blip r:embed="rId2"/>
+          <a:srcRect/>
+          <a:stretch>
+            <a:fillRect/>
+          </a:stretch>
+        </p:blipFill>
+        <p:spPr bwMode="auto">
+          <a:xfrm>
+            <a:off x="1524000" y="1109893"/>
+            <a:ext cx="5924550" cy="3330933"/>
+          </a:xfrm>
+          <a:prstGeom prst="rect">
+            <a:avLst/>
+          </a:prstGeom>
+          <a:noFill/>
+          <a:ln w="9525">
+            <a:noFill/>
+            <a:miter lim="800000"/>
+            <a:headEnd/>
+            <a:tailEnd/>
+          </a:ln>
+          <a:effectLst/>
+        </p:spPr>
+      </p:pic>
+    </p:spTree>
+  </p:cSld>
+  <p:clrMapOvr>
+    <a:masterClrMapping/>
+  </p:clrMapOvr>
+  <p:timing>
+    <p:tnLst>
+      <p:par>
+        <p:cTn id="1" dur="indefinite" restart="never" nodeType="tmRoot"/>
+      </p:par>
+    </p:tnLst>
+  </p:timing>
+</p:sld>
+</file>
+
+<file path=ppt/slides/slide9.xml><?xml version="1.0" encoding="utf-8"?>
+<p:sld xmlns:a="http://schemas.openxmlformats.org/drawingml/2006/main" xmlns:r="http://schemas.openxmlformats.org/officeDocument/2006/relationships" xmlns:p="http://schemas.openxmlformats.org/presentationml/2006/main">
+  <p:cSld>
+    <p:spTree>
+      <p:nvGrpSpPr>
+        <p:cNvPr id="1" name=""/>
+        <p:cNvGrpSpPr/>
+        <p:nvPr/>
+      </p:nvGrpSpPr>
+      <p:grpSpPr>
+        <a:xfrm>
+          <a:off x="0" y="0"/>
+          <a:ext cx="0" cy="0"/>
+          <a:chOff x="0" y="0"/>
+          <a:chExt cx="0" cy="0"/>
+        </a:xfrm>
+      </p:grpSpPr>
+      <p:sp>
+        <p:nvSpPr>
+          <p:cNvPr id="2" name="Title 1"/>
+          <p:cNvSpPr>
+            <a:spLocks noGrp="1"/>
+          </p:cNvSpPr>
+          <p:nvPr>
+            <p:ph type="title"/>
+          </p:nvPr>
+        </p:nvSpPr>
+        <p:spPr/>
+        <p:txBody>
+          <a:bodyPr/>
+          <a:lstStyle/>
+          <a:p>
+            <a:pPr algn="ctr"/>
+            <a:r>
+              <a:rPr lang="en-US" dirty="0" smtClean="0"/>
+              <a:t>Login Page</a:t>
+            </a:r>
+            <a:endParaRPr lang="en-US" dirty="0"/>
+          </a:p>
+        </p:txBody>
+      </p:sp>
+      <p:sp>
+        <p:nvSpPr>
+          <p:cNvPr id="3" name="Text Placeholder 2"/>
+          <p:cNvSpPr>
+            <a:spLocks noGrp="1"/>
+          </p:cNvSpPr>
+          <p:nvPr>
+            <p:ph type="body" idx="1"/>
+          </p:nvPr>
+        </p:nvSpPr>
+        <p:spPr/>
+        <p:txBody>
+          <a:bodyPr/>
+          <a:lstStyle/>
+          <a:p>
+            <a:endParaRPr lang="en-US"/>
+          </a:p>
+        </p:txBody>
+      </p:sp>
+      <p:pic>
+        <p:nvPicPr>
+          <p:cNvPr id="3074" name="Picture 2"/>
+          <p:cNvPicPr>
+            <a:picLocks noChangeAspect="1" noChangeArrowheads="1"/>
+          </p:cNvPicPr>
+          <p:nvPr/>
+        </p:nvPicPr>
+        <p:blipFill>
+          <a:blip r:embed="rId2"/>
+          <a:srcRect/>
+          <a:stretch>
+            <a:fillRect/>
+          </a:stretch>
+        </p:blipFill>
+        <p:spPr bwMode="auto">
+          <a:xfrm>
+            <a:off x="1235472" y="1200150"/>
+            <a:ext cx="6155928" cy="3461020"/>
+          </a:xfrm>
+          <a:prstGeom prst="rect">
+            <a:avLst/>
+          </a:prstGeom>
+          <a:noFill/>
+          <a:ln w="9525">
+            <a:noFill/>
+            <a:miter lim="800000"/>
+            <a:headEnd/>
+            <a:tailEnd/>
+          </a:ln>
+          <a:effectLst/>
+        </p:spPr>
+      </p:pic>
+    </p:spTree>
+  </p:cSld>
+  <p:clrMapOvr>
+    <a:masterClrMapping/>
+  </p:clrMapOvr>
+</p:sld>
+</file>
+
 <file path=ppt/theme/theme1.xml><?xml version="1.0" encoding="utf-8"?>
-<a:theme xmlns:a="http://schemas.openxmlformats.org/drawingml/2006/main" xmlns:r="http://schemas.openxmlformats.org/officeDocument/2006/relationships" name="Custom Theme">
+<a:theme xmlns:a="http://schemas.openxmlformats.org/drawingml/2006/main" name="beach-day">
+  <a:themeElements>
+    <a:clrScheme name="Beach Day">
+      <a:dk1>
+        <a:srgbClr val="00FDC8"/>
+      </a:dk1>
+      <a:lt1>
+        <a:srgbClr val="FFFFFF"/>
+      </a:lt1>
+      <a:dk2>
+        <a:srgbClr val="666666"/>
+      </a:dk2>
+      <a:lt2>
+        <a:srgbClr val="EEEEEE"/>
+      </a:lt2>
+      <a:accent1>
+        <a:srgbClr val="212121"/>
+      </a:accent1>
+      <a:accent2>
+        <a:srgbClr val="455A64"/>
+      </a:accent2>
+      <a:accent3>
+        <a:srgbClr val="78909C"/>
+      </a:accent3>
+      <a:accent4>
+        <a:srgbClr val="7C7CE0"/>
+      </a:accent4>
+      <a:accent5>
+        <a:srgbClr val="DB4437"/>
+      </a:accent5>
+      <a:accent6>
+        <a:srgbClr val="F6CD4C"/>
+      </a:accent6>
+      <a:hlink>
+        <a:srgbClr val="DB4437"/>
+      </a:hlink>
+      <a:folHlink>
+        <a:srgbClr val="DB4437"/>
+      </a:folHlink>
+    </a:clrScheme>
+    <a:fontScheme name="Office">
+      <a:majorFont>
+        <a:latin typeface="Arial"/>
+        <a:ea typeface=""/>
+        <a:cs typeface=""/>
+        <a:font script="Jpan" typeface="ＭＳ Ｐゴシック"/>
+        <a:font script="Hang" typeface="맑은 고딕"/>
+        <a:font script="Hans" typeface="宋体"/>
+        <a:font script="Hant" typeface="新細明體"/>
+        <a:font script="Arab" typeface="Times New Roman"/>
+        <a:font script="Hebr" typeface="Times New Roman"/>
+        <a:font script="Thai" typeface="Angsana New"/>
+        <a:font script="Ethi" typeface="Nyala"/>
+        <a:font script="Beng" typeface="Vrinda"/>
+        <a:font script="Gujr" typeface="Shruti"/>
+        <a:font script="Khmr" typeface="MoolBoran"/>
+        <a:font script="Knda" typeface="Tunga"/>
+        <a:font script="Guru" typeface="Raavi"/>
+        <a:font script="Cans" typeface="Euphemia"/>
+        <a:font script="Cher" typeface="Plantagenet Cherokee"/>
+        <a:font script="Yiii" typeface="Microsoft Yi Baiti"/>
+        <a:font script="Tibt" typeface="Microsoft Himalaya"/>
+        <a:font script="Thaa" typeface="MV Boli"/>
+        <a:font script="Deva" typeface="Mangal"/>
+        <a:font script="Telu" typeface="Gautami"/>
+        <a:font script="Taml" typeface="Latha"/>
+        <a:font script="Syrc" typeface="Estrangelo Edessa"/>
+        <a:font script="Orya" typeface="Kalinga"/>
+        <a:font script="Mlym" typeface="Kartika"/>
+        <a:font script="Laoo" typeface="DokChampa"/>
+        <a:font script="Sinh" typeface="Iskoola Pota"/>
+        <a:font script="Mong" typeface="Mongolian Baiti"/>
+        <a:font script="Viet" typeface="Times New Roman"/>
+        <a:font script="Uigh" typeface="Microsoft Uighur"/>
+        <a:font script="Geor" typeface="Sylfaen"/>
+      </a:majorFont>
+      <a:minorFont>
+        <a:latin typeface="Arial"/>
+        <a:ea typeface=""/>
+        <a:cs typeface=""/>
+        <a:font script="Jpan" typeface="ＭＳ Ｐゴシック"/>
+        <a:font script="Hang" typeface="맑은 고딕"/>
+        <a:font script="Hans" typeface="宋体"/>
+        <a:font script="Hant" typeface="新細明體"/>
+        <a:font script="Arab" typeface="Arial"/>
+        <a:font script="Hebr" typeface="Arial"/>
+        <a:font script="Thai" typeface="Cordia New"/>
+        <a:font script="Ethi" typeface="Nyala"/>
+        <a:font script="Beng" typeface="Vrinda"/>
+        <a:font script="Gujr" typeface="Shruti"/>
+        <a:font script="Khmr" typeface="DaunPenh"/>
+        <a:font script="Knda" typeface="Tunga"/>
+        <a:font script="Guru" typeface="Raavi"/>
+        <a:font script="Cans" typeface="Euphemia"/>
+        <a:font script="Cher" typeface="Plantagenet Cherokee"/>
+        <a:font script="Yiii" typeface="Microsoft Yi Baiti"/>
+        <a:font script="Tibt" typeface="Microsoft Himalaya"/>
+        <a:font script="Thaa" typeface="MV Boli"/>
+        <a:font script="Deva" typeface="Mangal"/>
+        <a:font script="Telu" typeface="Gautami"/>
+        <a:font script="Taml" typeface="Latha"/>
+        <a:font script="Syrc" typeface="Estrangelo Edessa"/>
+        <a:font script="Orya" typeface="Kalinga"/>
+        <a:font script="Mlym" typeface="Kartika"/>
+        <a:font script="Laoo" typeface="DokChampa"/>
+        <a:font script="Sinh" typeface="Iskoola Pota"/>
+        <a:font script="Mong" typeface="Mongolian Baiti"/>
+        <a:font script="Viet" typeface="Arial"/>
+        <a:font script="Uigh" typeface="Microsoft Uighur"/>
+        <a:font script="Geor" typeface="Sylfaen"/>
+      </a:minorFont>
+    </a:fontScheme>
+    <a:fmtScheme name="Office">
+      <a:fillStyleLst>
+        <a:solidFill>
+          <a:schemeClr val="phClr"/>
+        </a:solidFill>
+        <a:gradFill rotWithShape="1">
+          <a:gsLst>
+            <a:gs pos="0">
+              <a:schemeClr val="phClr">
+                <a:tint val="50000"/>
+                <a:satMod val="300000"/>
+              </a:schemeClr>
+            </a:gs>
+            <a:gs pos="35000">
+              <a:schemeClr val="phClr">
+                <a:tint val="37000"/>
+                <a:satMod val="300000"/>
+              </a:schemeClr>
+            </a:gs>
+            <a:gs pos="100000">
+              <a:schemeClr val="phClr">
+                <a:tint val="15000"/>
+                <a:satMod val="350000"/>
+              </a:schemeClr>
+            </a:gs>
+          </a:gsLst>
+          <a:lin ang="16200000" scaled="1"/>
+        </a:gradFill>
+        <a:gradFill rotWithShape="1">
+          <a:gsLst>
+            <a:gs pos="0">
+              <a:schemeClr val="phClr">
+                <a:tint val="100000"/>
+                <a:shade val="100000"/>
+                <a:satMod val="130000"/>
+              </a:schemeClr>
+            </a:gs>
+            <a:gs pos="100000">
+              <a:schemeClr val="phClr">
+                <a:tint val="50000"/>
+                <a:shade val="100000"/>
+                <a:satMod val="350000"/>
+              </a:schemeClr>
+            </a:gs>
+          </a:gsLst>
+          <a:lin ang="16200000" scaled="0"/>
+        </a:gradFill>
+      </a:fillStyleLst>
+      <a:lnStyleLst>
+        <a:ln w="9525" cap="flat" cmpd="sng" algn="ctr">
+          <a:solidFill>
+            <a:schemeClr val="phClr">
+              <a:shade val="95000"/>
+              <a:satMod val="105000"/>
+            </a:schemeClr>
+          </a:solidFill>
+          <a:prstDash val="solid"/>
+        </a:ln>
+        <a:ln w="25400" cap="flat" cmpd="sng" algn="ctr">
+          <a:solidFill>
+            <a:schemeClr val="phClr"/>
+          </a:solidFill>
+          <a:prstDash val="solid"/>
+        </a:ln>
+        <a:ln w="38100" cap="flat" cmpd="sng" algn="ctr">
+          <a:solidFill>
+            <a:schemeClr val="phClr"/>
+          </a:solidFill>
+          <a:prstDash val="solid"/>
+        </a:ln>
+      </a:lnStyleLst>
+      <a:effectStyleLst>
+        <a:effectStyle>
+          <a:effectLst>
+            <a:outerShdw blurRad="40000" dist="20000" dir="5400000" rotWithShape="0">
+              <a:srgbClr val="000000">
+                <a:alpha val="38000"/>
+              </a:srgbClr>
+            </a:outerShdw>
+          </a:effectLst>
+        </a:effectStyle>
+        <a:effectStyle>
+          <a:effectLst>
+            <a:outerShdw blurRad="40000" dist="23000" dir="5400000" rotWithShape="0">
+              <a:srgbClr val="000000">
+                <a:alpha val="35000"/>
+              </a:srgbClr>
+            </a:outerShdw>
+          </a:effectLst>
+        </a:effectStyle>
+        <a:effectStyle>
+          <a:effectLst>
+            <a:outerShdw blurRad="40000" dist="23000" dir="5400000" rotWithShape="0">
+              <a:srgbClr val="000000">
+                <a:alpha val="35000"/>
+              </a:srgbClr>
+            </a:outerShdw>
+          </a:effectLst>
+          <a:scene3d>
+            <a:camera prst="orthographicFront">
+              <a:rot lat="0" lon="0" rev="0"/>
+            </a:camera>
+            <a:lightRig rig="threePt" dir="t">
+              <a:rot lat="0" lon="0" rev="1200000"/>
+            </a:lightRig>
+          </a:scene3d>
+          <a:sp3d>
+            <a:bevelT w="63500" h="25400"/>
+          </a:sp3d>
+        </a:effectStyle>
+      </a:effectStyleLst>
+      <a:bgFillStyleLst>
+        <a:solidFill>
+          <a:schemeClr val="phClr"/>
+        </a:solidFill>
+        <a:gradFill rotWithShape="1">
+          <a:gsLst>
+            <a:gs pos="0">
+              <a:schemeClr val="phClr">
+                <a:tint val="40000"/>
+                <a:satMod val="350000"/>
+              </a:schemeClr>
+            </a:gs>
+            <a:gs pos="40000">
+              <a:schemeClr val="phClr">
+                <a:tint val="45000"/>
+                <a:shade val="99000"/>
+                <a:satMod val="350000"/>
+              </a:schemeClr>
+            </a:gs>
+            <a:gs pos="100000">
+              <a:schemeClr val="phClr">
+                <a:shade val="20000"/>
+                <a:satMod val="255000"/>
+              </a:schemeClr>
+            </a:gs>
+          </a:gsLst>
+          <a:path path="circle">
+            <a:fillToRect l="50000" t="-80000" r="50000" b="180000"/>
+          </a:path>
+        </a:gradFill>
+        <a:gradFill rotWithShape="1">
+          <a:gsLst>
+            <a:gs pos="0">
+              <a:schemeClr val="phClr">
+                <a:tint val="80000"/>
+                <a:satMod val="300000"/>
+              </a:schemeClr>
+            </a:gs>
+            <a:gs pos="100000">
+              <a:schemeClr val="phClr">
+                <a:shade val="30000"/>
+                <a:satMod val="200000"/>
+              </a:schemeClr>
+            </a:gs>
+          </a:gsLst>
+          <a:path path="circle">
+            <a:fillToRect l="50000" t="50000" r="50000" b="50000"/>
+          </a:path>
+        </a:gradFill>
+      </a:bgFillStyleLst>
+    </a:fmtScheme>
+  </a:themeElements>
+  <a:objectDefaults/>
+  <a:extraClrSchemeLst/>
+</a:theme>
+</file>
+
+<file path=ppt/theme/theme2.xml><?xml version="1.0" encoding="utf-8"?>
+<a:theme xmlns:a="http://schemas.openxmlformats.org/drawingml/2006/main" name="Custom Theme">
   <a:themeElements>
     <a:clrScheme name="Default">
       <a:dk1>
@@ -5825,284 +7121,7 @@
       </a:bgFillStyleLst>
     </a:fmtScheme>
   </a:themeElements>
-</a:theme>
-</file>
-
-<file path=ppt/theme/theme2.xml><?xml version="1.0" encoding="utf-8"?>
-<a:theme xmlns:a="http://schemas.openxmlformats.org/drawingml/2006/main" xmlns:r="http://schemas.openxmlformats.org/officeDocument/2006/relationships" name="beach-day">
-  <a:themeElements>
-    <a:clrScheme name="Beach Day">
-      <a:dk1>
-        <a:srgbClr val="00FDC8"/>
-      </a:dk1>
-      <a:lt1>
-        <a:srgbClr val="FFFFFF"/>
-      </a:lt1>
-      <a:dk2>
-        <a:srgbClr val="666666"/>
-      </a:dk2>
-      <a:lt2>
-        <a:srgbClr val="EEEEEE"/>
-      </a:lt2>
-      <a:accent1>
-        <a:srgbClr val="212121"/>
-      </a:accent1>
-      <a:accent2>
-        <a:srgbClr val="455A64"/>
-      </a:accent2>
-      <a:accent3>
-        <a:srgbClr val="78909C"/>
-      </a:accent3>
-      <a:accent4>
-        <a:srgbClr val="7C7CE0"/>
-      </a:accent4>
-      <a:accent5>
-        <a:srgbClr val="DB4437"/>
-      </a:accent5>
-      <a:accent6>
-        <a:srgbClr val="F6CD4C"/>
-      </a:accent6>
-      <a:hlink>
-        <a:srgbClr val="DB4437"/>
-      </a:hlink>
-      <a:folHlink>
-        <a:srgbClr val="DB4437"/>
-      </a:folHlink>
-    </a:clrScheme>
-    <a:fontScheme name="Office">
-      <a:majorFont>
-        <a:latin typeface="Arial"/>
-        <a:ea typeface=""/>
-        <a:cs typeface=""/>
-        <a:font script="Jpan" typeface="ＭＳ Ｐゴシック"/>
-        <a:font script="Hang" typeface="맑은 고딕"/>
-        <a:font script="Hans" typeface="宋体"/>
-        <a:font script="Hant" typeface="新細明體"/>
-        <a:font script="Arab" typeface="Times New Roman"/>
-        <a:font script="Hebr" typeface="Times New Roman"/>
-        <a:font script="Thai" typeface="Angsana New"/>
-        <a:font script="Ethi" typeface="Nyala"/>
-        <a:font script="Beng" typeface="Vrinda"/>
-        <a:font script="Gujr" typeface="Shruti"/>
-        <a:font script="Khmr" typeface="MoolBoran"/>
-        <a:font script="Knda" typeface="Tunga"/>
-        <a:font script="Guru" typeface="Raavi"/>
-        <a:font script="Cans" typeface="Euphemia"/>
-        <a:font script="Cher" typeface="Plantagenet Cherokee"/>
-        <a:font script="Yiii" typeface="Microsoft Yi Baiti"/>
-        <a:font script="Tibt" typeface="Microsoft Himalaya"/>
-        <a:font script="Thaa" typeface="MV Boli"/>
-        <a:font script="Deva" typeface="Mangal"/>
-        <a:font script="Telu" typeface="Gautami"/>
-        <a:font script="Taml" typeface="Latha"/>
-        <a:font script="Syrc" typeface="Estrangelo Edessa"/>
-        <a:font script="Orya" typeface="Kalinga"/>
-        <a:font script="Mlym" typeface="Kartika"/>
-        <a:font script="Laoo" typeface="DokChampa"/>
-        <a:font script="Sinh" typeface="Iskoola Pota"/>
-        <a:font script="Mong" typeface="Mongolian Baiti"/>
-        <a:font script="Viet" typeface="Times New Roman"/>
-        <a:font script="Uigh" typeface="Microsoft Uighur"/>
-        <a:font script="Geor" typeface="Sylfaen"/>
-      </a:majorFont>
-      <a:minorFont>
-        <a:latin typeface="Arial"/>
-        <a:ea typeface=""/>
-        <a:cs typeface=""/>
-        <a:font script="Jpan" typeface="ＭＳ Ｐゴシック"/>
-        <a:font script="Hang" typeface="맑은 고딕"/>
-        <a:font script="Hans" typeface="宋体"/>
-        <a:font script="Hant" typeface="新細明體"/>
-        <a:font script="Arab" typeface="Arial"/>
-        <a:font script="Hebr" typeface="Arial"/>
-        <a:font script="Thai" typeface="Cordia New"/>
-        <a:font script="Ethi" typeface="Nyala"/>
-        <a:font script="Beng" typeface="Vrinda"/>
-        <a:font script="Gujr" typeface="Shruti"/>
-        <a:font script="Khmr" typeface="DaunPenh"/>
-        <a:font script="Knda" typeface="Tunga"/>
-        <a:font script="Guru" typeface="Raavi"/>
-        <a:font script="Cans" typeface="Euphemia"/>
-        <a:font script="Cher" typeface="Plantagenet Cherokee"/>
-        <a:font script="Yiii" typeface="Microsoft Yi Baiti"/>
-        <a:font script="Tibt" typeface="Microsoft Himalaya"/>
-        <a:font script="Thaa" typeface="MV Boli"/>
-        <a:font script="Deva" typeface="Mangal"/>
-        <a:font script="Telu" typeface="Gautami"/>
-        <a:font script="Taml" typeface="Latha"/>
-        <a:font script="Syrc" typeface="Estrangelo Edessa"/>
-        <a:font script="Orya" typeface="Kalinga"/>
-        <a:font script="Mlym" typeface="Kartika"/>
-        <a:font script="Laoo" typeface="DokChampa"/>
-        <a:font script="Sinh" typeface="Iskoola Pota"/>
-        <a:font script="Mong" typeface="Mongolian Baiti"/>
-        <a:font script="Viet" typeface="Arial"/>
-        <a:font script="Uigh" typeface="Microsoft Uighur"/>
-        <a:font script="Geor" typeface="Sylfaen"/>
-      </a:minorFont>
-    </a:fontScheme>
-    <a:fmtScheme name="Office">
-      <a:fillStyleLst>
-        <a:solidFill>
-          <a:schemeClr val="phClr"/>
-        </a:solidFill>
-        <a:gradFill rotWithShape="1">
-          <a:gsLst>
-            <a:gs pos="0">
-              <a:schemeClr val="phClr">
-                <a:tint val="50000"/>
-                <a:satMod val="300000"/>
-              </a:schemeClr>
-            </a:gs>
-            <a:gs pos="35000">
-              <a:schemeClr val="phClr">
-                <a:tint val="37000"/>
-                <a:satMod val="300000"/>
-              </a:schemeClr>
-            </a:gs>
-            <a:gs pos="100000">
-              <a:schemeClr val="phClr">
-                <a:tint val="15000"/>
-                <a:satMod val="350000"/>
-              </a:schemeClr>
-            </a:gs>
-          </a:gsLst>
-          <a:lin ang="16200000" scaled="1"/>
-        </a:gradFill>
-        <a:gradFill rotWithShape="1">
-          <a:gsLst>
-            <a:gs pos="0">
-              <a:schemeClr val="phClr">
-                <a:tint val="100000"/>
-                <a:shade val="100000"/>
-                <a:satMod val="130000"/>
-              </a:schemeClr>
-            </a:gs>
-            <a:gs pos="100000">
-              <a:schemeClr val="phClr">
-                <a:tint val="50000"/>
-                <a:shade val="100000"/>
-                <a:satMod val="350000"/>
-              </a:schemeClr>
-            </a:gs>
-          </a:gsLst>
-          <a:lin ang="16200000" scaled="0"/>
-        </a:gradFill>
-      </a:fillStyleLst>
-      <a:lnStyleLst>
-        <a:ln w="9525" cap="flat" cmpd="sng" algn="ctr">
-          <a:solidFill>
-            <a:schemeClr val="phClr">
-              <a:shade val="95000"/>
-              <a:satMod val="105000"/>
-            </a:schemeClr>
-          </a:solidFill>
-          <a:prstDash val="solid"/>
-        </a:ln>
-        <a:ln w="25400" cap="flat" cmpd="sng" algn="ctr">
-          <a:solidFill>
-            <a:schemeClr val="phClr"/>
-          </a:solidFill>
-          <a:prstDash val="solid"/>
-        </a:ln>
-        <a:ln w="38100" cap="flat" cmpd="sng" algn="ctr">
-          <a:solidFill>
-            <a:schemeClr val="phClr"/>
-          </a:solidFill>
-          <a:prstDash val="solid"/>
-        </a:ln>
-      </a:lnStyleLst>
-      <a:effectStyleLst>
-        <a:effectStyle>
-          <a:effectLst>
-            <a:outerShdw blurRad="40000" dist="20000" dir="5400000" rotWithShape="0">
-              <a:srgbClr val="000000">
-                <a:alpha val="38000"/>
-              </a:srgbClr>
-            </a:outerShdw>
-          </a:effectLst>
-        </a:effectStyle>
-        <a:effectStyle>
-          <a:effectLst>
-            <a:outerShdw blurRad="40000" dist="23000" dir="5400000" rotWithShape="0">
-              <a:srgbClr val="000000">
-                <a:alpha val="35000"/>
-              </a:srgbClr>
-            </a:outerShdw>
-          </a:effectLst>
-        </a:effectStyle>
-        <a:effectStyle>
-          <a:effectLst>
-            <a:outerShdw blurRad="40000" dist="23000" dir="5400000" rotWithShape="0">
-              <a:srgbClr val="000000">
-                <a:alpha val="35000"/>
-              </a:srgbClr>
-            </a:outerShdw>
-          </a:effectLst>
-          <a:scene3d>
-            <a:camera prst="orthographicFront">
-              <a:rot lat="0" lon="0" rev="0"/>
-            </a:camera>
-            <a:lightRig rig="threePt" dir="t">
-              <a:rot lat="0" lon="0" rev="1200000"/>
-            </a:lightRig>
-          </a:scene3d>
-          <a:sp3d>
-            <a:bevelT w="63500" h="25400"/>
-          </a:sp3d>
-        </a:effectStyle>
-      </a:effectStyleLst>
-      <a:bgFillStyleLst>
-        <a:solidFill>
-          <a:schemeClr val="phClr"/>
-        </a:solidFill>
-        <a:gradFill rotWithShape="1">
-          <a:gsLst>
-            <a:gs pos="0">
-              <a:schemeClr val="phClr">
-                <a:tint val="40000"/>
-                <a:satMod val="350000"/>
-              </a:schemeClr>
-            </a:gs>
-            <a:gs pos="40000">
-              <a:schemeClr val="phClr">
-                <a:tint val="45000"/>
-                <a:shade val="99000"/>
-                <a:satMod val="350000"/>
-              </a:schemeClr>
-            </a:gs>
-            <a:gs pos="100000">
-              <a:schemeClr val="phClr">
-                <a:shade val="20000"/>
-                <a:satMod val="255000"/>
-              </a:schemeClr>
-            </a:gs>
-          </a:gsLst>
-          <a:path path="circle">
-            <a:fillToRect l="50000" t="-80000" r="50000" b="180000"/>
-          </a:path>
-        </a:gradFill>
-        <a:gradFill rotWithShape="1">
-          <a:gsLst>
-            <a:gs pos="0">
-              <a:schemeClr val="phClr">
-                <a:tint val="80000"/>
-                <a:satMod val="300000"/>
-              </a:schemeClr>
-            </a:gs>
-            <a:gs pos="100000">
-              <a:schemeClr val="phClr">
-                <a:shade val="30000"/>
-                <a:satMod val="200000"/>
-              </a:schemeClr>
-            </a:gs>
-          </a:gsLst>
-          <a:path path="circle">
-            <a:fillToRect l="50000" t="50000" r="50000" b="50000"/>
-          </a:path>
-        </a:gradFill>
-      </a:bgFillStyleLst>
-    </a:fmtScheme>
-  </a:themeElements>
+  <a:objectDefaults/>
+  <a:extraClrSchemeLst/>
 </a:theme>
 </file>
--- a/Daily Expense Manager Using MEAN Stack.pptx
+++ b/Daily Expense Manager Using MEAN Stack.pptx
@@ -421,6 +421,11 @@
         </p:txBody>
       </p:sp>
     </p:spTree>
+    <p:extLst>
+      <p:ext uri="{BB962C8B-B14F-4D97-AF65-F5344CB8AC3E}">
+        <p14:creationId xmlns:p14="http://schemas.microsoft.com/office/powerpoint/2010/main" val="3414682792"/>
+      </p:ext>
+    </p:extLst>
   </p:cSld>
   <p:clrMap bg1="lt1" tx1="dk1" bg2="dk2" tx2="lt2" accent1="accent1" accent2="accent2" accent3="accent3" accent4="accent4" accent5="accent5" accent6="accent6" hlink="hlink" folHlink="folHlink"/>
   <p:notesStyle>
@@ -5182,25 +5187,6 @@
           </a:p>
         </p:txBody>
       </p:sp>
-      <p:sp>
-        <p:nvSpPr>
-          <p:cNvPr id="3" name="Text Placeholder 2"/>
-          <p:cNvSpPr>
-            <a:spLocks noGrp="1"/>
-          </p:cNvSpPr>
-          <p:nvPr>
-            <p:ph type="body" idx="1"/>
-          </p:nvPr>
-        </p:nvSpPr>
-        <p:spPr/>
-        <p:txBody>
-          <a:bodyPr/>
-          <a:lstStyle/>
-          <a:p>
-            <a:endParaRPr lang="en-US" dirty="0"/>
-          </a:p>
-        </p:txBody>
-      </p:sp>
       <p:pic>
         <p:nvPicPr>
           <p:cNvPr id="4098" name="Picture 2"/>
@@ -5370,25 +5356,6 @@
               <a:t>Dashboard</a:t>
             </a:r>
             <a:endParaRPr lang="en-US" dirty="0"/>
-          </a:p>
-        </p:txBody>
-      </p:sp>
-      <p:sp>
-        <p:nvSpPr>
-          <p:cNvPr id="3" name="Text Placeholder 2"/>
-          <p:cNvSpPr>
-            <a:spLocks noGrp="1"/>
-          </p:cNvSpPr>
-          <p:nvPr>
-            <p:ph type="body" idx="1"/>
-          </p:nvPr>
-        </p:nvSpPr>
-        <p:spPr/>
-        <p:txBody>
-          <a:bodyPr/>
-          <a:lstStyle/>
-          <a:p>
-            <a:endParaRPr lang="en-US"/>
           </a:p>
         </p:txBody>
       </p:sp>
@@ -5470,25 +5437,6 @@
               <a:rPr lang="en-US" dirty="0" smtClean="0"/>
               <a:t>Transactions</a:t>
             </a:r>
-            <a:endParaRPr lang="en-US" dirty="0"/>
-          </a:p>
-        </p:txBody>
-      </p:sp>
-      <p:sp>
-        <p:nvSpPr>
-          <p:cNvPr id="3" name="Text Placeholder 2"/>
-          <p:cNvSpPr>
-            <a:spLocks noGrp="1"/>
-          </p:cNvSpPr>
-          <p:nvPr>
-            <p:ph type="body" idx="1"/>
-          </p:nvPr>
-        </p:nvSpPr>
-        <p:spPr/>
-        <p:txBody>
-          <a:bodyPr/>
-          <a:lstStyle/>
-          <a:p>
             <a:endParaRPr lang="en-US" dirty="0"/>
           </a:p>
         </p:txBody>
@@ -6584,25 +6532,6 @@
               <a:rPr lang="en-US" dirty="0" err="1" smtClean="0"/>
               <a:t>HomePage</a:t>
             </a:r>
-            <a:endParaRPr lang="en-US" dirty="0"/>
-          </a:p>
-        </p:txBody>
-      </p:sp>
-      <p:sp>
-        <p:nvSpPr>
-          <p:cNvPr id="3" name="Text Placeholder 2"/>
-          <p:cNvSpPr>
-            <a:spLocks noGrp="1"/>
-          </p:cNvSpPr>
-          <p:nvPr>
-            <p:ph type="body" idx="1"/>
-          </p:nvPr>
-        </p:nvSpPr>
-        <p:spPr/>
-        <p:txBody>
-          <a:bodyPr/>
-          <a:lstStyle/>
-          <a:p>
             <a:endParaRPr lang="en-US" dirty="0"/>
           </a:p>
         </p:txBody>
@@ -6693,25 +6622,6 @@
               <a:t>Login Page</a:t>
             </a:r>
             <a:endParaRPr lang="en-US" dirty="0"/>
-          </a:p>
-        </p:txBody>
-      </p:sp>
-      <p:sp>
-        <p:nvSpPr>
-          <p:cNvPr id="3" name="Text Placeholder 2"/>
-          <p:cNvSpPr>
-            <a:spLocks noGrp="1"/>
-          </p:cNvSpPr>
-          <p:nvPr>
-            <p:ph type="body" idx="1"/>
-          </p:nvPr>
-        </p:nvSpPr>
-        <p:spPr/>
-        <p:txBody>
-          <a:bodyPr/>
-          <a:lstStyle/>
-          <a:p>
-            <a:endParaRPr lang="en-US"/>
           </a:p>
         </p:txBody>
       </p:sp>
